--- a/CrossTalkModel/slides/UpdateSlides.pptx
+++ b/CrossTalkModel/slides/UpdateSlides.pptx
@@ -8,14 +8,22 @@
     <p:sldId id="277" r:id="rId2"/>
     <p:sldId id="261" r:id="rId3"/>
     <p:sldId id="265" r:id="rId4"/>
-    <p:sldId id="266" r:id="rId5"/>
-    <p:sldId id="276" r:id="rId6"/>
-    <p:sldId id="278" r:id="rId7"/>
-    <p:sldId id="279" r:id="rId8"/>
+    <p:sldId id="276" r:id="rId5"/>
+    <p:sldId id="278" r:id="rId6"/>
+    <p:sldId id="279" r:id="rId7"/>
+    <p:sldId id="256" r:id="rId8"/>
     <p:sldId id="280" r:id="rId9"/>
     <p:sldId id="281" r:id="rId10"/>
     <p:sldId id="287" r:id="rId11"/>
-    <p:sldId id="288" r:id="rId12"/>
+    <p:sldId id="283" r:id="rId12"/>
+    <p:sldId id="284" r:id="rId13"/>
+    <p:sldId id="285" r:id="rId14"/>
+    <p:sldId id="286" r:id="rId15"/>
+    <p:sldId id="288" r:id="rId16"/>
+    <p:sldId id="289" r:id="rId17"/>
+    <p:sldId id="290" r:id="rId18"/>
+    <p:sldId id="291" r:id="rId19"/>
+    <p:sldId id="282" r:id="rId20"/>
   </p:sldIdLst>
   <p:sldSz cx="18000663" cy="12192000"/>
   <p:notesSz cx="6858000" cy="9144000"/>
@@ -253,7 +261,7 @@
           <a:p>
             <a:fld id="{3110257A-BAA8-4D64-B049-2BAED0F09ABC}" type="datetimeFigureOut">
               <a:rPr lang="en-GB" smtClean="0"/>
-              <a:t>18/12/2018</a:t>
+              <a:t>07/01/2019</a:t>
             </a:fld>
             <a:endParaRPr lang="en-GB"/>
           </a:p>
@@ -423,7 +431,7 @@
           <a:p>
             <a:fld id="{3110257A-BAA8-4D64-B049-2BAED0F09ABC}" type="datetimeFigureOut">
               <a:rPr lang="en-GB" smtClean="0"/>
-              <a:t>18/12/2018</a:t>
+              <a:t>07/01/2019</a:t>
             </a:fld>
             <a:endParaRPr lang="en-GB"/>
           </a:p>
@@ -603,7 +611,7 @@
           <a:p>
             <a:fld id="{3110257A-BAA8-4D64-B049-2BAED0F09ABC}" type="datetimeFigureOut">
               <a:rPr lang="en-GB" smtClean="0"/>
-              <a:t>18/12/2018</a:t>
+              <a:t>07/01/2019</a:t>
             </a:fld>
             <a:endParaRPr lang="en-GB"/>
           </a:p>
@@ -773,7 +781,7 @@
           <a:p>
             <a:fld id="{3110257A-BAA8-4D64-B049-2BAED0F09ABC}" type="datetimeFigureOut">
               <a:rPr lang="en-GB" smtClean="0"/>
-              <a:t>18/12/2018</a:t>
+              <a:t>07/01/2019</a:t>
             </a:fld>
             <a:endParaRPr lang="en-GB"/>
           </a:p>
@@ -1017,7 +1025,7 @@
           <a:p>
             <a:fld id="{3110257A-BAA8-4D64-B049-2BAED0F09ABC}" type="datetimeFigureOut">
               <a:rPr lang="en-GB" smtClean="0"/>
-              <a:t>18/12/2018</a:t>
+              <a:t>07/01/2019</a:t>
             </a:fld>
             <a:endParaRPr lang="en-GB"/>
           </a:p>
@@ -1249,7 +1257,7 @@
           <a:p>
             <a:fld id="{3110257A-BAA8-4D64-B049-2BAED0F09ABC}" type="datetimeFigureOut">
               <a:rPr lang="en-GB" smtClean="0"/>
-              <a:t>18/12/2018</a:t>
+              <a:t>07/01/2019</a:t>
             </a:fld>
             <a:endParaRPr lang="en-GB"/>
           </a:p>
@@ -1616,7 +1624,7 @@
           <a:p>
             <a:fld id="{3110257A-BAA8-4D64-B049-2BAED0F09ABC}" type="datetimeFigureOut">
               <a:rPr lang="en-GB" smtClean="0"/>
-              <a:t>18/12/2018</a:t>
+              <a:t>07/01/2019</a:t>
             </a:fld>
             <a:endParaRPr lang="en-GB"/>
           </a:p>
@@ -1734,7 +1742,7 @@
           <a:p>
             <a:fld id="{3110257A-BAA8-4D64-B049-2BAED0F09ABC}" type="datetimeFigureOut">
               <a:rPr lang="en-GB" smtClean="0"/>
-              <a:t>18/12/2018</a:t>
+              <a:t>07/01/2019</a:t>
             </a:fld>
             <a:endParaRPr lang="en-GB"/>
           </a:p>
@@ -1829,7 +1837,7 @@
           <a:p>
             <a:fld id="{3110257A-BAA8-4D64-B049-2BAED0F09ABC}" type="datetimeFigureOut">
               <a:rPr lang="en-GB" smtClean="0"/>
-              <a:t>18/12/2018</a:t>
+              <a:t>07/01/2019</a:t>
             </a:fld>
             <a:endParaRPr lang="en-GB"/>
           </a:p>
@@ -2106,7 +2114,7 @@
           <a:p>
             <a:fld id="{3110257A-BAA8-4D64-B049-2BAED0F09ABC}" type="datetimeFigureOut">
               <a:rPr lang="en-GB" smtClean="0"/>
-              <a:t>18/12/2018</a:t>
+              <a:t>07/01/2019</a:t>
             </a:fld>
             <a:endParaRPr lang="en-GB"/>
           </a:p>
@@ -2363,7 +2371,7 @@
           <a:p>
             <a:fld id="{3110257A-BAA8-4D64-B049-2BAED0F09ABC}" type="datetimeFigureOut">
               <a:rPr lang="en-GB" smtClean="0"/>
-              <a:t>18/12/2018</a:t>
+              <a:t>07/01/2019</a:t>
             </a:fld>
             <a:endParaRPr lang="en-GB"/>
           </a:p>
@@ -2576,7 +2584,7 @@
           <a:p>
             <a:fld id="{3110257A-BAA8-4D64-B049-2BAED0F09ABC}" type="datetimeFigureOut">
               <a:rPr lang="en-GB" smtClean="0"/>
-              <a:t>18/12/2018</a:t>
+              <a:t>07/01/2019</a:t>
             </a:fld>
             <a:endParaRPr lang="en-GB"/>
           </a:p>
@@ -8476,7 +8484,7 @@
           <p:cNvPr id="2" name="Title 1">
             <a:extLst>
               <a:ext uri="{FF2B5EF4-FFF2-40B4-BE49-F238E27FC236}">
-                <a16:creationId xmlns:a16="http://schemas.microsoft.com/office/drawing/2014/main" id="{978FBA45-EEE8-4353-9965-339394BF97D6}"/>
+                <a16:creationId xmlns:a16="http://schemas.microsoft.com/office/drawing/2014/main" id="{BE002960-1E4C-4A88-8158-EA052AE4AAEF}"/>
               </a:ext>
             </a:extLst>
           </p:cNvPr>
@@ -8487,127 +8495,125 @@
             <p:ph type="title"/>
           </p:nvPr>
         </p:nvSpPr>
-        <p:spPr/>
+        <p:spPr>
+          <a:xfrm>
+            <a:off x="5426088" y="221411"/>
+            <a:ext cx="12139241" cy="753225"/>
+          </a:xfrm>
+        </p:spPr>
         <p:txBody>
-          <a:bodyPr/>
+          <a:bodyPr>
+            <a:normAutofit fontScale="90000"/>
+          </a:bodyPr>
           <a:lstStyle/>
           <a:p>
-            <a:endParaRPr lang="en-GB"/>
+            <a:r>
+              <a:rPr lang="en-US" dirty="0"/>
+              <a:t>Topology 2</a:t>
+            </a:r>
+            <a:endParaRPr lang="en-GB" dirty="0"/>
           </a:p>
         </p:txBody>
       </p:sp>
-      <p:sp>
-        <p:nvSpPr>
-          <p:cNvPr id="3" name="Content Placeholder 2">
+      <p:pic>
+        <p:nvPicPr>
+          <p:cNvPr id="3" name="Picture 2">
             <a:extLst>
               <a:ext uri="{FF2B5EF4-FFF2-40B4-BE49-F238E27FC236}">
-                <a16:creationId xmlns:a16="http://schemas.microsoft.com/office/drawing/2014/main" id="{02629C23-A68D-4209-8686-BEB64F3F9FF6}"/>
+                <a16:creationId xmlns:a16="http://schemas.microsoft.com/office/drawing/2014/main" id="{088FCCE2-F74D-4143-B45E-D66EF4AC2882}"/>
               </a:ext>
             </a:extLst>
           </p:cNvPr>
-          <p:cNvSpPr>
-            <a:spLocks noGrp="1"/>
-          </p:cNvSpPr>
-          <p:nvPr>
-            <p:ph idx="1"/>
-          </p:nvPr>
+          <p:cNvPicPr>
+            <a:picLocks noChangeAspect="1"/>
+          </p:cNvPicPr>
+          <p:nvPr/>
+        </p:nvPicPr>
+        <p:blipFill>
+          <a:blip r:embed="rId2"/>
+          <a:stretch>
+            <a:fillRect/>
+          </a:stretch>
+        </p:blipFill>
+        <p:spPr>
+          <a:xfrm>
+            <a:off x="942180" y="974636"/>
+            <a:ext cx="15501989" cy="10995954"/>
+          </a:xfrm>
+          <a:prstGeom prst="rect">
+            <a:avLst/>
+          </a:prstGeom>
+        </p:spPr>
+      </p:pic>
+      <p:pic>
+        <p:nvPicPr>
+          <p:cNvPr id="4" name="Picture 3">
+            <a:extLst>
+              <a:ext uri="{FF2B5EF4-FFF2-40B4-BE49-F238E27FC236}">
+                <a16:creationId xmlns:a16="http://schemas.microsoft.com/office/drawing/2014/main" id="{E89F7B93-73EE-496E-9917-32C1CB9426AA}"/>
+              </a:ext>
+            </a:extLst>
+          </p:cNvPr>
+          <p:cNvPicPr>
+            <a:picLocks noChangeAspect="1"/>
+          </p:cNvPicPr>
+          <p:nvPr/>
+        </p:nvPicPr>
+        <p:blipFill>
+          <a:blip r:embed="rId2"/>
+          <a:stretch>
+            <a:fillRect/>
+          </a:stretch>
+        </p:blipFill>
+        <p:spPr>
+          <a:xfrm>
+            <a:off x="942180" y="1196046"/>
+            <a:ext cx="15501989" cy="10995954"/>
+          </a:xfrm>
+          <a:prstGeom prst="rect">
+            <a:avLst/>
+          </a:prstGeom>
+        </p:spPr>
+      </p:pic>
+      <p:sp>
+        <p:nvSpPr>
+          <p:cNvPr id="5" name="Rectangle 4">
+            <a:extLst>
+              <a:ext uri="{FF2B5EF4-FFF2-40B4-BE49-F238E27FC236}">
+                <a16:creationId xmlns:a16="http://schemas.microsoft.com/office/drawing/2014/main" id="{2AA3F02D-F204-4ACE-812C-D4D2F36F9145}"/>
+              </a:ext>
+            </a:extLst>
+          </p:cNvPr>
+          <p:cNvSpPr/>
+          <p:nvPr/>
         </p:nvSpPr>
-        <p:spPr/>
+        <p:spPr>
+          <a:xfrm>
+            <a:off x="13590616" y="974636"/>
+            <a:ext cx="4410047" cy="369332"/>
+          </a:xfrm>
+          <a:prstGeom prst="rect">
+            <a:avLst/>
+          </a:prstGeom>
+        </p:spPr>
         <p:txBody>
-          <a:bodyPr>
-            <a:normAutofit fontScale="85000" lnSpcReduction="10000"/>
+          <a:bodyPr wrap="square">
+            <a:spAutoFit/>
           </a:bodyPr>
           <a:lstStyle/>
           <a:p>
             <a:r>
               <a:rPr lang="en-US" dirty="0"/>
-              <a:t>I’ve had a think about what might be required – in addition to your existing experiments - in order to distinguish </a:t>
-            </a:r>
-            <a:r>
-              <a:rPr lang="en-US" dirty="0" err="1"/>
-              <a:t>Erk</a:t>
-            </a:r>
-            <a:r>
-              <a:rPr lang="en-US" dirty="0"/>
-              <a:t> and </a:t>
-            </a:r>
-            <a:r>
-              <a:rPr lang="en-US" dirty="0" err="1"/>
-              <a:t>Akt</a:t>
-            </a:r>
-            <a:r>
-              <a:rPr lang="en-US" dirty="0"/>
-              <a:t> interactions with Smad2. </a:t>
-            </a:r>
-          </a:p>
-          <a:p>
-            <a:r>
-              <a:rPr lang="en-US" dirty="0"/>
-              <a:t>At present you are using 45 minutes of </a:t>
-            </a:r>
-            <a:r>
-              <a:rPr lang="en-US" dirty="0" err="1"/>
-              <a:t>TGFb</a:t>
-            </a:r>
-            <a:r>
-              <a:rPr lang="en-US" dirty="0"/>
-              <a:t> stimulation as a read out and a proxy for how a variety of pretreatment conditions affect Smad2 signaling. It may be that </a:t>
-            </a:r>
-            <a:r>
-              <a:rPr lang="en-US" dirty="0" err="1"/>
-              <a:t>pAkt</a:t>
-            </a:r>
-            <a:r>
-              <a:rPr lang="en-US" dirty="0"/>
-              <a:t>, </a:t>
-            </a:r>
-            <a:r>
-              <a:rPr lang="en-US" dirty="0" err="1"/>
-              <a:t>pErk</a:t>
-            </a:r>
-            <a:r>
-              <a:rPr lang="en-US" dirty="0"/>
-              <a:t> or indeed both are capable of interacting with Smad2, so how do we distinguish between these scenarios? </a:t>
-            </a:r>
-          </a:p>
-          <a:p>
-            <a:r>
-              <a:rPr lang="en-US" dirty="0"/>
-              <a:t>Well perhaps if we were to measure more than just the 45min time point after TGF exposure in one or two of these conditions we may be able to distinguish the shape of the pSmad2 profile. </a:t>
-            </a:r>
-          </a:p>
-          <a:p>
-            <a:pPr lvl="1"/>
-            <a:r>
-              <a:rPr lang="en-US" dirty="0"/>
-              <a:t>To be clear, This means varying the lysis time after TGF stimulation, rather than varying the pretreatment time, which would be left fixed at +/- </a:t>
-            </a:r>
-            <a:r>
-              <a:rPr lang="en-US" dirty="0" err="1"/>
-              <a:t>TGFb</a:t>
-            </a:r>
-            <a:r>
-              <a:rPr lang="en-US" dirty="0"/>
-              <a:t>, +/- </a:t>
-            </a:r>
-            <a:r>
-              <a:rPr lang="en-US" dirty="0" err="1"/>
-              <a:t>Everolimus</a:t>
-            </a:r>
-            <a:endParaRPr lang="en-US" dirty="0"/>
-          </a:p>
-          <a:p>
-            <a:endParaRPr lang="en-US" dirty="0"/>
-          </a:p>
-          <a:p>
-            <a:endParaRPr lang="en-US" dirty="0"/>
+              <a:t>Note: this is the same as previous, topology</a:t>
+            </a:r>
+            <a:endParaRPr lang="en-GB" dirty="0"/>
           </a:p>
         </p:txBody>
       </p:sp>
     </p:spTree>
     <p:extLst>
       <p:ext uri="{BB962C8B-B14F-4D97-AF65-F5344CB8AC3E}">
-        <p14:creationId xmlns:p14="http://schemas.microsoft.com/office/powerpoint/2010/main" val="785370020"/>
+        <p14:creationId xmlns:p14="http://schemas.microsoft.com/office/powerpoint/2010/main" val="1577792569"/>
       </p:ext>
     </p:extLst>
   </p:cSld>
@@ -8639,7 +8645,7 @@
           <p:cNvPr id="2" name="Title 1">
             <a:extLst>
               <a:ext uri="{FF2B5EF4-FFF2-40B4-BE49-F238E27FC236}">
-                <a16:creationId xmlns:a16="http://schemas.microsoft.com/office/drawing/2014/main" id="{61233B8F-82D3-4F20-82B0-5B287D3170D0}"/>
+                <a16:creationId xmlns:a16="http://schemas.microsoft.com/office/drawing/2014/main" id="{F73B3BB6-B0C6-4F84-B694-45185E98F0E0}"/>
               </a:ext>
             </a:extLst>
           </p:cNvPr>
@@ -8650,25 +8656,227 @@
             <p:ph type="title"/>
           </p:nvPr>
         </p:nvSpPr>
-        <p:spPr/>
+        <p:spPr>
+          <a:xfrm>
+            <a:off x="1237546" y="649114"/>
+            <a:ext cx="14408854" cy="387206"/>
+          </a:xfrm>
+        </p:spPr>
         <p:txBody>
-          <a:bodyPr/>
+          <a:bodyPr>
+            <a:normAutofit fontScale="90000"/>
+          </a:bodyPr>
           <a:lstStyle/>
           <a:p>
             <a:r>
               <a:rPr lang="en-US" dirty="0"/>
-              <a:t>Some notes</a:t>
+              <a:t>Smad2 Interpretation</a:t>
             </a:r>
             <a:endParaRPr lang="en-GB" dirty="0"/>
           </a:p>
         </p:txBody>
       </p:sp>
+      <p:grpSp>
+        <p:nvGrpSpPr>
+          <p:cNvPr id="14" name="Group 13">
+            <a:extLst>
+              <a:ext uri="{FF2B5EF4-FFF2-40B4-BE49-F238E27FC236}">
+                <a16:creationId xmlns:a16="http://schemas.microsoft.com/office/drawing/2014/main" id="{F366FDDB-AF2B-4372-B571-644703F2BE52}"/>
+              </a:ext>
+            </a:extLst>
+          </p:cNvPr>
+          <p:cNvGrpSpPr/>
+          <p:nvPr/>
+        </p:nvGrpSpPr>
+        <p:grpSpPr>
+          <a:xfrm>
+            <a:off x="12562746" y="842717"/>
+            <a:ext cx="4727761" cy="10859239"/>
+            <a:chOff x="12562746" y="842717"/>
+            <a:chExt cx="4727761" cy="10859239"/>
+          </a:xfrm>
+        </p:grpSpPr>
+        <p:grpSp>
+          <p:nvGrpSpPr>
+            <p:cNvPr id="13" name="Group 12">
+              <a:extLst>
+                <a:ext uri="{FF2B5EF4-FFF2-40B4-BE49-F238E27FC236}">
+                  <a16:creationId xmlns:a16="http://schemas.microsoft.com/office/drawing/2014/main" id="{EA87A64D-5A62-4A4B-A430-0152835E3D13}"/>
+                </a:ext>
+              </a:extLst>
+            </p:cNvPr>
+            <p:cNvGrpSpPr/>
+            <p:nvPr/>
+          </p:nvGrpSpPr>
+          <p:grpSpPr>
+            <a:xfrm>
+              <a:off x="12562746" y="842717"/>
+              <a:ext cx="4727761" cy="5613808"/>
+              <a:chOff x="12823144" y="5912052"/>
+              <a:chExt cx="4727761" cy="5613808"/>
+            </a:xfrm>
+          </p:grpSpPr>
+          <p:sp>
+            <p:nvSpPr>
+              <p:cNvPr id="4" name="TextBox 3">
+                <a:extLst>
+                  <a:ext uri="{FF2B5EF4-FFF2-40B4-BE49-F238E27FC236}">
+                    <a16:creationId xmlns:a16="http://schemas.microsoft.com/office/drawing/2014/main" id="{23D0D4C2-4BF6-4FBF-AEA6-A84EF9C7366F}"/>
+                  </a:ext>
+                </a:extLst>
+              </p:cNvPr>
+              <p:cNvSpPr txBox="1"/>
+              <p:nvPr/>
+            </p:nvSpPr>
+            <p:spPr>
+              <a:xfrm flipH="1">
+                <a:off x="14707307" y="5912052"/>
+                <a:ext cx="2269778" cy="523220"/>
+              </a:xfrm>
+              <a:prstGeom prst="rect">
+                <a:avLst/>
+              </a:prstGeom>
+              <a:noFill/>
+            </p:spPr>
+            <p:txBody>
+              <a:bodyPr wrap="square" rtlCol="0">
+                <a:spAutoFit/>
+              </a:bodyPr>
+              <a:lstStyle/>
+              <a:p>
+                <a:r>
+                  <a:rPr lang="en-US" sz="2800" dirty="0"/>
+                  <a:t>AZD</a:t>
+                </a:r>
+                <a:endParaRPr lang="en-GB" dirty="0"/>
+              </a:p>
+            </p:txBody>
+          </p:sp>
+          <p:pic>
+            <p:nvPicPr>
+              <p:cNvPr id="6" name="Picture 5">
+                <a:extLst>
+                  <a:ext uri="{FF2B5EF4-FFF2-40B4-BE49-F238E27FC236}">
+                    <a16:creationId xmlns:a16="http://schemas.microsoft.com/office/drawing/2014/main" id="{658672BA-703B-4BDE-9258-6EB3D34B38CD}"/>
+                  </a:ext>
+                </a:extLst>
+              </p:cNvPr>
+              <p:cNvPicPr>
+                <a:picLocks noChangeAspect="1"/>
+              </p:cNvPicPr>
+              <p:nvPr/>
+            </p:nvPicPr>
+            <p:blipFill>
+              <a:blip r:embed="rId2"/>
+              <a:stretch>
+                <a:fillRect/>
+              </a:stretch>
+            </p:blipFill>
+            <p:spPr>
+              <a:xfrm>
+                <a:off x="12823144" y="6624830"/>
+                <a:ext cx="4727761" cy="4901030"/>
+              </a:xfrm>
+              <a:prstGeom prst="rect">
+                <a:avLst/>
+              </a:prstGeom>
+            </p:spPr>
+          </p:pic>
+        </p:grpSp>
+        <p:grpSp>
+          <p:nvGrpSpPr>
+            <p:cNvPr id="8" name="Group 7">
+              <a:extLst>
+                <a:ext uri="{FF2B5EF4-FFF2-40B4-BE49-F238E27FC236}">
+                  <a16:creationId xmlns:a16="http://schemas.microsoft.com/office/drawing/2014/main" id="{0B92CCAA-7B5D-40FB-A276-316879A35D0E}"/>
+                </a:ext>
+              </a:extLst>
+            </p:cNvPr>
+            <p:cNvGrpSpPr/>
+            <p:nvPr/>
+          </p:nvGrpSpPr>
+          <p:grpSpPr>
+            <a:xfrm>
+              <a:off x="12823143" y="6456525"/>
+              <a:ext cx="4206966" cy="5245431"/>
+              <a:chOff x="13148143" y="5004818"/>
+              <a:chExt cx="4206966" cy="5245431"/>
+            </a:xfrm>
+          </p:grpSpPr>
+          <p:sp>
+            <p:nvSpPr>
+              <p:cNvPr id="5" name="TextBox 4">
+                <a:extLst>
+                  <a:ext uri="{FF2B5EF4-FFF2-40B4-BE49-F238E27FC236}">
+                    <a16:creationId xmlns:a16="http://schemas.microsoft.com/office/drawing/2014/main" id="{D2867FE9-36C0-4D18-BBB6-3EFA7CF33FEC}"/>
+                  </a:ext>
+                </a:extLst>
+              </p:cNvPr>
+              <p:cNvSpPr txBox="1"/>
+              <p:nvPr/>
+            </p:nvSpPr>
+            <p:spPr>
+              <a:xfrm flipH="1">
+                <a:off x="14511511" y="5004818"/>
+                <a:ext cx="2269778" cy="523220"/>
+              </a:xfrm>
+              <a:prstGeom prst="rect">
+                <a:avLst/>
+              </a:prstGeom>
+              <a:noFill/>
+            </p:spPr>
+            <p:txBody>
+              <a:bodyPr wrap="square" rtlCol="0">
+                <a:spAutoFit/>
+              </a:bodyPr>
+              <a:lstStyle/>
+              <a:p>
+                <a:r>
+                  <a:rPr lang="en-US" sz="2800" dirty="0"/>
+                  <a:t>MK2206</a:t>
+                </a:r>
+                <a:endParaRPr lang="en-GB" dirty="0"/>
+              </a:p>
+            </p:txBody>
+          </p:sp>
+          <p:pic>
+            <p:nvPicPr>
+              <p:cNvPr id="7" name="Picture 6">
+                <a:extLst>
+                  <a:ext uri="{FF2B5EF4-FFF2-40B4-BE49-F238E27FC236}">
+                    <a16:creationId xmlns:a16="http://schemas.microsoft.com/office/drawing/2014/main" id="{FEABDE92-F708-4927-8D7F-35258EBEEF3A}"/>
+                  </a:ext>
+                </a:extLst>
+              </p:cNvPr>
+              <p:cNvPicPr>
+                <a:picLocks noChangeAspect="1"/>
+              </p:cNvPicPr>
+              <p:nvPr/>
+            </p:nvPicPr>
+            <p:blipFill>
+              <a:blip r:embed="rId3"/>
+              <a:stretch>
+                <a:fillRect/>
+              </a:stretch>
+            </p:blipFill>
+            <p:spPr>
+              <a:xfrm>
+                <a:off x="13148143" y="5455986"/>
+                <a:ext cx="4206966" cy="4794263"/>
+              </a:xfrm>
+              <a:prstGeom prst="rect">
+                <a:avLst/>
+              </a:prstGeom>
+            </p:spPr>
+          </p:pic>
+        </p:grpSp>
+      </p:grpSp>
       <p:sp>
         <p:nvSpPr>
-          <p:cNvPr id="3" name="Content Placeholder 2">
+          <p:cNvPr id="12" name="Content Placeholder 11">
             <a:extLst>
               <a:ext uri="{FF2B5EF4-FFF2-40B4-BE49-F238E27FC236}">
-                <a16:creationId xmlns:a16="http://schemas.microsoft.com/office/drawing/2014/main" id="{C2E36A5F-B372-4185-8F92-4E1546730328}"/>
+                <a16:creationId xmlns:a16="http://schemas.microsoft.com/office/drawing/2014/main" id="{49DE02E0-EEF4-4BEE-B799-56C3DC4E8978}"/>
               </a:ext>
             </a:extLst>
           </p:cNvPr>
@@ -8681,8 +8889,184 @@
         </p:nvSpPr>
         <p:spPr>
           <a:xfrm>
-            <a:off x="1198564" y="3245556"/>
-            <a:ext cx="15525572" cy="7735712"/>
+            <a:off x="574606" y="1487487"/>
+            <a:ext cx="12459223" cy="10240055"/>
+          </a:xfrm>
+        </p:spPr>
+        <p:txBody>
+          <a:bodyPr>
+            <a:normAutofit fontScale="92500" lnSpcReduction="20000"/>
+          </a:bodyPr>
+          <a:lstStyle/>
+          <a:p>
+            <a:r>
+              <a:rPr lang="en-US" dirty="0" err="1"/>
+              <a:t>Everolimus</a:t>
+            </a:r>
+            <a:r>
+              <a:rPr lang="en-US" dirty="0"/>
+              <a:t> pretreatment enhances </a:t>
+            </a:r>
+            <a:r>
+              <a:rPr lang="en-US" dirty="0" err="1"/>
+              <a:t>TGFb</a:t>
+            </a:r>
+            <a:r>
+              <a:rPr lang="en-US" dirty="0"/>
+              <a:t>-mediated </a:t>
+            </a:r>
+            <a:r>
+              <a:rPr lang="en-US" dirty="0" err="1"/>
+              <a:t>phos</a:t>
+            </a:r>
+            <a:r>
+              <a:rPr lang="en-US" dirty="0"/>
+              <a:t> of Smad2</a:t>
+            </a:r>
+          </a:p>
+          <a:p>
+            <a:r>
+              <a:rPr lang="en-US" dirty="0"/>
+              <a:t>AZD pretreatment also enhances </a:t>
+            </a:r>
+            <a:r>
+              <a:rPr lang="en-US" dirty="0" err="1"/>
+              <a:t>TGFb</a:t>
+            </a:r>
+            <a:r>
+              <a:rPr lang="en-US" dirty="0"/>
+              <a:t>-mediated </a:t>
+            </a:r>
+            <a:r>
+              <a:rPr lang="en-US" dirty="0" err="1"/>
+              <a:t>phos</a:t>
+            </a:r>
+            <a:r>
+              <a:rPr lang="en-US" dirty="0"/>
+              <a:t> of Smad2</a:t>
+            </a:r>
+          </a:p>
+          <a:p>
+            <a:pPr lvl="1"/>
+            <a:r>
+              <a:rPr lang="en-US" dirty="0"/>
+              <a:t>Thus this must be by a different mechanism</a:t>
+            </a:r>
+          </a:p>
+          <a:p>
+            <a:r>
+              <a:rPr lang="en-US" dirty="0"/>
+              <a:t>When </a:t>
+            </a:r>
+            <a:r>
+              <a:rPr lang="en-US" dirty="0" err="1"/>
+              <a:t>Everolimus</a:t>
+            </a:r>
+            <a:r>
+              <a:rPr lang="en-US" dirty="0"/>
+              <a:t> and AZD are added together there is a small synergistic effect, specifically in the second two bars (compare E_A_1.25 Vs A_1.25 and E_A_48 Vs A_48). </a:t>
+            </a:r>
+          </a:p>
+          <a:p>
+            <a:pPr lvl="1"/>
+            <a:r>
+              <a:rPr lang="en-US" dirty="0"/>
+              <a:t>However, it appears there is a non-linearity as maximal level of </a:t>
+            </a:r>
+            <a:r>
+              <a:rPr lang="en-US" dirty="0" err="1"/>
+              <a:t>phos</a:t>
+            </a:r>
+            <a:r>
+              <a:rPr lang="en-US" dirty="0"/>
+              <a:t> may be saturating (looking at E_A_48, E_A_72, A_48 and A_72)</a:t>
+            </a:r>
+          </a:p>
+          <a:p>
+            <a:r>
+              <a:rPr lang="en-US" dirty="0"/>
+              <a:t>MK2206 pretreatment transiently increases TGF-mediated Smad2 </a:t>
+            </a:r>
+            <a:r>
+              <a:rPr lang="en-US" dirty="0" err="1"/>
+              <a:t>phos</a:t>
+            </a:r>
+            <a:endParaRPr lang="en-US" dirty="0"/>
+          </a:p>
+          <a:p>
+            <a:pPr lvl="1"/>
+            <a:r>
+              <a:rPr lang="en-US" dirty="0"/>
+              <a:t>But reasonably short lived &lt;24h</a:t>
+            </a:r>
+          </a:p>
+          <a:p>
+            <a:r>
+              <a:rPr lang="en-US" dirty="0" err="1"/>
+              <a:t>Everolimus</a:t>
+            </a:r>
+            <a:r>
+              <a:rPr lang="en-US" dirty="0"/>
+              <a:t> extends the transient phase of MK2206 mediated increase in Smad2 </a:t>
+            </a:r>
+            <a:r>
+              <a:rPr lang="en-US" dirty="0" err="1"/>
+              <a:t>phos</a:t>
+            </a:r>
+            <a:endParaRPr lang="en-GB" dirty="0"/>
+          </a:p>
+        </p:txBody>
+      </p:sp>
+    </p:spTree>
+    <p:extLst>
+      <p:ext uri="{BB962C8B-B14F-4D97-AF65-F5344CB8AC3E}">
+        <p14:creationId xmlns:p14="http://schemas.microsoft.com/office/powerpoint/2010/main" val="3930067303"/>
+      </p:ext>
+    </p:extLst>
+  </p:cSld>
+  <p:clrMapOvr>
+    <a:masterClrMapping/>
+  </p:clrMapOvr>
+</p:sld>
+</file>
+
+<file path=ppt/slides/slide12.xml><?xml version="1.0" encoding="utf-8"?>
+<p:sld xmlns:a="http://schemas.openxmlformats.org/drawingml/2006/main" xmlns:r="http://schemas.openxmlformats.org/officeDocument/2006/relationships" xmlns:p="http://schemas.openxmlformats.org/presentationml/2006/main">
+  <p:cSld>
+    <p:spTree>
+      <p:nvGrpSpPr>
+        <p:cNvPr id="1" name=""/>
+        <p:cNvGrpSpPr/>
+        <p:nvPr/>
+      </p:nvGrpSpPr>
+      <p:grpSpPr>
+        <a:xfrm>
+          <a:off x="0" y="0"/>
+          <a:ext cx="0" cy="0"/>
+          <a:chOff x="0" y="0"/>
+          <a:chExt cx="0" cy="0"/>
+        </a:xfrm>
+      </p:grpSpPr>
+      <p:sp>
+        <p:nvSpPr>
+          <p:cNvPr id="2" name="Title 1">
+            <a:extLst>
+              <a:ext uri="{FF2B5EF4-FFF2-40B4-BE49-F238E27FC236}">
+                <a16:creationId xmlns:a16="http://schemas.microsoft.com/office/drawing/2014/main" id="{DEF8880C-9F19-40E8-9249-8E8831479C6E}"/>
+              </a:ext>
+            </a:extLst>
+          </p:cNvPr>
+          <p:cNvSpPr>
+            <a:spLocks noGrp="1"/>
+          </p:cNvSpPr>
+          <p:nvPr>
+            <p:ph type="title"/>
+          </p:nvPr>
+        </p:nvSpPr>
+        <p:spPr>
+          <a:xfrm>
+            <a:off x="1237546" y="649114"/>
+            <a:ext cx="15525572" cy="1731229"/>
           </a:xfrm>
         </p:spPr>
         <p:txBody>
@@ -8693,7 +9077,627 @@
           <a:p>
             <a:r>
               <a:rPr lang="en-US" dirty="0"/>
-              <a:t>The connection from </a:t>
+              <a:t>Some questions</a:t>
+            </a:r>
+            <a:endParaRPr lang="en-GB" dirty="0"/>
+          </a:p>
+        </p:txBody>
+      </p:sp>
+      <p:sp>
+        <p:nvSpPr>
+          <p:cNvPr id="3" name="Content Placeholder 2">
+            <a:extLst>
+              <a:ext uri="{FF2B5EF4-FFF2-40B4-BE49-F238E27FC236}">
+                <a16:creationId xmlns:a16="http://schemas.microsoft.com/office/drawing/2014/main" id="{4C6B91A8-710A-42E0-907D-2E8148D0A77C}"/>
+              </a:ext>
+            </a:extLst>
+          </p:cNvPr>
+          <p:cNvSpPr>
+            <a:spLocks noGrp="1"/>
+          </p:cNvSpPr>
+          <p:nvPr>
+            <p:ph idx="1"/>
+          </p:nvPr>
+        </p:nvSpPr>
+        <p:spPr>
+          <a:xfrm>
+            <a:off x="1015348" y="4113144"/>
+            <a:ext cx="10954580" cy="3965712"/>
+          </a:xfrm>
+        </p:spPr>
+        <p:txBody>
+          <a:bodyPr>
+            <a:normAutofit fontScale="85000" lnSpcReduction="10000"/>
+          </a:bodyPr>
+          <a:lstStyle/>
+          <a:p>
+            <a:pPr marL="914400" indent="-914400">
+              <a:buFont typeface="+mj-lt"/>
+              <a:buAutoNum type="arabicPeriod"/>
+            </a:pPr>
+            <a:r>
+              <a:rPr lang="en-US" dirty="0"/>
+              <a:t>How does </a:t>
+            </a:r>
+            <a:r>
+              <a:rPr lang="en-US" dirty="0" err="1"/>
+              <a:t>Everolimus</a:t>
+            </a:r>
+            <a:r>
+              <a:rPr lang="en-US" dirty="0"/>
+              <a:t> increase </a:t>
+            </a:r>
+            <a:r>
+              <a:rPr lang="en-US" dirty="0" err="1"/>
+              <a:t>TGFb</a:t>
+            </a:r>
+            <a:r>
+              <a:rPr lang="en-US" dirty="0"/>
+              <a:t>-mediated </a:t>
+            </a:r>
+            <a:r>
+              <a:rPr lang="en-US" dirty="0" err="1"/>
+              <a:t>phos</a:t>
+            </a:r>
+            <a:r>
+              <a:rPr lang="en-US" dirty="0"/>
+              <a:t> of Smad2? </a:t>
+            </a:r>
+          </a:p>
+          <a:p>
+            <a:pPr marL="914400" indent="-914400">
+              <a:buFont typeface="+mj-lt"/>
+              <a:buAutoNum type="arabicPeriod"/>
+            </a:pPr>
+            <a:r>
+              <a:rPr lang="en-US" dirty="0"/>
+              <a:t>How does AZD increase </a:t>
+            </a:r>
+            <a:r>
+              <a:rPr lang="en-US" dirty="0" err="1"/>
+              <a:t>TGFb</a:t>
+            </a:r>
+            <a:r>
+              <a:rPr lang="en-US" dirty="0"/>
+              <a:t>-mediated </a:t>
+            </a:r>
+            <a:r>
+              <a:rPr lang="en-US" dirty="0" err="1"/>
+              <a:t>phos</a:t>
+            </a:r>
+            <a:r>
+              <a:rPr lang="en-US" dirty="0"/>
+              <a:t> of Smad2? </a:t>
+            </a:r>
+          </a:p>
+          <a:p>
+            <a:pPr marL="914400" indent="-914400">
+              <a:buFont typeface="+mj-lt"/>
+              <a:buAutoNum type="arabicPeriod"/>
+            </a:pPr>
+            <a:r>
+              <a:rPr lang="en-US" dirty="0"/>
+              <a:t>How do </a:t>
+            </a:r>
+            <a:r>
+              <a:rPr lang="en-US" dirty="0" err="1"/>
+              <a:t>Everolimus</a:t>
+            </a:r>
+            <a:r>
+              <a:rPr lang="en-US" dirty="0"/>
+              <a:t> and AZD </a:t>
+            </a:r>
+            <a:r>
+              <a:rPr lang="en-US" dirty="0" err="1"/>
+              <a:t>synergise</a:t>
+            </a:r>
+            <a:r>
+              <a:rPr lang="en-US" dirty="0"/>
+              <a:t> in the increase </a:t>
+            </a:r>
+            <a:r>
+              <a:rPr lang="en-US" dirty="0" err="1"/>
+              <a:t>TGFb</a:t>
+            </a:r>
+            <a:r>
+              <a:rPr lang="en-US" dirty="0"/>
+              <a:t>-mediated Smad2 </a:t>
+            </a:r>
+            <a:r>
+              <a:rPr lang="en-US" dirty="0" err="1"/>
+              <a:t>phos</a:t>
+            </a:r>
+            <a:r>
+              <a:rPr lang="en-US" dirty="0"/>
+              <a:t>? </a:t>
+            </a:r>
+          </a:p>
+          <a:p>
+            <a:pPr marL="0" indent="0">
+              <a:buNone/>
+            </a:pPr>
+            <a:endParaRPr lang="en-US" dirty="0"/>
+          </a:p>
+        </p:txBody>
+      </p:sp>
+      <p:grpSp>
+        <p:nvGrpSpPr>
+          <p:cNvPr id="4" name="Group 3">
+            <a:extLst>
+              <a:ext uri="{FF2B5EF4-FFF2-40B4-BE49-F238E27FC236}">
+                <a16:creationId xmlns:a16="http://schemas.microsoft.com/office/drawing/2014/main" id="{664D71A1-4F09-45C7-B56F-EEF0F017FF1B}"/>
+              </a:ext>
+            </a:extLst>
+          </p:cNvPr>
+          <p:cNvGrpSpPr/>
+          <p:nvPr/>
+        </p:nvGrpSpPr>
+        <p:grpSpPr>
+          <a:xfrm>
+            <a:off x="12562746" y="842717"/>
+            <a:ext cx="4727761" cy="10859239"/>
+            <a:chOff x="12562746" y="842717"/>
+            <a:chExt cx="4727761" cy="10859239"/>
+          </a:xfrm>
+        </p:grpSpPr>
+        <p:grpSp>
+          <p:nvGrpSpPr>
+            <p:cNvPr id="5" name="Group 4">
+              <a:extLst>
+                <a:ext uri="{FF2B5EF4-FFF2-40B4-BE49-F238E27FC236}">
+                  <a16:creationId xmlns:a16="http://schemas.microsoft.com/office/drawing/2014/main" id="{456080F5-286D-475B-AB20-9D8F28B38409}"/>
+                </a:ext>
+              </a:extLst>
+            </p:cNvPr>
+            <p:cNvGrpSpPr/>
+            <p:nvPr/>
+          </p:nvGrpSpPr>
+          <p:grpSpPr>
+            <a:xfrm>
+              <a:off x="12562746" y="842717"/>
+              <a:ext cx="4727761" cy="5613808"/>
+              <a:chOff x="12823144" y="5912052"/>
+              <a:chExt cx="4727761" cy="5613808"/>
+            </a:xfrm>
+          </p:grpSpPr>
+          <p:sp>
+            <p:nvSpPr>
+              <p:cNvPr id="9" name="TextBox 8">
+                <a:extLst>
+                  <a:ext uri="{FF2B5EF4-FFF2-40B4-BE49-F238E27FC236}">
+                    <a16:creationId xmlns:a16="http://schemas.microsoft.com/office/drawing/2014/main" id="{7A754509-E9C0-4FA5-A276-9564009B15A1}"/>
+                  </a:ext>
+                </a:extLst>
+              </p:cNvPr>
+              <p:cNvSpPr txBox="1"/>
+              <p:nvPr/>
+            </p:nvSpPr>
+            <p:spPr>
+              <a:xfrm flipH="1">
+                <a:off x="14707307" y="5912052"/>
+                <a:ext cx="2269778" cy="523220"/>
+              </a:xfrm>
+              <a:prstGeom prst="rect">
+                <a:avLst/>
+              </a:prstGeom>
+              <a:noFill/>
+            </p:spPr>
+            <p:txBody>
+              <a:bodyPr wrap="square" rtlCol="0">
+                <a:spAutoFit/>
+              </a:bodyPr>
+              <a:lstStyle/>
+              <a:p>
+                <a:r>
+                  <a:rPr lang="en-US" sz="2800" dirty="0"/>
+                  <a:t>AZD</a:t>
+                </a:r>
+                <a:endParaRPr lang="en-GB" dirty="0"/>
+              </a:p>
+            </p:txBody>
+          </p:sp>
+          <p:pic>
+            <p:nvPicPr>
+              <p:cNvPr id="10" name="Picture 9">
+                <a:extLst>
+                  <a:ext uri="{FF2B5EF4-FFF2-40B4-BE49-F238E27FC236}">
+                    <a16:creationId xmlns:a16="http://schemas.microsoft.com/office/drawing/2014/main" id="{1699EB2D-2955-49AA-92A6-76C8C30AD8B7}"/>
+                  </a:ext>
+                </a:extLst>
+              </p:cNvPr>
+              <p:cNvPicPr>
+                <a:picLocks noChangeAspect="1"/>
+              </p:cNvPicPr>
+              <p:nvPr/>
+            </p:nvPicPr>
+            <p:blipFill>
+              <a:blip r:embed="rId2"/>
+              <a:stretch>
+                <a:fillRect/>
+              </a:stretch>
+            </p:blipFill>
+            <p:spPr>
+              <a:xfrm>
+                <a:off x="12823144" y="6624830"/>
+                <a:ext cx="4727761" cy="4901030"/>
+              </a:xfrm>
+              <a:prstGeom prst="rect">
+                <a:avLst/>
+              </a:prstGeom>
+            </p:spPr>
+          </p:pic>
+        </p:grpSp>
+        <p:grpSp>
+          <p:nvGrpSpPr>
+            <p:cNvPr id="6" name="Group 5">
+              <a:extLst>
+                <a:ext uri="{FF2B5EF4-FFF2-40B4-BE49-F238E27FC236}">
+                  <a16:creationId xmlns:a16="http://schemas.microsoft.com/office/drawing/2014/main" id="{070E4D40-307B-4ABC-A3E0-F4E86398CC44}"/>
+                </a:ext>
+              </a:extLst>
+            </p:cNvPr>
+            <p:cNvGrpSpPr/>
+            <p:nvPr/>
+          </p:nvGrpSpPr>
+          <p:grpSpPr>
+            <a:xfrm>
+              <a:off x="12823143" y="6456525"/>
+              <a:ext cx="4206966" cy="5245431"/>
+              <a:chOff x="13148143" y="5004818"/>
+              <a:chExt cx="4206966" cy="5245431"/>
+            </a:xfrm>
+          </p:grpSpPr>
+          <p:sp>
+            <p:nvSpPr>
+              <p:cNvPr id="7" name="TextBox 6">
+                <a:extLst>
+                  <a:ext uri="{FF2B5EF4-FFF2-40B4-BE49-F238E27FC236}">
+                    <a16:creationId xmlns:a16="http://schemas.microsoft.com/office/drawing/2014/main" id="{077CC944-E0AD-49DD-9718-20A0EBBD302E}"/>
+                  </a:ext>
+                </a:extLst>
+              </p:cNvPr>
+              <p:cNvSpPr txBox="1"/>
+              <p:nvPr/>
+            </p:nvSpPr>
+            <p:spPr>
+              <a:xfrm flipH="1">
+                <a:off x="14511511" y="5004818"/>
+                <a:ext cx="2269778" cy="523220"/>
+              </a:xfrm>
+              <a:prstGeom prst="rect">
+                <a:avLst/>
+              </a:prstGeom>
+              <a:noFill/>
+            </p:spPr>
+            <p:txBody>
+              <a:bodyPr wrap="square" rtlCol="0">
+                <a:spAutoFit/>
+              </a:bodyPr>
+              <a:lstStyle/>
+              <a:p>
+                <a:r>
+                  <a:rPr lang="en-US" sz="2800" dirty="0"/>
+                  <a:t>MK2206</a:t>
+                </a:r>
+                <a:endParaRPr lang="en-GB" dirty="0"/>
+              </a:p>
+            </p:txBody>
+          </p:sp>
+          <p:pic>
+            <p:nvPicPr>
+              <p:cNvPr id="8" name="Picture 7">
+                <a:extLst>
+                  <a:ext uri="{FF2B5EF4-FFF2-40B4-BE49-F238E27FC236}">
+                    <a16:creationId xmlns:a16="http://schemas.microsoft.com/office/drawing/2014/main" id="{E40B1AE5-2A41-4DAA-98E5-5E8A01E2FFA2}"/>
+                  </a:ext>
+                </a:extLst>
+              </p:cNvPr>
+              <p:cNvPicPr>
+                <a:picLocks noChangeAspect="1"/>
+              </p:cNvPicPr>
+              <p:nvPr/>
+            </p:nvPicPr>
+            <p:blipFill>
+              <a:blip r:embed="rId3"/>
+              <a:stretch>
+                <a:fillRect/>
+              </a:stretch>
+            </p:blipFill>
+            <p:spPr>
+              <a:xfrm>
+                <a:off x="13148143" y="5455986"/>
+                <a:ext cx="4206966" cy="4794263"/>
+              </a:xfrm>
+              <a:prstGeom prst="rect">
+                <a:avLst/>
+              </a:prstGeom>
+            </p:spPr>
+          </p:pic>
+        </p:grpSp>
+      </p:grpSp>
+    </p:spTree>
+    <p:extLst>
+      <p:ext uri="{BB962C8B-B14F-4D97-AF65-F5344CB8AC3E}">
+        <p14:creationId xmlns:p14="http://schemas.microsoft.com/office/powerpoint/2010/main" val="2349654608"/>
+      </p:ext>
+    </p:extLst>
+  </p:cSld>
+  <p:clrMapOvr>
+    <a:masterClrMapping/>
+  </p:clrMapOvr>
+</p:sld>
+</file>
+
+<file path=ppt/slides/slide13.xml><?xml version="1.0" encoding="utf-8"?>
+<p:sld xmlns:a="http://schemas.openxmlformats.org/drawingml/2006/main" xmlns:r="http://schemas.openxmlformats.org/officeDocument/2006/relationships" xmlns:p="http://schemas.openxmlformats.org/presentationml/2006/main">
+  <p:cSld>
+    <p:spTree>
+      <p:nvGrpSpPr>
+        <p:cNvPr id="1" name=""/>
+        <p:cNvGrpSpPr/>
+        <p:nvPr/>
+      </p:nvGrpSpPr>
+      <p:grpSpPr>
+        <a:xfrm>
+          <a:off x="0" y="0"/>
+          <a:ext cx="0" cy="0"/>
+          <a:chOff x="0" y="0"/>
+          <a:chExt cx="0" cy="0"/>
+        </a:xfrm>
+      </p:grpSpPr>
+      <p:sp>
+        <p:nvSpPr>
+          <p:cNvPr id="2" name="Title 1">
+            <a:extLst>
+              <a:ext uri="{FF2B5EF4-FFF2-40B4-BE49-F238E27FC236}">
+                <a16:creationId xmlns:a16="http://schemas.microsoft.com/office/drawing/2014/main" id="{DEF8880C-9F19-40E8-9249-8E8831479C6E}"/>
+              </a:ext>
+            </a:extLst>
+          </p:cNvPr>
+          <p:cNvSpPr>
+            <a:spLocks noGrp="1"/>
+          </p:cNvSpPr>
+          <p:nvPr>
+            <p:ph type="title"/>
+          </p:nvPr>
+        </p:nvSpPr>
+        <p:spPr>
+          <a:xfrm>
+            <a:off x="407849" y="238712"/>
+            <a:ext cx="12415294" cy="1731229"/>
+          </a:xfrm>
+        </p:spPr>
+        <p:txBody>
+          <a:bodyPr>
+            <a:noAutofit/>
+          </a:bodyPr>
+          <a:lstStyle/>
+          <a:p>
+            <a:pPr algn="ctr"/>
+            <a:r>
+              <a:rPr lang="en-US" sz="4800" dirty="0"/>
+              <a:t>Hypothesis 1: </a:t>
+            </a:r>
+            <a:r>
+              <a:rPr lang="en-US" sz="4800" dirty="0" err="1"/>
+              <a:t>Akt</a:t>
+            </a:r>
+            <a:r>
+              <a:rPr lang="en-US" sz="4800" dirty="0"/>
+              <a:t> phosphorylates an intermediate which leads to increase in Smad2 </a:t>
+            </a:r>
+            <a:r>
+              <a:rPr lang="en-US" sz="4800" dirty="0" err="1"/>
+              <a:t>phos</a:t>
+            </a:r>
+            <a:endParaRPr lang="en-US" sz="4800" dirty="0"/>
+          </a:p>
+        </p:txBody>
+      </p:sp>
+      <p:sp>
+        <p:nvSpPr>
+          <p:cNvPr id="3" name="Content Placeholder 2">
+            <a:extLst>
+              <a:ext uri="{FF2B5EF4-FFF2-40B4-BE49-F238E27FC236}">
+                <a16:creationId xmlns:a16="http://schemas.microsoft.com/office/drawing/2014/main" id="{4C6B91A8-710A-42E0-907D-2E8148D0A77C}"/>
+              </a:ext>
+            </a:extLst>
+          </p:cNvPr>
+          <p:cNvSpPr>
+            <a:spLocks noGrp="1"/>
+          </p:cNvSpPr>
+          <p:nvPr>
+            <p:ph idx="1"/>
+          </p:nvPr>
+        </p:nvSpPr>
+        <p:spPr>
+          <a:xfrm>
+            <a:off x="536448" y="5620643"/>
+            <a:ext cx="11897700" cy="5878113"/>
+          </a:xfrm>
+        </p:spPr>
+        <p:txBody>
+          <a:bodyPr>
+            <a:normAutofit fontScale="47500" lnSpcReduction="20000"/>
+          </a:bodyPr>
+          <a:lstStyle/>
+          <a:p>
+            <a:pPr marL="0" indent="0">
+              <a:buNone/>
+            </a:pPr>
+            <a:r>
+              <a:rPr lang="en-US" b="1" u="sng" dirty="0"/>
+              <a:t>Answers </a:t>
+            </a:r>
+          </a:p>
+          <a:p>
+            <a:pPr marL="0" indent="0">
+              <a:buNone/>
+            </a:pPr>
+            <a:r>
+              <a:rPr lang="en-US" sz="4500" dirty="0"/>
+              <a:t>Under the assumptions that topology and hypothesis 1 is correct</a:t>
+            </a:r>
+          </a:p>
+          <a:p>
+            <a:pPr marL="914400" indent="-914400">
+              <a:buFont typeface="+mj-lt"/>
+              <a:buAutoNum type="arabicPeriod"/>
+            </a:pPr>
+            <a:r>
+              <a:rPr lang="en-US" dirty="0"/>
+              <a:t>If this is the mechanism then </a:t>
+            </a:r>
+            <a:r>
+              <a:rPr lang="en-US" dirty="0" err="1"/>
+              <a:t>Everolimus</a:t>
+            </a:r>
+            <a:r>
+              <a:rPr lang="en-US" dirty="0"/>
+              <a:t> increases TGF-mediated Smad2 </a:t>
+            </a:r>
+            <a:r>
+              <a:rPr lang="en-US" dirty="0" err="1"/>
+              <a:t>phos</a:t>
+            </a:r>
+            <a:r>
+              <a:rPr lang="en-US" dirty="0"/>
+              <a:t> by increasing </a:t>
+            </a:r>
+            <a:r>
+              <a:rPr lang="en-US" dirty="0" err="1"/>
+              <a:t>pAkt</a:t>
+            </a:r>
+            <a:endParaRPr lang="en-US" dirty="0"/>
+          </a:p>
+          <a:p>
+            <a:pPr marL="914400" indent="-914400">
+              <a:buFont typeface="+mj-lt"/>
+              <a:buAutoNum type="arabicPeriod"/>
+            </a:pPr>
+            <a:r>
+              <a:rPr lang="en-US" dirty="0"/>
+              <a:t>AZD inhibits </a:t>
+            </a:r>
+            <a:r>
+              <a:rPr lang="en-US" dirty="0" err="1"/>
+              <a:t>Mek</a:t>
+            </a:r>
+            <a:r>
+              <a:rPr lang="en-US" dirty="0"/>
+              <a:t>, which inhibits </a:t>
+            </a:r>
+            <a:r>
+              <a:rPr lang="en-US" dirty="0" err="1"/>
+              <a:t>Erk</a:t>
+            </a:r>
+            <a:r>
+              <a:rPr lang="en-US" dirty="0"/>
+              <a:t> which causes </a:t>
+            </a:r>
+            <a:r>
+              <a:rPr lang="en-US" dirty="0" err="1"/>
+              <a:t>dephos</a:t>
+            </a:r>
+            <a:r>
+              <a:rPr lang="en-US" dirty="0"/>
+              <a:t> of PI3K which lowers </a:t>
+            </a:r>
+            <a:r>
+              <a:rPr lang="en-US" dirty="0" err="1"/>
+              <a:t>Akt</a:t>
+            </a:r>
+            <a:r>
+              <a:rPr lang="en-US" dirty="0"/>
+              <a:t> </a:t>
+            </a:r>
+            <a:r>
+              <a:rPr lang="en-US" dirty="0" err="1"/>
+              <a:t>phos</a:t>
+            </a:r>
+            <a:r>
+              <a:rPr lang="en-US" dirty="0"/>
+              <a:t> and therefore Smad2 phosphorylation.</a:t>
+            </a:r>
+          </a:p>
+          <a:p>
+            <a:pPr marL="1727210" lvl="1" indent="-914400">
+              <a:buFont typeface="+mj-lt"/>
+              <a:buAutoNum type="alphaLcParenR"/>
+            </a:pPr>
+            <a:r>
+              <a:rPr lang="en-US" dirty="0"/>
+              <a:t>i.e. this hypothesis leads me to predict Smad2 would be dephosphorylated by AZD</a:t>
+            </a:r>
+          </a:p>
+          <a:p>
+            <a:pPr marL="1727210" lvl="1" indent="-914400">
+              <a:buFont typeface="+mj-lt"/>
+              <a:buAutoNum type="alphaLcParenR"/>
+            </a:pPr>
+            <a:r>
+              <a:rPr lang="en-US" dirty="0"/>
+              <a:t>This prediction is reflected in current simulations</a:t>
+            </a:r>
+          </a:p>
+          <a:p>
+            <a:pPr marL="914400" indent="-914400">
+              <a:buFont typeface="+mj-lt"/>
+              <a:buAutoNum type="arabicPeriod"/>
+            </a:pPr>
+            <a:r>
+              <a:rPr lang="en-US" dirty="0"/>
+              <a:t>Because of point 2), this hypothesis does not lend itself to synergy between AZD and </a:t>
+            </a:r>
+            <a:r>
+              <a:rPr lang="en-US" dirty="0" err="1"/>
+              <a:t>Everolimus</a:t>
+            </a:r>
+            <a:r>
+              <a:rPr lang="en-US" dirty="0"/>
+              <a:t> mechanism of enhanced </a:t>
+            </a:r>
+            <a:r>
+              <a:rPr lang="en-US" dirty="0" err="1"/>
+              <a:t>TGFb</a:t>
+            </a:r>
+            <a:r>
+              <a:rPr lang="en-US" dirty="0"/>
+              <a:t>-mediated Smad2 </a:t>
+            </a:r>
+            <a:r>
+              <a:rPr lang="en-US" dirty="0" err="1"/>
+              <a:t>phos</a:t>
+            </a:r>
+            <a:r>
+              <a:rPr lang="en-US" dirty="0"/>
+              <a:t> </a:t>
+            </a:r>
+          </a:p>
+          <a:p>
+            <a:pPr marL="0" indent="0">
+              <a:buNone/>
+            </a:pPr>
+            <a:r>
+              <a:rPr lang="en-US" b="1" u="sng" dirty="0"/>
+              <a:t>Side note</a:t>
+            </a:r>
+          </a:p>
+          <a:p>
+            <a:pPr marL="0" indent="0">
+              <a:buNone/>
+            </a:pPr>
+            <a:r>
+              <a:rPr lang="en-US" dirty="0"/>
+              <a:t>It may be that the links between MAPK and PI3K are not accurately represented, in which case  this can still be the correct hypothesis. For instance, removing the </a:t>
+            </a:r>
+            <a:r>
+              <a:rPr lang="en-US" dirty="0" err="1"/>
+              <a:t>dephos</a:t>
+            </a:r>
+            <a:r>
+              <a:rPr lang="en-US" dirty="0"/>
+              <a:t> reaction by </a:t>
             </a:r>
             <a:r>
               <a:rPr lang="en-US" dirty="0" err="1"/>
@@ -8701,91 +9705,4086 @@
             </a:r>
             <a:r>
               <a:rPr lang="en-US" dirty="0"/>
-              <a:t> to PI3K dephosphorylation may be incorrect. </a:t>
-            </a:r>
-          </a:p>
-          <a:p>
+              <a:t>  may help with reproducing the Smad2 behavior. But at present, this reaction is responsible for being able to fit the </a:t>
+            </a:r>
+            <a:r>
+              <a:rPr lang="en-US" dirty="0" err="1"/>
+              <a:t>pErk</a:t>
+            </a:r>
             <a:r>
               <a:rPr lang="en-US" dirty="0"/>
-              <a:t>AZD inhibits </a:t>
+              <a:t> data for </a:t>
             </a:r>
             <a:r>
               <a:rPr lang="en-US" dirty="0" err="1"/>
-              <a:t>Mek</a:t>
-            </a:r>
+              <a:t>Everolimus</a:t>
+            </a:r>
+            <a:endParaRPr lang="en-US" dirty="0"/>
+          </a:p>
+          <a:p>
+            <a:pPr marL="914400" indent="-914400">
+              <a:buFont typeface="+mj-lt"/>
+              <a:buAutoNum type="arabicPeriod"/>
+            </a:pPr>
+            <a:endParaRPr lang="en-US" dirty="0"/>
+          </a:p>
+        </p:txBody>
+      </p:sp>
+      <p:grpSp>
+        <p:nvGrpSpPr>
+          <p:cNvPr id="4" name="Group 3">
+            <a:extLst>
+              <a:ext uri="{FF2B5EF4-FFF2-40B4-BE49-F238E27FC236}">
+                <a16:creationId xmlns:a16="http://schemas.microsoft.com/office/drawing/2014/main" id="{664D71A1-4F09-45C7-B56F-EEF0F017FF1B}"/>
+              </a:ext>
+            </a:extLst>
+          </p:cNvPr>
+          <p:cNvGrpSpPr/>
+          <p:nvPr/>
+        </p:nvGrpSpPr>
+        <p:grpSpPr>
+          <a:xfrm>
+            <a:off x="12562746" y="842717"/>
+            <a:ext cx="4727761" cy="10859239"/>
+            <a:chOff x="12562746" y="842717"/>
+            <a:chExt cx="4727761" cy="10859239"/>
+          </a:xfrm>
+        </p:grpSpPr>
+        <p:grpSp>
+          <p:nvGrpSpPr>
+            <p:cNvPr id="5" name="Group 4">
+              <a:extLst>
+                <a:ext uri="{FF2B5EF4-FFF2-40B4-BE49-F238E27FC236}">
+                  <a16:creationId xmlns:a16="http://schemas.microsoft.com/office/drawing/2014/main" id="{456080F5-286D-475B-AB20-9D8F28B38409}"/>
+                </a:ext>
+              </a:extLst>
+            </p:cNvPr>
+            <p:cNvGrpSpPr/>
+            <p:nvPr/>
+          </p:nvGrpSpPr>
+          <p:grpSpPr>
+            <a:xfrm>
+              <a:off x="12562746" y="842717"/>
+              <a:ext cx="4727761" cy="5613808"/>
+              <a:chOff x="12823144" y="5912052"/>
+              <a:chExt cx="4727761" cy="5613808"/>
+            </a:xfrm>
+          </p:grpSpPr>
+          <p:sp>
+            <p:nvSpPr>
+              <p:cNvPr id="9" name="TextBox 8">
+                <a:extLst>
+                  <a:ext uri="{FF2B5EF4-FFF2-40B4-BE49-F238E27FC236}">
+                    <a16:creationId xmlns:a16="http://schemas.microsoft.com/office/drawing/2014/main" id="{7A754509-E9C0-4FA5-A276-9564009B15A1}"/>
+                  </a:ext>
+                </a:extLst>
+              </p:cNvPr>
+              <p:cNvSpPr txBox="1"/>
+              <p:nvPr/>
+            </p:nvSpPr>
+            <p:spPr>
+              <a:xfrm flipH="1">
+                <a:off x="14707307" y="5912052"/>
+                <a:ext cx="2269778" cy="523220"/>
+              </a:xfrm>
+              <a:prstGeom prst="rect">
+                <a:avLst/>
+              </a:prstGeom>
+              <a:noFill/>
+            </p:spPr>
+            <p:txBody>
+              <a:bodyPr wrap="square" rtlCol="0">
+                <a:spAutoFit/>
+              </a:bodyPr>
+              <a:lstStyle/>
+              <a:p>
+                <a:r>
+                  <a:rPr lang="en-US" sz="2800" dirty="0"/>
+                  <a:t>AZD</a:t>
+                </a:r>
+                <a:endParaRPr lang="en-GB" dirty="0"/>
+              </a:p>
+            </p:txBody>
+          </p:sp>
+          <p:pic>
+            <p:nvPicPr>
+              <p:cNvPr id="10" name="Picture 9">
+                <a:extLst>
+                  <a:ext uri="{FF2B5EF4-FFF2-40B4-BE49-F238E27FC236}">
+                    <a16:creationId xmlns:a16="http://schemas.microsoft.com/office/drawing/2014/main" id="{1699EB2D-2955-49AA-92A6-76C8C30AD8B7}"/>
+                  </a:ext>
+                </a:extLst>
+              </p:cNvPr>
+              <p:cNvPicPr>
+                <a:picLocks noChangeAspect="1"/>
+              </p:cNvPicPr>
+              <p:nvPr/>
+            </p:nvPicPr>
+            <p:blipFill>
+              <a:blip r:embed="rId2"/>
+              <a:stretch>
+                <a:fillRect/>
+              </a:stretch>
+            </p:blipFill>
+            <p:spPr>
+              <a:xfrm>
+                <a:off x="12823144" y="6624830"/>
+                <a:ext cx="4727761" cy="4901030"/>
+              </a:xfrm>
+              <a:prstGeom prst="rect">
+                <a:avLst/>
+              </a:prstGeom>
+            </p:spPr>
+          </p:pic>
+        </p:grpSp>
+        <p:grpSp>
+          <p:nvGrpSpPr>
+            <p:cNvPr id="6" name="Group 5">
+              <a:extLst>
+                <a:ext uri="{FF2B5EF4-FFF2-40B4-BE49-F238E27FC236}">
+                  <a16:creationId xmlns:a16="http://schemas.microsoft.com/office/drawing/2014/main" id="{070E4D40-307B-4ABC-A3E0-F4E86398CC44}"/>
+                </a:ext>
+              </a:extLst>
+            </p:cNvPr>
+            <p:cNvGrpSpPr/>
+            <p:nvPr/>
+          </p:nvGrpSpPr>
+          <p:grpSpPr>
+            <a:xfrm>
+              <a:off x="12823143" y="6456525"/>
+              <a:ext cx="4206966" cy="5245431"/>
+              <a:chOff x="13148143" y="5004818"/>
+              <a:chExt cx="4206966" cy="5245431"/>
+            </a:xfrm>
+          </p:grpSpPr>
+          <p:sp>
+            <p:nvSpPr>
+              <p:cNvPr id="7" name="TextBox 6">
+                <a:extLst>
+                  <a:ext uri="{FF2B5EF4-FFF2-40B4-BE49-F238E27FC236}">
+                    <a16:creationId xmlns:a16="http://schemas.microsoft.com/office/drawing/2014/main" id="{077CC944-E0AD-49DD-9718-20A0EBBD302E}"/>
+                  </a:ext>
+                </a:extLst>
+              </p:cNvPr>
+              <p:cNvSpPr txBox="1"/>
+              <p:nvPr/>
+            </p:nvSpPr>
+            <p:spPr>
+              <a:xfrm flipH="1">
+                <a:off x="14511511" y="5004818"/>
+                <a:ext cx="2269778" cy="523220"/>
+              </a:xfrm>
+              <a:prstGeom prst="rect">
+                <a:avLst/>
+              </a:prstGeom>
+              <a:noFill/>
+            </p:spPr>
+            <p:txBody>
+              <a:bodyPr wrap="square" rtlCol="0">
+                <a:spAutoFit/>
+              </a:bodyPr>
+              <a:lstStyle/>
+              <a:p>
+                <a:r>
+                  <a:rPr lang="en-US" sz="2800" dirty="0"/>
+                  <a:t>MK2206</a:t>
+                </a:r>
+                <a:endParaRPr lang="en-GB" dirty="0"/>
+              </a:p>
+            </p:txBody>
+          </p:sp>
+          <p:pic>
+            <p:nvPicPr>
+              <p:cNvPr id="8" name="Picture 7">
+                <a:extLst>
+                  <a:ext uri="{FF2B5EF4-FFF2-40B4-BE49-F238E27FC236}">
+                    <a16:creationId xmlns:a16="http://schemas.microsoft.com/office/drawing/2014/main" id="{E40B1AE5-2A41-4DAA-98E5-5E8A01E2FFA2}"/>
+                  </a:ext>
+                </a:extLst>
+              </p:cNvPr>
+              <p:cNvPicPr>
+                <a:picLocks noChangeAspect="1"/>
+              </p:cNvPicPr>
+              <p:nvPr/>
+            </p:nvPicPr>
+            <p:blipFill>
+              <a:blip r:embed="rId3"/>
+              <a:stretch>
+                <a:fillRect/>
+              </a:stretch>
+            </p:blipFill>
+            <p:spPr>
+              <a:xfrm>
+                <a:off x="13148143" y="5455986"/>
+                <a:ext cx="4206966" cy="4794263"/>
+              </a:xfrm>
+              <a:prstGeom prst="rect">
+                <a:avLst/>
+              </a:prstGeom>
+            </p:spPr>
+          </p:pic>
+        </p:grpSp>
+      </p:grpSp>
+      <p:sp>
+        <p:nvSpPr>
+          <p:cNvPr id="11" name="Content Placeholder 2">
+            <a:extLst>
+              <a:ext uri="{FF2B5EF4-FFF2-40B4-BE49-F238E27FC236}">
+                <a16:creationId xmlns:a16="http://schemas.microsoft.com/office/drawing/2014/main" id="{10A2D771-1BC8-45BA-B103-ABC45B9D40B9}"/>
+              </a:ext>
+            </a:extLst>
+          </p:cNvPr>
+          <p:cNvSpPr txBox="1">
+            <a:spLocks/>
+          </p:cNvSpPr>
+          <p:nvPr/>
+        </p:nvSpPr>
+        <p:spPr>
+          <a:xfrm>
+            <a:off x="536448" y="2451649"/>
+            <a:ext cx="12415294" cy="2820307"/>
+          </a:xfrm>
+          <a:prstGeom prst="rect">
+            <a:avLst/>
+          </a:prstGeom>
+          <a:ln w="38100">
+            <a:solidFill>
+              <a:schemeClr val="tx1"/>
+            </a:solidFill>
+          </a:ln>
+        </p:spPr>
+        <p:txBody>
+          <a:bodyPr vert="horz" lIns="91440" tIns="45720" rIns="91440" bIns="45720" rtlCol="0">
+            <a:normAutofit fontScale="62500" lnSpcReduction="20000"/>
+          </a:bodyPr>
+          <a:lstStyle>
+            <a:lvl1pPr marL="406405" indent="-406405" algn="l" defTabSz="1625620" rtl="0" eaLnBrk="1" latinLnBrk="0" hangingPunct="1">
+              <a:lnSpc>
+                <a:spcPct val="90000"/>
+              </a:lnSpc>
+              <a:spcBef>
+                <a:spcPts val="1778"/>
+              </a:spcBef>
+              <a:buFont typeface="Arial" panose="020B0604020202020204" pitchFamily="34" charset="0"/>
+              <a:buChar char="•"/>
+              <a:defRPr sz="4978" kern="1200">
+                <a:solidFill>
+                  <a:schemeClr val="tx1"/>
+                </a:solidFill>
+                <a:latin typeface="+mn-lt"/>
+                <a:ea typeface="+mn-ea"/>
+                <a:cs typeface="+mn-cs"/>
+              </a:defRPr>
+            </a:lvl1pPr>
+            <a:lvl2pPr marL="1219215" indent="-406405" algn="l" defTabSz="1625620" rtl="0" eaLnBrk="1" latinLnBrk="0" hangingPunct="1">
+              <a:lnSpc>
+                <a:spcPct val="90000"/>
+              </a:lnSpc>
+              <a:spcBef>
+                <a:spcPts val="889"/>
+              </a:spcBef>
+              <a:buFont typeface="Arial" panose="020B0604020202020204" pitchFamily="34" charset="0"/>
+              <a:buChar char="•"/>
+              <a:defRPr sz="4267" kern="1200">
+                <a:solidFill>
+                  <a:schemeClr val="tx1"/>
+                </a:solidFill>
+                <a:latin typeface="+mn-lt"/>
+                <a:ea typeface="+mn-ea"/>
+                <a:cs typeface="+mn-cs"/>
+              </a:defRPr>
+            </a:lvl2pPr>
+            <a:lvl3pPr marL="2032025" indent="-406405" algn="l" defTabSz="1625620" rtl="0" eaLnBrk="1" latinLnBrk="0" hangingPunct="1">
+              <a:lnSpc>
+                <a:spcPct val="90000"/>
+              </a:lnSpc>
+              <a:spcBef>
+                <a:spcPts val="889"/>
+              </a:spcBef>
+              <a:buFont typeface="Arial" panose="020B0604020202020204" pitchFamily="34" charset="0"/>
+              <a:buChar char="•"/>
+              <a:defRPr sz="3556" kern="1200">
+                <a:solidFill>
+                  <a:schemeClr val="tx1"/>
+                </a:solidFill>
+                <a:latin typeface="+mn-lt"/>
+                <a:ea typeface="+mn-ea"/>
+                <a:cs typeface="+mn-cs"/>
+              </a:defRPr>
+            </a:lvl3pPr>
+            <a:lvl4pPr marL="2844836" indent="-406405" algn="l" defTabSz="1625620" rtl="0" eaLnBrk="1" latinLnBrk="0" hangingPunct="1">
+              <a:lnSpc>
+                <a:spcPct val="90000"/>
+              </a:lnSpc>
+              <a:spcBef>
+                <a:spcPts val="889"/>
+              </a:spcBef>
+              <a:buFont typeface="Arial" panose="020B0604020202020204" pitchFamily="34" charset="0"/>
+              <a:buChar char="•"/>
+              <a:defRPr sz="3200" kern="1200">
+                <a:solidFill>
+                  <a:schemeClr val="tx1"/>
+                </a:solidFill>
+                <a:latin typeface="+mn-lt"/>
+                <a:ea typeface="+mn-ea"/>
+                <a:cs typeface="+mn-cs"/>
+              </a:defRPr>
+            </a:lvl4pPr>
+            <a:lvl5pPr marL="3657646" indent="-406405" algn="l" defTabSz="1625620" rtl="0" eaLnBrk="1" latinLnBrk="0" hangingPunct="1">
+              <a:lnSpc>
+                <a:spcPct val="90000"/>
+              </a:lnSpc>
+              <a:spcBef>
+                <a:spcPts val="889"/>
+              </a:spcBef>
+              <a:buFont typeface="Arial" panose="020B0604020202020204" pitchFamily="34" charset="0"/>
+              <a:buChar char="•"/>
+              <a:defRPr sz="3200" kern="1200">
+                <a:solidFill>
+                  <a:schemeClr val="tx1"/>
+                </a:solidFill>
+                <a:latin typeface="+mn-lt"/>
+                <a:ea typeface="+mn-ea"/>
+                <a:cs typeface="+mn-cs"/>
+              </a:defRPr>
+            </a:lvl5pPr>
+            <a:lvl6pPr marL="4470456" indent="-406405" algn="l" defTabSz="1625620" rtl="0" eaLnBrk="1" latinLnBrk="0" hangingPunct="1">
+              <a:lnSpc>
+                <a:spcPct val="90000"/>
+              </a:lnSpc>
+              <a:spcBef>
+                <a:spcPts val="889"/>
+              </a:spcBef>
+              <a:buFont typeface="Arial" panose="020B0604020202020204" pitchFamily="34" charset="0"/>
+              <a:buChar char="•"/>
+              <a:defRPr sz="3200" kern="1200">
+                <a:solidFill>
+                  <a:schemeClr val="tx1"/>
+                </a:solidFill>
+                <a:latin typeface="+mn-lt"/>
+                <a:ea typeface="+mn-ea"/>
+                <a:cs typeface="+mn-cs"/>
+              </a:defRPr>
+            </a:lvl6pPr>
+            <a:lvl7pPr marL="5283266" indent="-406405" algn="l" defTabSz="1625620" rtl="0" eaLnBrk="1" latinLnBrk="0" hangingPunct="1">
+              <a:lnSpc>
+                <a:spcPct val="90000"/>
+              </a:lnSpc>
+              <a:spcBef>
+                <a:spcPts val="889"/>
+              </a:spcBef>
+              <a:buFont typeface="Arial" panose="020B0604020202020204" pitchFamily="34" charset="0"/>
+              <a:buChar char="•"/>
+              <a:defRPr sz="3200" kern="1200">
+                <a:solidFill>
+                  <a:schemeClr val="tx1"/>
+                </a:solidFill>
+                <a:latin typeface="+mn-lt"/>
+                <a:ea typeface="+mn-ea"/>
+                <a:cs typeface="+mn-cs"/>
+              </a:defRPr>
+            </a:lvl7pPr>
+            <a:lvl8pPr marL="6096076" indent="-406405" algn="l" defTabSz="1625620" rtl="0" eaLnBrk="1" latinLnBrk="0" hangingPunct="1">
+              <a:lnSpc>
+                <a:spcPct val="90000"/>
+              </a:lnSpc>
+              <a:spcBef>
+                <a:spcPts val="889"/>
+              </a:spcBef>
+              <a:buFont typeface="Arial" panose="020B0604020202020204" pitchFamily="34" charset="0"/>
+              <a:buChar char="•"/>
+              <a:defRPr sz="3200" kern="1200">
+                <a:solidFill>
+                  <a:schemeClr val="tx1"/>
+                </a:solidFill>
+                <a:latin typeface="+mn-lt"/>
+                <a:ea typeface="+mn-ea"/>
+                <a:cs typeface="+mn-cs"/>
+              </a:defRPr>
+            </a:lvl8pPr>
+            <a:lvl9pPr marL="6908886" indent="-406405" algn="l" defTabSz="1625620" rtl="0" eaLnBrk="1" latinLnBrk="0" hangingPunct="1">
+              <a:lnSpc>
+                <a:spcPct val="90000"/>
+              </a:lnSpc>
+              <a:spcBef>
+                <a:spcPts val="889"/>
+              </a:spcBef>
+              <a:buFont typeface="Arial" panose="020B0604020202020204" pitchFamily="34" charset="0"/>
+              <a:buChar char="•"/>
+              <a:defRPr sz="3200" kern="1200">
+                <a:solidFill>
+                  <a:schemeClr val="tx1"/>
+                </a:solidFill>
+                <a:latin typeface="+mn-lt"/>
+                <a:ea typeface="+mn-ea"/>
+                <a:cs typeface="+mn-cs"/>
+              </a:defRPr>
+            </a:lvl9pPr>
+          </a:lstStyle>
+          <a:p>
+            <a:pPr marL="0" indent="0">
+              <a:buNone/>
+            </a:pPr>
+            <a:r>
+              <a:rPr lang="en-US" b="1" u="sng" dirty="0"/>
+              <a:t>Questions</a:t>
+            </a:r>
+          </a:p>
+          <a:p>
+            <a:pPr marL="914400" indent="-914400">
+              <a:buFont typeface="+mj-lt"/>
+              <a:buAutoNum type="arabicPeriod"/>
+            </a:pPr>
             <a:r>
               <a:rPr lang="en-US" dirty="0"/>
-              <a:t> which inhibits </a:t>
+              <a:t>How does </a:t>
             </a:r>
             <a:r>
               <a:rPr lang="en-US" dirty="0" err="1"/>
-              <a:t>Erk</a:t>
+              <a:t>Everolimus</a:t>
             </a:r>
             <a:r>
               <a:rPr lang="en-US" dirty="0"/>
-              <a:t> and lowers </a:t>
+              <a:t> increase </a:t>
             </a:r>
             <a:r>
               <a:rPr lang="en-US" dirty="0" err="1"/>
-              <a:t>Erk</a:t>
+              <a:t>TGFb</a:t>
             </a:r>
             <a:r>
               <a:rPr lang="en-US" dirty="0"/>
-              <a:t> </a:t>
+              <a:t>-mediated </a:t>
             </a:r>
             <a:r>
               <a:rPr lang="en-US" dirty="0" err="1"/>
-              <a:t>dephos</a:t>
+              <a:t>phos</a:t>
             </a:r>
             <a:r>
               <a:rPr lang="en-US" dirty="0"/>
-              <a:t> to PI3K. </a:t>
-            </a:r>
-          </a:p>
-          <a:p>
-            <a:pPr lvl="1"/>
+              <a:t> of Smad2? </a:t>
+            </a:r>
+          </a:p>
+          <a:p>
+            <a:pPr marL="914400" indent="-914400">
+              <a:buFont typeface="+mj-lt"/>
+              <a:buAutoNum type="arabicPeriod"/>
+            </a:pPr>
             <a:r>
               <a:rPr lang="en-US" dirty="0"/>
-              <a:t>In other words, under this regime, AZD increases PI3K and </a:t>
+              <a:t>How does AZD increase </a:t>
             </a:r>
             <a:r>
               <a:rPr lang="en-US" dirty="0" err="1"/>
-              <a:t>Akt</a:t>
+              <a:t>TGFb</a:t>
             </a:r>
             <a:r>
               <a:rPr lang="en-US" dirty="0"/>
-              <a:t>. </a:t>
-            </a:r>
-          </a:p>
-          <a:p>
-            <a:pPr lvl="1"/>
+              <a:t>-mediated </a:t>
+            </a:r>
+            <a:r>
+              <a:rPr lang="en-US" dirty="0" err="1"/>
+              <a:t>phos</a:t>
+            </a:r>
             <a:r>
               <a:rPr lang="en-US" dirty="0"/>
-              <a:t>However, the data suggests that AZD has only a minimal effect on </a:t>
+              <a:t> of Smad2? </a:t>
+            </a:r>
+          </a:p>
+          <a:p>
+            <a:pPr marL="914400" indent="-914400">
+              <a:buFont typeface="+mj-lt"/>
+              <a:buAutoNum type="arabicPeriod"/>
+            </a:pPr>
+            <a:r>
+              <a:rPr lang="en-US" dirty="0"/>
+              <a:t>How do </a:t>
             </a:r>
             <a:r>
               <a:rPr lang="en-US" dirty="0" err="1"/>
-              <a:t>Akt</a:t>
+              <a:t>Everolimus</a:t>
             </a:r>
             <a:r>
               <a:rPr lang="en-US" dirty="0"/>
-              <a:t> phosphorylation, suggesting that the connection between </a:t>
+              <a:t> and AZD </a:t>
             </a:r>
             <a:r>
               <a:rPr lang="en-US" dirty="0" err="1"/>
-              <a:t>Erk</a:t>
+              <a:t>synergise</a:t>
             </a:r>
             <a:r>
               <a:rPr lang="en-US" dirty="0"/>
-              <a:t> and PI3K is incorrect. </a:t>
-            </a:r>
+              <a:t> in the increase </a:t>
+            </a:r>
+            <a:r>
+              <a:rPr lang="en-US" dirty="0" err="1"/>
+              <a:t>TGFb</a:t>
+            </a:r>
+            <a:r>
+              <a:rPr lang="en-US" dirty="0"/>
+              <a:t>-mediated Smad2 </a:t>
+            </a:r>
+            <a:r>
+              <a:rPr lang="en-US" dirty="0" err="1"/>
+              <a:t>phos</a:t>
+            </a:r>
+            <a:r>
+              <a:rPr lang="en-US" dirty="0"/>
+              <a:t>? </a:t>
+            </a:r>
+          </a:p>
+          <a:p>
+            <a:pPr marL="0" indent="0">
+              <a:buFont typeface="Arial" panose="020B0604020202020204" pitchFamily="34" charset="0"/>
+              <a:buNone/>
+            </a:pPr>
+            <a:endParaRPr lang="en-US" dirty="0"/>
           </a:p>
         </p:txBody>
       </p:sp>
     </p:spTree>
     <p:extLst>
       <p:ext uri="{BB962C8B-B14F-4D97-AF65-F5344CB8AC3E}">
-        <p14:creationId xmlns:p14="http://schemas.microsoft.com/office/powerpoint/2010/main" val="654380865"/>
+        <p14:creationId xmlns:p14="http://schemas.microsoft.com/office/powerpoint/2010/main" val="1432715594"/>
+      </p:ext>
+    </p:extLst>
+  </p:cSld>
+  <p:clrMapOvr>
+    <a:masterClrMapping/>
+  </p:clrMapOvr>
+</p:sld>
+</file>
+
+<file path=ppt/slides/slide14.xml><?xml version="1.0" encoding="utf-8"?>
+<p:sld xmlns:a="http://schemas.openxmlformats.org/drawingml/2006/main" xmlns:r="http://schemas.openxmlformats.org/officeDocument/2006/relationships" xmlns:p="http://schemas.openxmlformats.org/presentationml/2006/main">
+  <p:cSld>
+    <p:spTree>
+      <p:nvGrpSpPr>
+        <p:cNvPr id="1" name=""/>
+        <p:cNvGrpSpPr/>
+        <p:nvPr/>
+      </p:nvGrpSpPr>
+      <p:grpSpPr>
+        <a:xfrm>
+          <a:off x="0" y="0"/>
+          <a:ext cx="0" cy="0"/>
+          <a:chOff x="0" y="0"/>
+          <a:chExt cx="0" cy="0"/>
+        </a:xfrm>
+      </p:grpSpPr>
+      <p:sp>
+        <p:nvSpPr>
+          <p:cNvPr id="2" name="Title 1">
+            <a:extLst>
+              <a:ext uri="{FF2B5EF4-FFF2-40B4-BE49-F238E27FC236}">
+                <a16:creationId xmlns:a16="http://schemas.microsoft.com/office/drawing/2014/main" id="{DEF8880C-9F19-40E8-9249-8E8831479C6E}"/>
+              </a:ext>
+            </a:extLst>
+          </p:cNvPr>
+          <p:cNvSpPr>
+            <a:spLocks noGrp="1"/>
+          </p:cNvSpPr>
+          <p:nvPr>
+            <p:ph type="title"/>
+          </p:nvPr>
+        </p:nvSpPr>
+        <p:spPr>
+          <a:xfrm>
+            <a:off x="407849" y="238712"/>
+            <a:ext cx="12415294" cy="1731229"/>
+          </a:xfrm>
+        </p:spPr>
+        <p:txBody>
+          <a:bodyPr>
+            <a:noAutofit/>
+          </a:bodyPr>
+          <a:lstStyle/>
+          <a:p>
+            <a:pPr algn="ctr"/>
+            <a:r>
+              <a:rPr lang="en-US" sz="4800" dirty="0"/>
+              <a:t>Hypothesis 2: </a:t>
+            </a:r>
+            <a:r>
+              <a:rPr lang="en-US" sz="4800" dirty="0" err="1"/>
+              <a:t>Erk</a:t>
+            </a:r>
+            <a:r>
+              <a:rPr lang="en-US" sz="4800" dirty="0"/>
+              <a:t> phosphorylates an intermediate which leads to increase in Smad2 </a:t>
+            </a:r>
+            <a:r>
+              <a:rPr lang="en-US" sz="4800" dirty="0" err="1"/>
+              <a:t>phos</a:t>
+            </a:r>
+            <a:endParaRPr lang="en-US" sz="4800" dirty="0"/>
+          </a:p>
+        </p:txBody>
+      </p:sp>
+      <p:sp>
+        <p:nvSpPr>
+          <p:cNvPr id="3" name="Content Placeholder 2">
+            <a:extLst>
+              <a:ext uri="{FF2B5EF4-FFF2-40B4-BE49-F238E27FC236}">
+                <a16:creationId xmlns:a16="http://schemas.microsoft.com/office/drawing/2014/main" id="{4C6B91A8-710A-42E0-907D-2E8148D0A77C}"/>
+              </a:ext>
+            </a:extLst>
+          </p:cNvPr>
+          <p:cNvSpPr>
+            <a:spLocks noGrp="1"/>
+          </p:cNvSpPr>
+          <p:nvPr>
+            <p:ph idx="1"/>
+          </p:nvPr>
+        </p:nvSpPr>
+        <p:spPr>
+          <a:xfrm>
+            <a:off x="536448" y="5620643"/>
+            <a:ext cx="11897700" cy="5878113"/>
+          </a:xfrm>
+        </p:spPr>
+        <p:txBody>
+          <a:bodyPr>
+            <a:normAutofit fontScale="77500" lnSpcReduction="20000"/>
+          </a:bodyPr>
+          <a:lstStyle/>
+          <a:p>
+            <a:pPr marL="0" indent="0">
+              <a:buNone/>
+            </a:pPr>
+            <a:r>
+              <a:rPr lang="en-US" b="1" u="sng" dirty="0"/>
+              <a:t>Answers </a:t>
+            </a:r>
+          </a:p>
+          <a:p>
+            <a:pPr marL="0" indent="0">
+              <a:buNone/>
+            </a:pPr>
+            <a:r>
+              <a:rPr lang="en-US" sz="4500" dirty="0"/>
+              <a:t>Under the assumptions that topology and hypothesis 2 is correct</a:t>
+            </a:r>
+          </a:p>
+          <a:p>
+            <a:pPr marL="914400" indent="-914400">
+              <a:buFont typeface="+mj-lt"/>
+              <a:buAutoNum type="arabicPeriod"/>
+            </a:pPr>
+            <a:r>
+              <a:rPr lang="en-US" dirty="0" err="1"/>
+              <a:t>Everolimus</a:t>
+            </a:r>
+            <a:r>
+              <a:rPr lang="en-US" dirty="0"/>
+              <a:t> enhances pPI3K </a:t>
+            </a:r>
+            <a:r>
+              <a:rPr lang="en-US" dirty="0" err="1"/>
+              <a:t>phos</a:t>
+            </a:r>
+            <a:r>
+              <a:rPr lang="en-US" dirty="0"/>
+              <a:t> which </a:t>
+            </a:r>
+            <a:r>
+              <a:rPr lang="en-US" dirty="0" err="1"/>
+              <a:t>phos</a:t>
+            </a:r>
+            <a:r>
+              <a:rPr lang="en-US" dirty="0"/>
+              <a:t> Raf then </a:t>
+            </a:r>
+            <a:r>
+              <a:rPr lang="en-US" dirty="0" err="1"/>
+              <a:t>Mek</a:t>
+            </a:r>
+            <a:r>
+              <a:rPr lang="en-US" dirty="0"/>
+              <a:t> and </a:t>
+            </a:r>
+            <a:r>
+              <a:rPr lang="en-US" dirty="0" err="1"/>
+              <a:t>Erk</a:t>
+            </a:r>
+            <a:r>
+              <a:rPr lang="en-US" dirty="0"/>
+              <a:t>. Increased </a:t>
+            </a:r>
+            <a:r>
+              <a:rPr lang="en-US" dirty="0" err="1"/>
+              <a:t>Erk</a:t>
+            </a:r>
+            <a:r>
+              <a:rPr lang="en-US" dirty="0"/>
+              <a:t> increases pSmad2. </a:t>
+            </a:r>
+          </a:p>
+          <a:p>
+            <a:pPr marL="914400" indent="-914400">
+              <a:buFont typeface="+mj-lt"/>
+              <a:buAutoNum type="arabicPeriod"/>
+            </a:pPr>
+            <a:r>
+              <a:rPr lang="en-US" dirty="0"/>
+              <a:t>Inhibition of </a:t>
+            </a:r>
+            <a:r>
+              <a:rPr lang="en-US" dirty="0" err="1"/>
+              <a:t>Mek</a:t>
+            </a:r>
+            <a:r>
+              <a:rPr lang="en-US" dirty="0"/>
+              <a:t> leads to reduced </a:t>
+            </a:r>
+            <a:r>
+              <a:rPr lang="en-US" dirty="0" err="1"/>
+              <a:t>Erk</a:t>
+            </a:r>
+            <a:r>
+              <a:rPr lang="en-US" dirty="0"/>
+              <a:t> </a:t>
+            </a:r>
+            <a:r>
+              <a:rPr lang="en-US" dirty="0" err="1"/>
+              <a:t>phos</a:t>
+            </a:r>
+            <a:r>
+              <a:rPr lang="en-US" dirty="0"/>
+              <a:t> and subsequently would </a:t>
+            </a:r>
+            <a:r>
+              <a:rPr lang="en-US" b="1" dirty="0"/>
+              <a:t>reduce </a:t>
+            </a:r>
+            <a:r>
+              <a:rPr lang="en-US" dirty="0"/>
+              <a:t>Smad2 </a:t>
+            </a:r>
+            <a:r>
+              <a:rPr lang="en-US" dirty="0" err="1"/>
+              <a:t>phos</a:t>
+            </a:r>
+            <a:r>
+              <a:rPr lang="en-US" dirty="0"/>
+              <a:t>. </a:t>
+            </a:r>
+          </a:p>
+          <a:p>
+            <a:pPr marL="914400" indent="-914400">
+              <a:buFont typeface="+mj-lt"/>
+              <a:buAutoNum type="arabicPeriod"/>
+            </a:pPr>
+            <a:r>
+              <a:rPr lang="en-US" dirty="0"/>
+              <a:t>Similar to hypothesis 1, because of point 2) this hypothesis does not lend itself to the idea </a:t>
+            </a:r>
+            <a:r>
+              <a:rPr lang="en-US" dirty="0" err="1"/>
+              <a:t>ofsynergy</a:t>
+            </a:r>
+            <a:r>
+              <a:rPr lang="en-US" dirty="0"/>
+              <a:t> between AZD and </a:t>
+            </a:r>
+            <a:r>
+              <a:rPr lang="en-US" dirty="0" err="1"/>
+              <a:t>Everolimus</a:t>
+            </a:r>
+            <a:r>
+              <a:rPr lang="en-US" dirty="0"/>
+              <a:t> mechanisms. </a:t>
+            </a:r>
+            <a:endParaRPr lang="en-US" b="1" u="sng" dirty="0"/>
+          </a:p>
+          <a:p>
+            <a:pPr marL="0" indent="0">
+              <a:buNone/>
+            </a:pPr>
+            <a:endParaRPr lang="en-US" dirty="0"/>
+          </a:p>
+        </p:txBody>
+      </p:sp>
+      <p:grpSp>
+        <p:nvGrpSpPr>
+          <p:cNvPr id="4" name="Group 3">
+            <a:extLst>
+              <a:ext uri="{FF2B5EF4-FFF2-40B4-BE49-F238E27FC236}">
+                <a16:creationId xmlns:a16="http://schemas.microsoft.com/office/drawing/2014/main" id="{664D71A1-4F09-45C7-B56F-EEF0F017FF1B}"/>
+              </a:ext>
+            </a:extLst>
+          </p:cNvPr>
+          <p:cNvGrpSpPr/>
+          <p:nvPr/>
+        </p:nvGrpSpPr>
+        <p:grpSpPr>
+          <a:xfrm>
+            <a:off x="12562746" y="842717"/>
+            <a:ext cx="4727761" cy="10859239"/>
+            <a:chOff x="12562746" y="842717"/>
+            <a:chExt cx="4727761" cy="10859239"/>
+          </a:xfrm>
+        </p:grpSpPr>
+        <p:grpSp>
+          <p:nvGrpSpPr>
+            <p:cNvPr id="5" name="Group 4">
+              <a:extLst>
+                <a:ext uri="{FF2B5EF4-FFF2-40B4-BE49-F238E27FC236}">
+                  <a16:creationId xmlns:a16="http://schemas.microsoft.com/office/drawing/2014/main" id="{456080F5-286D-475B-AB20-9D8F28B38409}"/>
+                </a:ext>
+              </a:extLst>
+            </p:cNvPr>
+            <p:cNvGrpSpPr/>
+            <p:nvPr/>
+          </p:nvGrpSpPr>
+          <p:grpSpPr>
+            <a:xfrm>
+              <a:off x="12562746" y="842717"/>
+              <a:ext cx="4727761" cy="5613808"/>
+              <a:chOff x="12823144" y="5912052"/>
+              <a:chExt cx="4727761" cy="5613808"/>
+            </a:xfrm>
+          </p:grpSpPr>
+          <p:sp>
+            <p:nvSpPr>
+              <p:cNvPr id="9" name="TextBox 8">
+                <a:extLst>
+                  <a:ext uri="{FF2B5EF4-FFF2-40B4-BE49-F238E27FC236}">
+                    <a16:creationId xmlns:a16="http://schemas.microsoft.com/office/drawing/2014/main" id="{7A754509-E9C0-4FA5-A276-9564009B15A1}"/>
+                  </a:ext>
+                </a:extLst>
+              </p:cNvPr>
+              <p:cNvSpPr txBox="1"/>
+              <p:nvPr/>
+            </p:nvSpPr>
+            <p:spPr>
+              <a:xfrm flipH="1">
+                <a:off x="14707307" y="5912052"/>
+                <a:ext cx="2269778" cy="523220"/>
+              </a:xfrm>
+              <a:prstGeom prst="rect">
+                <a:avLst/>
+              </a:prstGeom>
+              <a:noFill/>
+            </p:spPr>
+            <p:txBody>
+              <a:bodyPr wrap="square" rtlCol="0">
+                <a:spAutoFit/>
+              </a:bodyPr>
+              <a:lstStyle/>
+              <a:p>
+                <a:r>
+                  <a:rPr lang="en-US" sz="2800" dirty="0"/>
+                  <a:t>AZD</a:t>
+                </a:r>
+                <a:endParaRPr lang="en-GB" dirty="0"/>
+              </a:p>
+            </p:txBody>
+          </p:sp>
+          <p:pic>
+            <p:nvPicPr>
+              <p:cNvPr id="10" name="Picture 9">
+                <a:extLst>
+                  <a:ext uri="{FF2B5EF4-FFF2-40B4-BE49-F238E27FC236}">
+                    <a16:creationId xmlns:a16="http://schemas.microsoft.com/office/drawing/2014/main" id="{1699EB2D-2955-49AA-92A6-76C8C30AD8B7}"/>
+                  </a:ext>
+                </a:extLst>
+              </p:cNvPr>
+              <p:cNvPicPr>
+                <a:picLocks noChangeAspect="1"/>
+              </p:cNvPicPr>
+              <p:nvPr/>
+            </p:nvPicPr>
+            <p:blipFill>
+              <a:blip r:embed="rId2"/>
+              <a:stretch>
+                <a:fillRect/>
+              </a:stretch>
+            </p:blipFill>
+            <p:spPr>
+              <a:xfrm>
+                <a:off x="12823144" y="6624830"/>
+                <a:ext cx="4727761" cy="4901030"/>
+              </a:xfrm>
+              <a:prstGeom prst="rect">
+                <a:avLst/>
+              </a:prstGeom>
+            </p:spPr>
+          </p:pic>
+        </p:grpSp>
+        <p:grpSp>
+          <p:nvGrpSpPr>
+            <p:cNvPr id="6" name="Group 5">
+              <a:extLst>
+                <a:ext uri="{FF2B5EF4-FFF2-40B4-BE49-F238E27FC236}">
+                  <a16:creationId xmlns:a16="http://schemas.microsoft.com/office/drawing/2014/main" id="{070E4D40-307B-4ABC-A3E0-F4E86398CC44}"/>
+                </a:ext>
+              </a:extLst>
+            </p:cNvPr>
+            <p:cNvGrpSpPr/>
+            <p:nvPr/>
+          </p:nvGrpSpPr>
+          <p:grpSpPr>
+            <a:xfrm>
+              <a:off x="12823143" y="6456525"/>
+              <a:ext cx="4206966" cy="5245431"/>
+              <a:chOff x="13148143" y="5004818"/>
+              <a:chExt cx="4206966" cy="5245431"/>
+            </a:xfrm>
+          </p:grpSpPr>
+          <p:sp>
+            <p:nvSpPr>
+              <p:cNvPr id="7" name="TextBox 6">
+                <a:extLst>
+                  <a:ext uri="{FF2B5EF4-FFF2-40B4-BE49-F238E27FC236}">
+                    <a16:creationId xmlns:a16="http://schemas.microsoft.com/office/drawing/2014/main" id="{077CC944-E0AD-49DD-9718-20A0EBBD302E}"/>
+                  </a:ext>
+                </a:extLst>
+              </p:cNvPr>
+              <p:cNvSpPr txBox="1"/>
+              <p:nvPr/>
+            </p:nvSpPr>
+            <p:spPr>
+              <a:xfrm flipH="1">
+                <a:off x="14511511" y="5004818"/>
+                <a:ext cx="2269778" cy="523220"/>
+              </a:xfrm>
+              <a:prstGeom prst="rect">
+                <a:avLst/>
+              </a:prstGeom>
+              <a:noFill/>
+            </p:spPr>
+            <p:txBody>
+              <a:bodyPr wrap="square" rtlCol="0">
+                <a:spAutoFit/>
+              </a:bodyPr>
+              <a:lstStyle/>
+              <a:p>
+                <a:r>
+                  <a:rPr lang="en-US" sz="2800" dirty="0"/>
+                  <a:t>MK2206</a:t>
+                </a:r>
+                <a:endParaRPr lang="en-GB" dirty="0"/>
+              </a:p>
+            </p:txBody>
+          </p:sp>
+          <p:pic>
+            <p:nvPicPr>
+              <p:cNvPr id="8" name="Picture 7">
+                <a:extLst>
+                  <a:ext uri="{FF2B5EF4-FFF2-40B4-BE49-F238E27FC236}">
+                    <a16:creationId xmlns:a16="http://schemas.microsoft.com/office/drawing/2014/main" id="{E40B1AE5-2A41-4DAA-98E5-5E8A01E2FFA2}"/>
+                  </a:ext>
+                </a:extLst>
+              </p:cNvPr>
+              <p:cNvPicPr>
+                <a:picLocks noChangeAspect="1"/>
+              </p:cNvPicPr>
+              <p:nvPr/>
+            </p:nvPicPr>
+            <p:blipFill>
+              <a:blip r:embed="rId3"/>
+              <a:stretch>
+                <a:fillRect/>
+              </a:stretch>
+            </p:blipFill>
+            <p:spPr>
+              <a:xfrm>
+                <a:off x="13148143" y="5455986"/>
+                <a:ext cx="4206966" cy="4794263"/>
+              </a:xfrm>
+              <a:prstGeom prst="rect">
+                <a:avLst/>
+              </a:prstGeom>
+            </p:spPr>
+          </p:pic>
+        </p:grpSp>
+      </p:grpSp>
+      <p:sp>
+        <p:nvSpPr>
+          <p:cNvPr id="11" name="Content Placeholder 2">
+            <a:extLst>
+              <a:ext uri="{FF2B5EF4-FFF2-40B4-BE49-F238E27FC236}">
+                <a16:creationId xmlns:a16="http://schemas.microsoft.com/office/drawing/2014/main" id="{10A2D771-1BC8-45BA-B103-ABC45B9D40B9}"/>
+              </a:ext>
+            </a:extLst>
+          </p:cNvPr>
+          <p:cNvSpPr txBox="1">
+            <a:spLocks/>
+          </p:cNvSpPr>
+          <p:nvPr/>
+        </p:nvSpPr>
+        <p:spPr>
+          <a:xfrm>
+            <a:off x="536448" y="2451649"/>
+            <a:ext cx="12415294" cy="2820307"/>
+          </a:xfrm>
+          <a:prstGeom prst="rect">
+            <a:avLst/>
+          </a:prstGeom>
+          <a:ln w="38100">
+            <a:solidFill>
+              <a:schemeClr val="tx1"/>
+            </a:solidFill>
+          </a:ln>
+        </p:spPr>
+        <p:txBody>
+          <a:bodyPr vert="horz" lIns="91440" tIns="45720" rIns="91440" bIns="45720" rtlCol="0">
+            <a:normAutofit fontScale="62500" lnSpcReduction="20000"/>
+          </a:bodyPr>
+          <a:lstStyle>
+            <a:lvl1pPr marL="406405" indent="-406405" algn="l" defTabSz="1625620" rtl="0" eaLnBrk="1" latinLnBrk="0" hangingPunct="1">
+              <a:lnSpc>
+                <a:spcPct val="90000"/>
+              </a:lnSpc>
+              <a:spcBef>
+                <a:spcPts val="1778"/>
+              </a:spcBef>
+              <a:buFont typeface="Arial" panose="020B0604020202020204" pitchFamily="34" charset="0"/>
+              <a:buChar char="•"/>
+              <a:defRPr sz="4978" kern="1200">
+                <a:solidFill>
+                  <a:schemeClr val="tx1"/>
+                </a:solidFill>
+                <a:latin typeface="+mn-lt"/>
+                <a:ea typeface="+mn-ea"/>
+                <a:cs typeface="+mn-cs"/>
+              </a:defRPr>
+            </a:lvl1pPr>
+            <a:lvl2pPr marL="1219215" indent="-406405" algn="l" defTabSz="1625620" rtl="0" eaLnBrk="1" latinLnBrk="0" hangingPunct="1">
+              <a:lnSpc>
+                <a:spcPct val="90000"/>
+              </a:lnSpc>
+              <a:spcBef>
+                <a:spcPts val="889"/>
+              </a:spcBef>
+              <a:buFont typeface="Arial" panose="020B0604020202020204" pitchFamily="34" charset="0"/>
+              <a:buChar char="•"/>
+              <a:defRPr sz="4267" kern="1200">
+                <a:solidFill>
+                  <a:schemeClr val="tx1"/>
+                </a:solidFill>
+                <a:latin typeface="+mn-lt"/>
+                <a:ea typeface="+mn-ea"/>
+                <a:cs typeface="+mn-cs"/>
+              </a:defRPr>
+            </a:lvl2pPr>
+            <a:lvl3pPr marL="2032025" indent="-406405" algn="l" defTabSz="1625620" rtl="0" eaLnBrk="1" latinLnBrk="0" hangingPunct="1">
+              <a:lnSpc>
+                <a:spcPct val="90000"/>
+              </a:lnSpc>
+              <a:spcBef>
+                <a:spcPts val="889"/>
+              </a:spcBef>
+              <a:buFont typeface="Arial" panose="020B0604020202020204" pitchFamily="34" charset="0"/>
+              <a:buChar char="•"/>
+              <a:defRPr sz="3556" kern="1200">
+                <a:solidFill>
+                  <a:schemeClr val="tx1"/>
+                </a:solidFill>
+                <a:latin typeface="+mn-lt"/>
+                <a:ea typeface="+mn-ea"/>
+                <a:cs typeface="+mn-cs"/>
+              </a:defRPr>
+            </a:lvl3pPr>
+            <a:lvl4pPr marL="2844836" indent="-406405" algn="l" defTabSz="1625620" rtl="0" eaLnBrk="1" latinLnBrk="0" hangingPunct="1">
+              <a:lnSpc>
+                <a:spcPct val="90000"/>
+              </a:lnSpc>
+              <a:spcBef>
+                <a:spcPts val="889"/>
+              </a:spcBef>
+              <a:buFont typeface="Arial" panose="020B0604020202020204" pitchFamily="34" charset="0"/>
+              <a:buChar char="•"/>
+              <a:defRPr sz="3200" kern="1200">
+                <a:solidFill>
+                  <a:schemeClr val="tx1"/>
+                </a:solidFill>
+                <a:latin typeface="+mn-lt"/>
+                <a:ea typeface="+mn-ea"/>
+                <a:cs typeface="+mn-cs"/>
+              </a:defRPr>
+            </a:lvl4pPr>
+            <a:lvl5pPr marL="3657646" indent="-406405" algn="l" defTabSz="1625620" rtl="0" eaLnBrk="1" latinLnBrk="0" hangingPunct="1">
+              <a:lnSpc>
+                <a:spcPct val="90000"/>
+              </a:lnSpc>
+              <a:spcBef>
+                <a:spcPts val="889"/>
+              </a:spcBef>
+              <a:buFont typeface="Arial" panose="020B0604020202020204" pitchFamily="34" charset="0"/>
+              <a:buChar char="•"/>
+              <a:defRPr sz="3200" kern="1200">
+                <a:solidFill>
+                  <a:schemeClr val="tx1"/>
+                </a:solidFill>
+                <a:latin typeface="+mn-lt"/>
+                <a:ea typeface="+mn-ea"/>
+                <a:cs typeface="+mn-cs"/>
+              </a:defRPr>
+            </a:lvl5pPr>
+            <a:lvl6pPr marL="4470456" indent="-406405" algn="l" defTabSz="1625620" rtl="0" eaLnBrk="1" latinLnBrk="0" hangingPunct="1">
+              <a:lnSpc>
+                <a:spcPct val="90000"/>
+              </a:lnSpc>
+              <a:spcBef>
+                <a:spcPts val="889"/>
+              </a:spcBef>
+              <a:buFont typeface="Arial" panose="020B0604020202020204" pitchFamily="34" charset="0"/>
+              <a:buChar char="•"/>
+              <a:defRPr sz="3200" kern="1200">
+                <a:solidFill>
+                  <a:schemeClr val="tx1"/>
+                </a:solidFill>
+                <a:latin typeface="+mn-lt"/>
+                <a:ea typeface="+mn-ea"/>
+                <a:cs typeface="+mn-cs"/>
+              </a:defRPr>
+            </a:lvl6pPr>
+            <a:lvl7pPr marL="5283266" indent="-406405" algn="l" defTabSz="1625620" rtl="0" eaLnBrk="1" latinLnBrk="0" hangingPunct="1">
+              <a:lnSpc>
+                <a:spcPct val="90000"/>
+              </a:lnSpc>
+              <a:spcBef>
+                <a:spcPts val="889"/>
+              </a:spcBef>
+              <a:buFont typeface="Arial" panose="020B0604020202020204" pitchFamily="34" charset="0"/>
+              <a:buChar char="•"/>
+              <a:defRPr sz="3200" kern="1200">
+                <a:solidFill>
+                  <a:schemeClr val="tx1"/>
+                </a:solidFill>
+                <a:latin typeface="+mn-lt"/>
+                <a:ea typeface="+mn-ea"/>
+                <a:cs typeface="+mn-cs"/>
+              </a:defRPr>
+            </a:lvl7pPr>
+            <a:lvl8pPr marL="6096076" indent="-406405" algn="l" defTabSz="1625620" rtl="0" eaLnBrk="1" latinLnBrk="0" hangingPunct="1">
+              <a:lnSpc>
+                <a:spcPct val="90000"/>
+              </a:lnSpc>
+              <a:spcBef>
+                <a:spcPts val="889"/>
+              </a:spcBef>
+              <a:buFont typeface="Arial" panose="020B0604020202020204" pitchFamily="34" charset="0"/>
+              <a:buChar char="•"/>
+              <a:defRPr sz="3200" kern="1200">
+                <a:solidFill>
+                  <a:schemeClr val="tx1"/>
+                </a:solidFill>
+                <a:latin typeface="+mn-lt"/>
+                <a:ea typeface="+mn-ea"/>
+                <a:cs typeface="+mn-cs"/>
+              </a:defRPr>
+            </a:lvl8pPr>
+            <a:lvl9pPr marL="6908886" indent="-406405" algn="l" defTabSz="1625620" rtl="0" eaLnBrk="1" latinLnBrk="0" hangingPunct="1">
+              <a:lnSpc>
+                <a:spcPct val="90000"/>
+              </a:lnSpc>
+              <a:spcBef>
+                <a:spcPts val="889"/>
+              </a:spcBef>
+              <a:buFont typeface="Arial" panose="020B0604020202020204" pitchFamily="34" charset="0"/>
+              <a:buChar char="•"/>
+              <a:defRPr sz="3200" kern="1200">
+                <a:solidFill>
+                  <a:schemeClr val="tx1"/>
+                </a:solidFill>
+                <a:latin typeface="+mn-lt"/>
+                <a:ea typeface="+mn-ea"/>
+                <a:cs typeface="+mn-cs"/>
+              </a:defRPr>
+            </a:lvl9pPr>
+          </a:lstStyle>
+          <a:p>
+            <a:pPr marL="0" indent="0">
+              <a:buNone/>
+            </a:pPr>
+            <a:r>
+              <a:rPr lang="en-US" b="1" u="sng" dirty="0"/>
+              <a:t>Questions</a:t>
+            </a:r>
+          </a:p>
+          <a:p>
+            <a:pPr marL="914400" indent="-914400">
+              <a:buFont typeface="+mj-lt"/>
+              <a:buAutoNum type="arabicPeriod"/>
+            </a:pPr>
+            <a:r>
+              <a:rPr lang="en-US" dirty="0"/>
+              <a:t>How does </a:t>
+            </a:r>
+            <a:r>
+              <a:rPr lang="en-US" dirty="0" err="1"/>
+              <a:t>Everolimus</a:t>
+            </a:r>
+            <a:r>
+              <a:rPr lang="en-US" dirty="0"/>
+              <a:t> increase </a:t>
+            </a:r>
+            <a:r>
+              <a:rPr lang="en-US" dirty="0" err="1"/>
+              <a:t>TGFb</a:t>
+            </a:r>
+            <a:r>
+              <a:rPr lang="en-US" dirty="0"/>
+              <a:t>-mediated </a:t>
+            </a:r>
+            <a:r>
+              <a:rPr lang="en-US" dirty="0" err="1"/>
+              <a:t>phos</a:t>
+            </a:r>
+            <a:r>
+              <a:rPr lang="en-US" dirty="0"/>
+              <a:t> of Smad2? </a:t>
+            </a:r>
+          </a:p>
+          <a:p>
+            <a:pPr marL="914400" indent="-914400">
+              <a:buFont typeface="+mj-lt"/>
+              <a:buAutoNum type="arabicPeriod"/>
+            </a:pPr>
+            <a:r>
+              <a:rPr lang="en-US" dirty="0"/>
+              <a:t>How does AZD increase </a:t>
+            </a:r>
+            <a:r>
+              <a:rPr lang="en-US" dirty="0" err="1"/>
+              <a:t>TGFb</a:t>
+            </a:r>
+            <a:r>
+              <a:rPr lang="en-US" dirty="0"/>
+              <a:t>-mediated </a:t>
+            </a:r>
+            <a:r>
+              <a:rPr lang="en-US" dirty="0" err="1"/>
+              <a:t>phos</a:t>
+            </a:r>
+            <a:r>
+              <a:rPr lang="en-US" dirty="0"/>
+              <a:t> of Smad2? </a:t>
+            </a:r>
+          </a:p>
+          <a:p>
+            <a:pPr marL="914400" indent="-914400">
+              <a:buFont typeface="+mj-lt"/>
+              <a:buAutoNum type="arabicPeriod"/>
+            </a:pPr>
+            <a:r>
+              <a:rPr lang="en-US" dirty="0"/>
+              <a:t>How do </a:t>
+            </a:r>
+            <a:r>
+              <a:rPr lang="en-US" dirty="0" err="1"/>
+              <a:t>Everolimus</a:t>
+            </a:r>
+            <a:r>
+              <a:rPr lang="en-US" dirty="0"/>
+              <a:t> and AZD </a:t>
+            </a:r>
+            <a:r>
+              <a:rPr lang="en-US" dirty="0" err="1"/>
+              <a:t>synergise</a:t>
+            </a:r>
+            <a:r>
+              <a:rPr lang="en-US" dirty="0"/>
+              <a:t> in the increase </a:t>
+            </a:r>
+            <a:r>
+              <a:rPr lang="en-US" dirty="0" err="1"/>
+              <a:t>TGFb</a:t>
+            </a:r>
+            <a:r>
+              <a:rPr lang="en-US" dirty="0"/>
+              <a:t>-mediated Smad2 </a:t>
+            </a:r>
+            <a:r>
+              <a:rPr lang="en-US" dirty="0" err="1"/>
+              <a:t>phos</a:t>
+            </a:r>
+            <a:r>
+              <a:rPr lang="en-US" dirty="0"/>
+              <a:t>? </a:t>
+            </a:r>
+          </a:p>
+          <a:p>
+            <a:pPr marL="0" indent="0">
+              <a:buFont typeface="Arial" panose="020B0604020202020204" pitchFamily="34" charset="0"/>
+              <a:buNone/>
+            </a:pPr>
+            <a:endParaRPr lang="en-US" dirty="0"/>
+          </a:p>
+        </p:txBody>
+      </p:sp>
+    </p:spTree>
+    <p:extLst>
+      <p:ext uri="{BB962C8B-B14F-4D97-AF65-F5344CB8AC3E}">
+        <p14:creationId xmlns:p14="http://schemas.microsoft.com/office/powerpoint/2010/main" val="187907016"/>
+      </p:ext>
+    </p:extLst>
+  </p:cSld>
+  <p:clrMapOvr>
+    <a:masterClrMapping/>
+  </p:clrMapOvr>
+</p:sld>
+</file>
+
+<file path=ppt/slides/slide15.xml><?xml version="1.0" encoding="utf-8"?>
+<p:sld xmlns:a="http://schemas.openxmlformats.org/drawingml/2006/main" xmlns:r="http://schemas.openxmlformats.org/officeDocument/2006/relationships" xmlns:p="http://schemas.openxmlformats.org/presentationml/2006/main">
+  <p:cSld>
+    <p:spTree>
+      <p:nvGrpSpPr>
+        <p:cNvPr id="1" name=""/>
+        <p:cNvGrpSpPr/>
+        <p:nvPr/>
+      </p:nvGrpSpPr>
+      <p:grpSpPr>
+        <a:xfrm>
+          <a:off x="0" y="0"/>
+          <a:ext cx="0" cy="0"/>
+          <a:chOff x="0" y="0"/>
+          <a:chExt cx="0" cy="0"/>
+        </a:xfrm>
+      </p:grpSpPr>
+      <p:sp>
+        <p:nvSpPr>
+          <p:cNvPr id="2" name="Title 1">
+            <a:extLst>
+              <a:ext uri="{FF2B5EF4-FFF2-40B4-BE49-F238E27FC236}">
+                <a16:creationId xmlns:a16="http://schemas.microsoft.com/office/drawing/2014/main" id="{DEF8880C-9F19-40E8-9249-8E8831479C6E}"/>
+              </a:ext>
+            </a:extLst>
+          </p:cNvPr>
+          <p:cNvSpPr>
+            <a:spLocks noGrp="1"/>
+          </p:cNvSpPr>
+          <p:nvPr>
+            <p:ph type="title"/>
+          </p:nvPr>
+        </p:nvSpPr>
+        <p:spPr>
+          <a:xfrm>
+            <a:off x="407849" y="238712"/>
+            <a:ext cx="12415294" cy="1731229"/>
+          </a:xfrm>
+        </p:spPr>
+        <p:txBody>
+          <a:bodyPr>
+            <a:noAutofit/>
+          </a:bodyPr>
+          <a:lstStyle/>
+          <a:p>
+            <a:pPr algn="ctr"/>
+            <a:r>
+              <a:rPr lang="en-US" sz="4800" dirty="0"/>
+              <a:t>Hypothesis 3: Both </a:t>
+            </a:r>
+            <a:r>
+              <a:rPr lang="en-US" sz="4800" dirty="0" err="1"/>
+              <a:t>pAkt</a:t>
+            </a:r>
+            <a:r>
+              <a:rPr lang="en-US" sz="4800" dirty="0"/>
+              <a:t> and </a:t>
+            </a:r>
+            <a:r>
+              <a:rPr lang="en-US" sz="4800" dirty="0" err="1"/>
+              <a:t>pErk</a:t>
+            </a:r>
+            <a:r>
+              <a:rPr lang="en-US" sz="4800" dirty="0"/>
+              <a:t> are capable of independently phosphorylating Smad2</a:t>
+            </a:r>
+          </a:p>
+        </p:txBody>
+      </p:sp>
+      <p:sp>
+        <p:nvSpPr>
+          <p:cNvPr id="3" name="Content Placeholder 2">
+            <a:extLst>
+              <a:ext uri="{FF2B5EF4-FFF2-40B4-BE49-F238E27FC236}">
+                <a16:creationId xmlns:a16="http://schemas.microsoft.com/office/drawing/2014/main" id="{4C6B91A8-710A-42E0-907D-2E8148D0A77C}"/>
+              </a:ext>
+            </a:extLst>
+          </p:cNvPr>
+          <p:cNvSpPr>
+            <a:spLocks noGrp="1"/>
+          </p:cNvSpPr>
+          <p:nvPr>
+            <p:ph idx="1"/>
+          </p:nvPr>
+        </p:nvSpPr>
+        <p:spPr>
+          <a:xfrm>
+            <a:off x="536448" y="5620643"/>
+            <a:ext cx="11897700" cy="5878113"/>
+          </a:xfrm>
+        </p:spPr>
+        <p:txBody>
+          <a:bodyPr>
+            <a:normAutofit fontScale="92500" lnSpcReduction="20000"/>
+          </a:bodyPr>
+          <a:lstStyle/>
+          <a:p>
+            <a:pPr marL="0" indent="0">
+              <a:buNone/>
+            </a:pPr>
+            <a:r>
+              <a:rPr lang="en-US" b="1" u="sng" dirty="0"/>
+              <a:t>Answers </a:t>
+            </a:r>
+          </a:p>
+          <a:p>
+            <a:pPr marL="0" indent="0">
+              <a:buNone/>
+            </a:pPr>
+            <a:r>
+              <a:rPr lang="en-US" sz="4500" dirty="0"/>
+              <a:t>Under the assumptions that topology and hypothesis 3 is correct</a:t>
+            </a:r>
+          </a:p>
+          <a:p>
+            <a:pPr marL="914400" indent="-914400">
+              <a:buFont typeface="+mj-lt"/>
+              <a:buAutoNum type="arabicPeriod"/>
+            </a:pPr>
+            <a:r>
+              <a:rPr lang="en-US" dirty="0" err="1"/>
+              <a:t>Everolimus</a:t>
+            </a:r>
+            <a:r>
+              <a:rPr lang="en-US" dirty="0"/>
+              <a:t> enhances </a:t>
+            </a:r>
+            <a:r>
+              <a:rPr lang="en-US" dirty="0" err="1"/>
+              <a:t>Akt</a:t>
+            </a:r>
+            <a:r>
+              <a:rPr lang="en-US" dirty="0"/>
+              <a:t> phosphorylation. </a:t>
+            </a:r>
+            <a:r>
+              <a:rPr lang="en-US" dirty="0" err="1"/>
+              <a:t>Akt</a:t>
+            </a:r>
+            <a:r>
+              <a:rPr lang="en-US" dirty="0"/>
+              <a:t> phosphorylation increases Smad2 phosphorylation.</a:t>
+            </a:r>
+          </a:p>
+          <a:p>
+            <a:pPr marL="914400" indent="-914400">
+              <a:buFont typeface="+mj-lt"/>
+              <a:buAutoNum type="arabicPeriod"/>
+            </a:pPr>
+            <a:r>
+              <a:rPr lang="en-US" dirty="0"/>
+              <a:t>AZD inhibits </a:t>
+            </a:r>
+            <a:r>
+              <a:rPr lang="en-US" dirty="0" err="1"/>
+              <a:t>Mek</a:t>
+            </a:r>
+            <a:r>
+              <a:rPr lang="en-US" dirty="0"/>
+              <a:t> </a:t>
+            </a:r>
+            <a:r>
+              <a:rPr lang="en-US" dirty="0" err="1"/>
+              <a:t>phos</a:t>
+            </a:r>
+            <a:r>
+              <a:rPr lang="en-US" dirty="0"/>
+              <a:t> leading to less </a:t>
+            </a:r>
+            <a:r>
+              <a:rPr lang="en-US" dirty="0" err="1"/>
+              <a:t>Erk</a:t>
+            </a:r>
+            <a:r>
+              <a:rPr lang="en-US" dirty="0"/>
+              <a:t> </a:t>
+            </a:r>
+            <a:r>
+              <a:rPr lang="en-US" dirty="0" err="1"/>
+              <a:t>phos</a:t>
+            </a:r>
+            <a:r>
+              <a:rPr lang="en-US" dirty="0"/>
+              <a:t>, causing </a:t>
+            </a:r>
+            <a:r>
+              <a:rPr lang="en-US" b="1" dirty="0"/>
+              <a:t>less</a:t>
+            </a:r>
+            <a:r>
+              <a:rPr lang="en-US" dirty="0"/>
+              <a:t> phosphorylation of Smad2</a:t>
+            </a:r>
+          </a:p>
+          <a:p>
+            <a:pPr marL="914400" indent="-914400">
+              <a:buFont typeface="+mj-lt"/>
+              <a:buAutoNum type="arabicPeriod"/>
+            </a:pPr>
+            <a:r>
+              <a:rPr lang="en-US" dirty="0"/>
+              <a:t>same as for hypothesis 2, point 3.</a:t>
+            </a:r>
+          </a:p>
+        </p:txBody>
+      </p:sp>
+      <p:grpSp>
+        <p:nvGrpSpPr>
+          <p:cNvPr id="4" name="Group 3">
+            <a:extLst>
+              <a:ext uri="{FF2B5EF4-FFF2-40B4-BE49-F238E27FC236}">
+                <a16:creationId xmlns:a16="http://schemas.microsoft.com/office/drawing/2014/main" id="{664D71A1-4F09-45C7-B56F-EEF0F017FF1B}"/>
+              </a:ext>
+            </a:extLst>
+          </p:cNvPr>
+          <p:cNvGrpSpPr/>
+          <p:nvPr/>
+        </p:nvGrpSpPr>
+        <p:grpSpPr>
+          <a:xfrm>
+            <a:off x="12562746" y="842717"/>
+            <a:ext cx="4727761" cy="10859239"/>
+            <a:chOff x="12562746" y="842717"/>
+            <a:chExt cx="4727761" cy="10859239"/>
+          </a:xfrm>
+        </p:grpSpPr>
+        <p:grpSp>
+          <p:nvGrpSpPr>
+            <p:cNvPr id="5" name="Group 4">
+              <a:extLst>
+                <a:ext uri="{FF2B5EF4-FFF2-40B4-BE49-F238E27FC236}">
+                  <a16:creationId xmlns:a16="http://schemas.microsoft.com/office/drawing/2014/main" id="{456080F5-286D-475B-AB20-9D8F28B38409}"/>
+                </a:ext>
+              </a:extLst>
+            </p:cNvPr>
+            <p:cNvGrpSpPr/>
+            <p:nvPr/>
+          </p:nvGrpSpPr>
+          <p:grpSpPr>
+            <a:xfrm>
+              <a:off x="12562746" y="842717"/>
+              <a:ext cx="4727761" cy="5613808"/>
+              <a:chOff x="12823144" y="5912052"/>
+              <a:chExt cx="4727761" cy="5613808"/>
+            </a:xfrm>
+          </p:grpSpPr>
+          <p:sp>
+            <p:nvSpPr>
+              <p:cNvPr id="9" name="TextBox 8">
+                <a:extLst>
+                  <a:ext uri="{FF2B5EF4-FFF2-40B4-BE49-F238E27FC236}">
+                    <a16:creationId xmlns:a16="http://schemas.microsoft.com/office/drawing/2014/main" id="{7A754509-E9C0-4FA5-A276-9564009B15A1}"/>
+                  </a:ext>
+                </a:extLst>
+              </p:cNvPr>
+              <p:cNvSpPr txBox="1"/>
+              <p:nvPr/>
+            </p:nvSpPr>
+            <p:spPr>
+              <a:xfrm flipH="1">
+                <a:off x="14707307" y="5912052"/>
+                <a:ext cx="2269778" cy="523220"/>
+              </a:xfrm>
+              <a:prstGeom prst="rect">
+                <a:avLst/>
+              </a:prstGeom>
+              <a:noFill/>
+            </p:spPr>
+            <p:txBody>
+              <a:bodyPr wrap="square" rtlCol="0">
+                <a:spAutoFit/>
+              </a:bodyPr>
+              <a:lstStyle/>
+              <a:p>
+                <a:r>
+                  <a:rPr lang="en-US" sz="2800" dirty="0"/>
+                  <a:t>AZD</a:t>
+                </a:r>
+                <a:endParaRPr lang="en-GB" dirty="0"/>
+              </a:p>
+            </p:txBody>
+          </p:sp>
+          <p:pic>
+            <p:nvPicPr>
+              <p:cNvPr id="10" name="Picture 9">
+                <a:extLst>
+                  <a:ext uri="{FF2B5EF4-FFF2-40B4-BE49-F238E27FC236}">
+                    <a16:creationId xmlns:a16="http://schemas.microsoft.com/office/drawing/2014/main" id="{1699EB2D-2955-49AA-92A6-76C8C30AD8B7}"/>
+                  </a:ext>
+                </a:extLst>
+              </p:cNvPr>
+              <p:cNvPicPr>
+                <a:picLocks noChangeAspect="1"/>
+              </p:cNvPicPr>
+              <p:nvPr/>
+            </p:nvPicPr>
+            <p:blipFill>
+              <a:blip r:embed="rId2"/>
+              <a:stretch>
+                <a:fillRect/>
+              </a:stretch>
+            </p:blipFill>
+            <p:spPr>
+              <a:xfrm>
+                <a:off x="12823144" y="6624830"/>
+                <a:ext cx="4727761" cy="4901030"/>
+              </a:xfrm>
+              <a:prstGeom prst="rect">
+                <a:avLst/>
+              </a:prstGeom>
+            </p:spPr>
+          </p:pic>
+        </p:grpSp>
+        <p:grpSp>
+          <p:nvGrpSpPr>
+            <p:cNvPr id="6" name="Group 5">
+              <a:extLst>
+                <a:ext uri="{FF2B5EF4-FFF2-40B4-BE49-F238E27FC236}">
+                  <a16:creationId xmlns:a16="http://schemas.microsoft.com/office/drawing/2014/main" id="{070E4D40-307B-4ABC-A3E0-F4E86398CC44}"/>
+                </a:ext>
+              </a:extLst>
+            </p:cNvPr>
+            <p:cNvGrpSpPr/>
+            <p:nvPr/>
+          </p:nvGrpSpPr>
+          <p:grpSpPr>
+            <a:xfrm>
+              <a:off x="12823143" y="6456525"/>
+              <a:ext cx="4206966" cy="5245431"/>
+              <a:chOff x="13148143" y="5004818"/>
+              <a:chExt cx="4206966" cy="5245431"/>
+            </a:xfrm>
+          </p:grpSpPr>
+          <p:sp>
+            <p:nvSpPr>
+              <p:cNvPr id="7" name="TextBox 6">
+                <a:extLst>
+                  <a:ext uri="{FF2B5EF4-FFF2-40B4-BE49-F238E27FC236}">
+                    <a16:creationId xmlns:a16="http://schemas.microsoft.com/office/drawing/2014/main" id="{077CC944-E0AD-49DD-9718-20A0EBBD302E}"/>
+                  </a:ext>
+                </a:extLst>
+              </p:cNvPr>
+              <p:cNvSpPr txBox="1"/>
+              <p:nvPr/>
+            </p:nvSpPr>
+            <p:spPr>
+              <a:xfrm flipH="1">
+                <a:off x="14511511" y="5004818"/>
+                <a:ext cx="2269778" cy="523220"/>
+              </a:xfrm>
+              <a:prstGeom prst="rect">
+                <a:avLst/>
+              </a:prstGeom>
+              <a:noFill/>
+            </p:spPr>
+            <p:txBody>
+              <a:bodyPr wrap="square" rtlCol="0">
+                <a:spAutoFit/>
+              </a:bodyPr>
+              <a:lstStyle/>
+              <a:p>
+                <a:r>
+                  <a:rPr lang="en-US" sz="2800" dirty="0"/>
+                  <a:t>MK2206</a:t>
+                </a:r>
+                <a:endParaRPr lang="en-GB" dirty="0"/>
+              </a:p>
+            </p:txBody>
+          </p:sp>
+          <p:pic>
+            <p:nvPicPr>
+              <p:cNvPr id="8" name="Picture 7">
+                <a:extLst>
+                  <a:ext uri="{FF2B5EF4-FFF2-40B4-BE49-F238E27FC236}">
+                    <a16:creationId xmlns:a16="http://schemas.microsoft.com/office/drawing/2014/main" id="{E40B1AE5-2A41-4DAA-98E5-5E8A01E2FFA2}"/>
+                  </a:ext>
+                </a:extLst>
+              </p:cNvPr>
+              <p:cNvPicPr>
+                <a:picLocks noChangeAspect="1"/>
+              </p:cNvPicPr>
+              <p:nvPr/>
+            </p:nvPicPr>
+            <p:blipFill>
+              <a:blip r:embed="rId3"/>
+              <a:stretch>
+                <a:fillRect/>
+              </a:stretch>
+            </p:blipFill>
+            <p:spPr>
+              <a:xfrm>
+                <a:off x="13148143" y="5455986"/>
+                <a:ext cx="4206966" cy="4794263"/>
+              </a:xfrm>
+              <a:prstGeom prst="rect">
+                <a:avLst/>
+              </a:prstGeom>
+            </p:spPr>
+          </p:pic>
+        </p:grpSp>
+      </p:grpSp>
+      <p:sp>
+        <p:nvSpPr>
+          <p:cNvPr id="11" name="Content Placeholder 2">
+            <a:extLst>
+              <a:ext uri="{FF2B5EF4-FFF2-40B4-BE49-F238E27FC236}">
+                <a16:creationId xmlns:a16="http://schemas.microsoft.com/office/drawing/2014/main" id="{10A2D771-1BC8-45BA-B103-ABC45B9D40B9}"/>
+              </a:ext>
+            </a:extLst>
+          </p:cNvPr>
+          <p:cNvSpPr txBox="1">
+            <a:spLocks/>
+          </p:cNvSpPr>
+          <p:nvPr/>
+        </p:nvSpPr>
+        <p:spPr>
+          <a:xfrm>
+            <a:off x="536448" y="2451649"/>
+            <a:ext cx="12415294" cy="2820307"/>
+          </a:xfrm>
+          <a:prstGeom prst="rect">
+            <a:avLst/>
+          </a:prstGeom>
+          <a:ln w="38100">
+            <a:solidFill>
+              <a:schemeClr val="tx1"/>
+            </a:solidFill>
+          </a:ln>
+        </p:spPr>
+        <p:txBody>
+          <a:bodyPr vert="horz" lIns="91440" tIns="45720" rIns="91440" bIns="45720" rtlCol="0">
+            <a:normAutofit fontScale="62500" lnSpcReduction="20000"/>
+          </a:bodyPr>
+          <a:lstStyle>
+            <a:lvl1pPr marL="406405" indent="-406405" algn="l" defTabSz="1625620" rtl="0" eaLnBrk="1" latinLnBrk="0" hangingPunct="1">
+              <a:lnSpc>
+                <a:spcPct val="90000"/>
+              </a:lnSpc>
+              <a:spcBef>
+                <a:spcPts val="1778"/>
+              </a:spcBef>
+              <a:buFont typeface="Arial" panose="020B0604020202020204" pitchFamily="34" charset="0"/>
+              <a:buChar char="•"/>
+              <a:defRPr sz="4978" kern="1200">
+                <a:solidFill>
+                  <a:schemeClr val="tx1"/>
+                </a:solidFill>
+                <a:latin typeface="+mn-lt"/>
+                <a:ea typeface="+mn-ea"/>
+                <a:cs typeface="+mn-cs"/>
+              </a:defRPr>
+            </a:lvl1pPr>
+            <a:lvl2pPr marL="1219215" indent="-406405" algn="l" defTabSz="1625620" rtl="0" eaLnBrk="1" latinLnBrk="0" hangingPunct="1">
+              <a:lnSpc>
+                <a:spcPct val="90000"/>
+              </a:lnSpc>
+              <a:spcBef>
+                <a:spcPts val="889"/>
+              </a:spcBef>
+              <a:buFont typeface="Arial" panose="020B0604020202020204" pitchFamily="34" charset="0"/>
+              <a:buChar char="•"/>
+              <a:defRPr sz="4267" kern="1200">
+                <a:solidFill>
+                  <a:schemeClr val="tx1"/>
+                </a:solidFill>
+                <a:latin typeface="+mn-lt"/>
+                <a:ea typeface="+mn-ea"/>
+                <a:cs typeface="+mn-cs"/>
+              </a:defRPr>
+            </a:lvl2pPr>
+            <a:lvl3pPr marL="2032025" indent="-406405" algn="l" defTabSz="1625620" rtl="0" eaLnBrk="1" latinLnBrk="0" hangingPunct="1">
+              <a:lnSpc>
+                <a:spcPct val="90000"/>
+              </a:lnSpc>
+              <a:spcBef>
+                <a:spcPts val="889"/>
+              </a:spcBef>
+              <a:buFont typeface="Arial" panose="020B0604020202020204" pitchFamily="34" charset="0"/>
+              <a:buChar char="•"/>
+              <a:defRPr sz="3556" kern="1200">
+                <a:solidFill>
+                  <a:schemeClr val="tx1"/>
+                </a:solidFill>
+                <a:latin typeface="+mn-lt"/>
+                <a:ea typeface="+mn-ea"/>
+                <a:cs typeface="+mn-cs"/>
+              </a:defRPr>
+            </a:lvl3pPr>
+            <a:lvl4pPr marL="2844836" indent="-406405" algn="l" defTabSz="1625620" rtl="0" eaLnBrk="1" latinLnBrk="0" hangingPunct="1">
+              <a:lnSpc>
+                <a:spcPct val="90000"/>
+              </a:lnSpc>
+              <a:spcBef>
+                <a:spcPts val="889"/>
+              </a:spcBef>
+              <a:buFont typeface="Arial" panose="020B0604020202020204" pitchFamily="34" charset="0"/>
+              <a:buChar char="•"/>
+              <a:defRPr sz="3200" kern="1200">
+                <a:solidFill>
+                  <a:schemeClr val="tx1"/>
+                </a:solidFill>
+                <a:latin typeface="+mn-lt"/>
+                <a:ea typeface="+mn-ea"/>
+                <a:cs typeface="+mn-cs"/>
+              </a:defRPr>
+            </a:lvl4pPr>
+            <a:lvl5pPr marL="3657646" indent="-406405" algn="l" defTabSz="1625620" rtl="0" eaLnBrk="1" latinLnBrk="0" hangingPunct="1">
+              <a:lnSpc>
+                <a:spcPct val="90000"/>
+              </a:lnSpc>
+              <a:spcBef>
+                <a:spcPts val="889"/>
+              </a:spcBef>
+              <a:buFont typeface="Arial" panose="020B0604020202020204" pitchFamily="34" charset="0"/>
+              <a:buChar char="•"/>
+              <a:defRPr sz="3200" kern="1200">
+                <a:solidFill>
+                  <a:schemeClr val="tx1"/>
+                </a:solidFill>
+                <a:latin typeface="+mn-lt"/>
+                <a:ea typeface="+mn-ea"/>
+                <a:cs typeface="+mn-cs"/>
+              </a:defRPr>
+            </a:lvl5pPr>
+            <a:lvl6pPr marL="4470456" indent="-406405" algn="l" defTabSz="1625620" rtl="0" eaLnBrk="1" latinLnBrk="0" hangingPunct="1">
+              <a:lnSpc>
+                <a:spcPct val="90000"/>
+              </a:lnSpc>
+              <a:spcBef>
+                <a:spcPts val="889"/>
+              </a:spcBef>
+              <a:buFont typeface="Arial" panose="020B0604020202020204" pitchFamily="34" charset="0"/>
+              <a:buChar char="•"/>
+              <a:defRPr sz="3200" kern="1200">
+                <a:solidFill>
+                  <a:schemeClr val="tx1"/>
+                </a:solidFill>
+                <a:latin typeface="+mn-lt"/>
+                <a:ea typeface="+mn-ea"/>
+                <a:cs typeface="+mn-cs"/>
+              </a:defRPr>
+            </a:lvl6pPr>
+            <a:lvl7pPr marL="5283266" indent="-406405" algn="l" defTabSz="1625620" rtl="0" eaLnBrk="1" latinLnBrk="0" hangingPunct="1">
+              <a:lnSpc>
+                <a:spcPct val="90000"/>
+              </a:lnSpc>
+              <a:spcBef>
+                <a:spcPts val="889"/>
+              </a:spcBef>
+              <a:buFont typeface="Arial" panose="020B0604020202020204" pitchFamily="34" charset="0"/>
+              <a:buChar char="•"/>
+              <a:defRPr sz="3200" kern="1200">
+                <a:solidFill>
+                  <a:schemeClr val="tx1"/>
+                </a:solidFill>
+                <a:latin typeface="+mn-lt"/>
+                <a:ea typeface="+mn-ea"/>
+                <a:cs typeface="+mn-cs"/>
+              </a:defRPr>
+            </a:lvl7pPr>
+            <a:lvl8pPr marL="6096076" indent="-406405" algn="l" defTabSz="1625620" rtl="0" eaLnBrk="1" latinLnBrk="0" hangingPunct="1">
+              <a:lnSpc>
+                <a:spcPct val="90000"/>
+              </a:lnSpc>
+              <a:spcBef>
+                <a:spcPts val="889"/>
+              </a:spcBef>
+              <a:buFont typeface="Arial" panose="020B0604020202020204" pitchFamily="34" charset="0"/>
+              <a:buChar char="•"/>
+              <a:defRPr sz="3200" kern="1200">
+                <a:solidFill>
+                  <a:schemeClr val="tx1"/>
+                </a:solidFill>
+                <a:latin typeface="+mn-lt"/>
+                <a:ea typeface="+mn-ea"/>
+                <a:cs typeface="+mn-cs"/>
+              </a:defRPr>
+            </a:lvl8pPr>
+            <a:lvl9pPr marL="6908886" indent="-406405" algn="l" defTabSz="1625620" rtl="0" eaLnBrk="1" latinLnBrk="0" hangingPunct="1">
+              <a:lnSpc>
+                <a:spcPct val="90000"/>
+              </a:lnSpc>
+              <a:spcBef>
+                <a:spcPts val="889"/>
+              </a:spcBef>
+              <a:buFont typeface="Arial" panose="020B0604020202020204" pitchFamily="34" charset="0"/>
+              <a:buChar char="•"/>
+              <a:defRPr sz="3200" kern="1200">
+                <a:solidFill>
+                  <a:schemeClr val="tx1"/>
+                </a:solidFill>
+                <a:latin typeface="+mn-lt"/>
+                <a:ea typeface="+mn-ea"/>
+                <a:cs typeface="+mn-cs"/>
+              </a:defRPr>
+            </a:lvl9pPr>
+          </a:lstStyle>
+          <a:p>
+            <a:pPr marL="0" indent="0">
+              <a:buNone/>
+            </a:pPr>
+            <a:r>
+              <a:rPr lang="en-US" b="1" u="sng" dirty="0"/>
+              <a:t>Questions</a:t>
+            </a:r>
+          </a:p>
+          <a:p>
+            <a:pPr marL="914400" indent="-914400">
+              <a:buFont typeface="+mj-lt"/>
+              <a:buAutoNum type="arabicPeriod"/>
+            </a:pPr>
+            <a:r>
+              <a:rPr lang="en-US" dirty="0"/>
+              <a:t>How does </a:t>
+            </a:r>
+            <a:r>
+              <a:rPr lang="en-US" dirty="0" err="1"/>
+              <a:t>Everolimus</a:t>
+            </a:r>
+            <a:r>
+              <a:rPr lang="en-US" dirty="0"/>
+              <a:t> increase </a:t>
+            </a:r>
+            <a:r>
+              <a:rPr lang="en-US" dirty="0" err="1"/>
+              <a:t>TGFb</a:t>
+            </a:r>
+            <a:r>
+              <a:rPr lang="en-US" dirty="0"/>
+              <a:t>-mediated </a:t>
+            </a:r>
+            <a:r>
+              <a:rPr lang="en-US" dirty="0" err="1"/>
+              <a:t>phos</a:t>
+            </a:r>
+            <a:r>
+              <a:rPr lang="en-US" dirty="0"/>
+              <a:t> of Smad2? </a:t>
+            </a:r>
+          </a:p>
+          <a:p>
+            <a:pPr marL="914400" indent="-914400">
+              <a:buFont typeface="+mj-lt"/>
+              <a:buAutoNum type="arabicPeriod"/>
+            </a:pPr>
+            <a:r>
+              <a:rPr lang="en-US" dirty="0"/>
+              <a:t>How does AZD increase </a:t>
+            </a:r>
+            <a:r>
+              <a:rPr lang="en-US" dirty="0" err="1"/>
+              <a:t>TGFb</a:t>
+            </a:r>
+            <a:r>
+              <a:rPr lang="en-US" dirty="0"/>
+              <a:t>-mediated </a:t>
+            </a:r>
+            <a:r>
+              <a:rPr lang="en-US" dirty="0" err="1"/>
+              <a:t>phos</a:t>
+            </a:r>
+            <a:r>
+              <a:rPr lang="en-US" dirty="0"/>
+              <a:t> of Smad2? </a:t>
+            </a:r>
+          </a:p>
+          <a:p>
+            <a:pPr marL="914400" indent="-914400">
+              <a:buFont typeface="+mj-lt"/>
+              <a:buAutoNum type="arabicPeriod"/>
+            </a:pPr>
+            <a:r>
+              <a:rPr lang="en-US" dirty="0"/>
+              <a:t>How do </a:t>
+            </a:r>
+            <a:r>
+              <a:rPr lang="en-US" dirty="0" err="1"/>
+              <a:t>Everolimus</a:t>
+            </a:r>
+            <a:r>
+              <a:rPr lang="en-US" dirty="0"/>
+              <a:t> and AZD </a:t>
+            </a:r>
+            <a:r>
+              <a:rPr lang="en-US" dirty="0" err="1"/>
+              <a:t>synergise</a:t>
+            </a:r>
+            <a:r>
+              <a:rPr lang="en-US" dirty="0"/>
+              <a:t> in the increase </a:t>
+            </a:r>
+            <a:r>
+              <a:rPr lang="en-US" dirty="0" err="1"/>
+              <a:t>TGFb</a:t>
+            </a:r>
+            <a:r>
+              <a:rPr lang="en-US" dirty="0"/>
+              <a:t>-mediated Smad2 </a:t>
+            </a:r>
+            <a:r>
+              <a:rPr lang="en-US" dirty="0" err="1"/>
+              <a:t>phos</a:t>
+            </a:r>
+            <a:r>
+              <a:rPr lang="en-US" dirty="0"/>
+              <a:t>? </a:t>
+            </a:r>
+          </a:p>
+          <a:p>
+            <a:pPr marL="0" indent="0">
+              <a:buFont typeface="Arial" panose="020B0604020202020204" pitchFamily="34" charset="0"/>
+              <a:buNone/>
+            </a:pPr>
+            <a:endParaRPr lang="en-US" dirty="0"/>
+          </a:p>
+        </p:txBody>
+      </p:sp>
+    </p:spTree>
+    <p:extLst>
+      <p:ext uri="{BB962C8B-B14F-4D97-AF65-F5344CB8AC3E}">
+        <p14:creationId xmlns:p14="http://schemas.microsoft.com/office/powerpoint/2010/main" val="1220956579"/>
+      </p:ext>
+    </p:extLst>
+  </p:cSld>
+  <p:clrMapOvr>
+    <a:masterClrMapping/>
+  </p:clrMapOvr>
+</p:sld>
+</file>
+
+<file path=ppt/slides/slide16.xml><?xml version="1.0" encoding="utf-8"?>
+<p:sld xmlns:a="http://schemas.openxmlformats.org/drawingml/2006/main" xmlns:r="http://schemas.openxmlformats.org/officeDocument/2006/relationships" xmlns:p="http://schemas.openxmlformats.org/presentationml/2006/main">
+  <p:cSld>
+    <p:spTree>
+      <p:nvGrpSpPr>
+        <p:cNvPr id="1" name=""/>
+        <p:cNvGrpSpPr/>
+        <p:nvPr/>
+      </p:nvGrpSpPr>
+      <p:grpSpPr>
+        <a:xfrm>
+          <a:off x="0" y="0"/>
+          <a:ext cx="0" cy="0"/>
+          <a:chOff x="0" y="0"/>
+          <a:chExt cx="0" cy="0"/>
+        </a:xfrm>
+      </p:grpSpPr>
+      <p:sp>
+        <p:nvSpPr>
+          <p:cNvPr id="2" name="Title 1">
+            <a:extLst>
+              <a:ext uri="{FF2B5EF4-FFF2-40B4-BE49-F238E27FC236}">
+                <a16:creationId xmlns:a16="http://schemas.microsoft.com/office/drawing/2014/main" id="{DEF8880C-9F19-40E8-9249-8E8831479C6E}"/>
+              </a:ext>
+            </a:extLst>
+          </p:cNvPr>
+          <p:cNvSpPr>
+            <a:spLocks noGrp="1"/>
+          </p:cNvSpPr>
+          <p:nvPr>
+            <p:ph type="title"/>
+          </p:nvPr>
+        </p:nvSpPr>
+        <p:spPr>
+          <a:xfrm>
+            <a:off x="407849" y="238712"/>
+            <a:ext cx="12415294" cy="1731229"/>
+          </a:xfrm>
+        </p:spPr>
+        <p:txBody>
+          <a:bodyPr>
+            <a:noAutofit/>
+          </a:bodyPr>
+          <a:lstStyle/>
+          <a:p>
+            <a:pPr algn="ctr"/>
+            <a:r>
+              <a:rPr lang="en-US" sz="4000" dirty="0"/>
+              <a:t>Hypothesis 4: </a:t>
+            </a:r>
+            <a:r>
+              <a:rPr lang="en-US" sz="4000" dirty="0" err="1"/>
+              <a:t>pAkt</a:t>
+            </a:r>
+            <a:r>
+              <a:rPr lang="en-US" sz="4000" dirty="0"/>
+              <a:t> leads to pSmad2 phosphorylation while </a:t>
+            </a:r>
+            <a:r>
+              <a:rPr lang="en-US" sz="4000" dirty="0" err="1"/>
+              <a:t>pErk</a:t>
+            </a:r>
+            <a:r>
+              <a:rPr lang="en-US" sz="4000" dirty="0"/>
+              <a:t> leads to inhibition of pSmad2 </a:t>
+            </a:r>
+            <a:r>
+              <a:rPr lang="en-US" sz="4000" dirty="0" err="1"/>
+              <a:t>phos</a:t>
+            </a:r>
+            <a:r>
+              <a:rPr lang="en-US" sz="4000" dirty="0"/>
+              <a:t>. </a:t>
+            </a:r>
+          </a:p>
+        </p:txBody>
+      </p:sp>
+      <p:sp>
+        <p:nvSpPr>
+          <p:cNvPr id="3" name="Content Placeholder 2">
+            <a:extLst>
+              <a:ext uri="{FF2B5EF4-FFF2-40B4-BE49-F238E27FC236}">
+                <a16:creationId xmlns:a16="http://schemas.microsoft.com/office/drawing/2014/main" id="{4C6B91A8-710A-42E0-907D-2E8148D0A77C}"/>
+              </a:ext>
+            </a:extLst>
+          </p:cNvPr>
+          <p:cNvSpPr>
+            <a:spLocks noGrp="1"/>
+          </p:cNvSpPr>
+          <p:nvPr>
+            <p:ph idx="1"/>
+          </p:nvPr>
+        </p:nvSpPr>
+        <p:spPr>
+          <a:xfrm>
+            <a:off x="536448" y="5620643"/>
+            <a:ext cx="11897700" cy="5878113"/>
+          </a:xfrm>
+        </p:spPr>
+        <p:txBody>
+          <a:bodyPr>
+            <a:normAutofit fontScale="62500" lnSpcReduction="20000"/>
+          </a:bodyPr>
+          <a:lstStyle/>
+          <a:p>
+            <a:pPr marL="0" indent="0">
+              <a:buNone/>
+            </a:pPr>
+            <a:r>
+              <a:rPr lang="en-US" b="1" u="sng" dirty="0"/>
+              <a:t>Answers </a:t>
+            </a:r>
+          </a:p>
+          <a:p>
+            <a:pPr marL="0" indent="0">
+              <a:buNone/>
+            </a:pPr>
+            <a:r>
+              <a:rPr lang="en-US" sz="4500" dirty="0"/>
+              <a:t>Under the assumptions that topology and hypothesis 4 is correct</a:t>
+            </a:r>
+          </a:p>
+          <a:p>
+            <a:pPr marL="914400" indent="-914400">
+              <a:buFont typeface="+mj-lt"/>
+              <a:buAutoNum type="arabicPeriod"/>
+            </a:pPr>
+            <a:r>
+              <a:rPr lang="en-US" dirty="0" err="1"/>
+              <a:t>Everolimus</a:t>
+            </a:r>
+            <a:r>
+              <a:rPr lang="en-US" dirty="0"/>
+              <a:t> enhances </a:t>
+            </a:r>
+            <a:r>
+              <a:rPr lang="en-US" dirty="0" err="1"/>
+              <a:t>Akt</a:t>
+            </a:r>
+            <a:r>
+              <a:rPr lang="en-US" dirty="0"/>
+              <a:t> phosphorylation. </a:t>
+            </a:r>
+            <a:r>
+              <a:rPr lang="en-US" dirty="0" err="1"/>
+              <a:t>Akt</a:t>
+            </a:r>
+            <a:r>
+              <a:rPr lang="en-US" dirty="0"/>
+              <a:t> phosphorylation increases Smad2 phosphorylation.</a:t>
+            </a:r>
+          </a:p>
+          <a:p>
+            <a:pPr marL="914400" indent="-914400">
+              <a:buFont typeface="+mj-lt"/>
+              <a:buAutoNum type="arabicPeriod"/>
+            </a:pPr>
+            <a:r>
+              <a:rPr lang="en-US" dirty="0"/>
+              <a:t>AZD inhibits </a:t>
+            </a:r>
+            <a:r>
+              <a:rPr lang="en-US" dirty="0" err="1"/>
+              <a:t>Mek</a:t>
+            </a:r>
+            <a:r>
+              <a:rPr lang="en-US" dirty="0"/>
+              <a:t> </a:t>
+            </a:r>
+            <a:r>
+              <a:rPr lang="en-US" dirty="0" err="1"/>
+              <a:t>phos</a:t>
+            </a:r>
+            <a:r>
+              <a:rPr lang="en-US" dirty="0"/>
+              <a:t> leading to less </a:t>
+            </a:r>
+            <a:r>
+              <a:rPr lang="en-US" dirty="0" err="1"/>
+              <a:t>Erk</a:t>
+            </a:r>
+            <a:r>
+              <a:rPr lang="en-US" dirty="0"/>
+              <a:t> </a:t>
+            </a:r>
+            <a:r>
+              <a:rPr lang="en-US" dirty="0" err="1"/>
+              <a:t>phos</a:t>
+            </a:r>
+            <a:r>
+              <a:rPr lang="en-US" dirty="0"/>
+              <a:t>, causing </a:t>
+            </a:r>
+            <a:r>
+              <a:rPr lang="en-US" b="1" dirty="0"/>
+              <a:t>more</a:t>
+            </a:r>
+            <a:r>
+              <a:rPr lang="en-US" dirty="0"/>
+              <a:t> phosphorylation of Smad2</a:t>
+            </a:r>
+          </a:p>
+          <a:p>
+            <a:pPr marL="1727210" lvl="1" indent="-914400">
+              <a:buFont typeface="+mj-lt"/>
+              <a:buAutoNum type="alphaLcParenR"/>
+            </a:pPr>
+            <a:r>
+              <a:rPr lang="en-US" dirty="0"/>
+              <a:t>Mechanistically could be increase of the rate of Smad2 </a:t>
+            </a:r>
+            <a:r>
+              <a:rPr lang="en-US" dirty="0" err="1"/>
+              <a:t>phos</a:t>
+            </a:r>
+            <a:r>
+              <a:rPr lang="en-US" dirty="0"/>
+              <a:t> or decrease of Smad2 </a:t>
+            </a:r>
+            <a:r>
+              <a:rPr lang="en-US" dirty="0" err="1"/>
+              <a:t>dephos</a:t>
+            </a:r>
+            <a:r>
+              <a:rPr lang="en-US" dirty="0"/>
+              <a:t>. I think we would not be able to distinguish. </a:t>
+            </a:r>
+          </a:p>
+          <a:p>
+            <a:pPr marL="914400" indent="-914400">
+              <a:buFont typeface="+mj-lt"/>
+              <a:buAutoNum type="arabicPeriod"/>
+            </a:pPr>
+            <a:r>
+              <a:rPr lang="en-US" dirty="0"/>
+              <a:t>It looks like mechanisms 1 and 2 would </a:t>
+            </a:r>
+            <a:r>
+              <a:rPr lang="en-US" dirty="0" err="1"/>
+              <a:t>synergise</a:t>
+            </a:r>
+            <a:r>
+              <a:rPr lang="en-US" dirty="0"/>
+              <a:t>. </a:t>
+            </a:r>
+          </a:p>
+          <a:p>
+            <a:pPr marL="914400" indent="-914400">
+              <a:buFont typeface="+mj-lt"/>
+              <a:buAutoNum type="arabicPeriod"/>
+            </a:pPr>
+            <a:endParaRPr lang="en-US" dirty="0"/>
+          </a:p>
+          <a:p>
+            <a:pPr marL="0" indent="0">
+              <a:buNone/>
+            </a:pPr>
+            <a:r>
+              <a:rPr lang="en-US" dirty="0"/>
+              <a:t>This is my favorite hypothesis so far</a:t>
+            </a:r>
+          </a:p>
+        </p:txBody>
+      </p:sp>
+      <p:grpSp>
+        <p:nvGrpSpPr>
+          <p:cNvPr id="4" name="Group 3">
+            <a:extLst>
+              <a:ext uri="{FF2B5EF4-FFF2-40B4-BE49-F238E27FC236}">
+                <a16:creationId xmlns:a16="http://schemas.microsoft.com/office/drawing/2014/main" id="{664D71A1-4F09-45C7-B56F-EEF0F017FF1B}"/>
+              </a:ext>
+            </a:extLst>
+          </p:cNvPr>
+          <p:cNvGrpSpPr/>
+          <p:nvPr/>
+        </p:nvGrpSpPr>
+        <p:grpSpPr>
+          <a:xfrm>
+            <a:off x="12562746" y="842717"/>
+            <a:ext cx="4727761" cy="10859239"/>
+            <a:chOff x="12562746" y="842717"/>
+            <a:chExt cx="4727761" cy="10859239"/>
+          </a:xfrm>
+        </p:grpSpPr>
+        <p:grpSp>
+          <p:nvGrpSpPr>
+            <p:cNvPr id="5" name="Group 4">
+              <a:extLst>
+                <a:ext uri="{FF2B5EF4-FFF2-40B4-BE49-F238E27FC236}">
+                  <a16:creationId xmlns:a16="http://schemas.microsoft.com/office/drawing/2014/main" id="{456080F5-286D-475B-AB20-9D8F28B38409}"/>
+                </a:ext>
+              </a:extLst>
+            </p:cNvPr>
+            <p:cNvGrpSpPr/>
+            <p:nvPr/>
+          </p:nvGrpSpPr>
+          <p:grpSpPr>
+            <a:xfrm>
+              <a:off x="12562746" y="842717"/>
+              <a:ext cx="4727761" cy="5613808"/>
+              <a:chOff x="12823144" y="5912052"/>
+              <a:chExt cx="4727761" cy="5613808"/>
+            </a:xfrm>
+          </p:grpSpPr>
+          <p:sp>
+            <p:nvSpPr>
+              <p:cNvPr id="9" name="TextBox 8">
+                <a:extLst>
+                  <a:ext uri="{FF2B5EF4-FFF2-40B4-BE49-F238E27FC236}">
+                    <a16:creationId xmlns:a16="http://schemas.microsoft.com/office/drawing/2014/main" id="{7A754509-E9C0-4FA5-A276-9564009B15A1}"/>
+                  </a:ext>
+                </a:extLst>
+              </p:cNvPr>
+              <p:cNvSpPr txBox="1"/>
+              <p:nvPr/>
+            </p:nvSpPr>
+            <p:spPr>
+              <a:xfrm flipH="1">
+                <a:off x="14707307" y="5912052"/>
+                <a:ext cx="2269778" cy="523220"/>
+              </a:xfrm>
+              <a:prstGeom prst="rect">
+                <a:avLst/>
+              </a:prstGeom>
+              <a:noFill/>
+            </p:spPr>
+            <p:txBody>
+              <a:bodyPr wrap="square" rtlCol="0">
+                <a:spAutoFit/>
+              </a:bodyPr>
+              <a:lstStyle/>
+              <a:p>
+                <a:r>
+                  <a:rPr lang="en-US" sz="2800" dirty="0"/>
+                  <a:t>AZD</a:t>
+                </a:r>
+                <a:endParaRPr lang="en-GB" dirty="0"/>
+              </a:p>
+            </p:txBody>
+          </p:sp>
+          <p:pic>
+            <p:nvPicPr>
+              <p:cNvPr id="10" name="Picture 9">
+                <a:extLst>
+                  <a:ext uri="{FF2B5EF4-FFF2-40B4-BE49-F238E27FC236}">
+                    <a16:creationId xmlns:a16="http://schemas.microsoft.com/office/drawing/2014/main" id="{1699EB2D-2955-49AA-92A6-76C8C30AD8B7}"/>
+                  </a:ext>
+                </a:extLst>
+              </p:cNvPr>
+              <p:cNvPicPr>
+                <a:picLocks noChangeAspect="1"/>
+              </p:cNvPicPr>
+              <p:nvPr/>
+            </p:nvPicPr>
+            <p:blipFill>
+              <a:blip r:embed="rId2"/>
+              <a:stretch>
+                <a:fillRect/>
+              </a:stretch>
+            </p:blipFill>
+            <p:spPr>
+              <a:xfrm>
+                <a:off x="12823144" y="6624830"/>
+                <a:ext cx="4727761" cy="4901030"/>
+              </a:xfrm>
+              <a:prstGeom prst="rect">
+                <a:avLst/>
+              </a:prstGeom>
+            </p:spPr>
+          </p:pic>
+        </p:grpSp>
+        <p:grpSp>
+          <p:nvGrpSpPr>
+            <p:cNvPr id="6" name="Group 5">
+              <a:extLst>
+                <a:ext uri="{FF2B5EF4-FFF2-40B4-BE49-F238E27FC236}">
+                  <a16:creationId xmlns:a16="http://schemas.microsoft.com/office/drawing/2014/main" id="{070E4D40-307B-4ABC-A3E0-F4E86398CC44}"/>
+                </a:ext>
+              </a:extLst>
+            </p:cNvPr>
+            <p:cNvGrpSpPr/>
+            <p:nvPr/>
+          </p:nvGrpSpPr>
+          <p:grpSpPr>
+            <a:xfrm>
+              <a:off x="12823143" y="6456525"/>
+              <a:ext cx="4206966" cy="5245431"/>
+              <a:chOff x="13148143" y="5004818"/>
+              <a:chExt cx="4206966" cy="5245431"/>
+            </a:xfrm>
+          </p:grpSpPr>
+          <p:sp>
+            <p:nvSpPr>
+              <p:cNvPr id="7" name="TextBox 6">
+                <a:extLst>
+                  <a:ext uri="{FF2B5EF4-FFF2-40B4-BE49-F238E27FC236}">
+                    <a16:creationId xmlns:a16="http://schemas.microsoft.com/office/drawing/2014/main" id="{077CC944-E0AD-49DD-9718-20A0EBBD302E}"/>
+                  </a:ext>
+                </a:extLst>
+              </p:cNvPr>
+              <p:cNvSpPr txBox="1"/>
+              <p:nvPr/>
+            </p:nvSpPr>
+            <p:spPr>
+              <a:xfrm flipH="1">
+                <a:off x="14511511" y="5004818"/>
+                <a:ext cx="2269778" cy="523220"/>
+              </a:xfrm>
+              <a:prstGeom prst="rect">
+                <a:avLst/>
+              </a:prstGeom>
+              <a:noFill/>
+            </p:spPr>
+            <p:txBody>
+              <a:bodyPr wrap="square" rtlCol="0">
+                <a:spAutoFit/>
+              </a:bodyPr>
+              <a:lstStyle/>
+              <a:p>
+                <a:r>
+                  <a:rPr lang="en-US" sz="2800" dirty="0"/>
+                  <a:t>MK2206</a:t>
+                </a:r>
+                <a:endParaRPr lang="en-GB" dirty="0"/>
+              </a:p>
+            </p:txBody>
+          </p:sp>
+          <p:pic>
+            <p:nvPicPr>
+              <p:cNvPr id="8" name="Picture 7">
+                <a:extLst>
+                  <a:ext uri="{FF2B5EF4-FFF2-40B4-BE49-F238E27FC236}">
+                    <a16:creationId xmlns:a16="http://schemas.microsoft.com/office/drawing/2014/main" id="{E40B1AE5-2A41-4DAA-98E5-5E8A01E2FFA2}"/>
+                  </a:ext>
+                </a:extLst>
+              </p:cNvPr>
+              <p:cNvPicPr>
+                <a:picLocks noChangeAspect="1"/>
+              </p:cNvPicPr>
+              <p:nvPr/>
+            </p:nvPicPr>
+            <p:blipFill>
+              <a:blip r:embed="rId3"/>
+              <a:stretch>
+                <a:fillRect/>
+              </a:stretch>
+            </p:blipFill>
+            <p:spPr>
+              <a:xfrm>
+                <a:off x="13148143" y="5455986"/>
+                <a:ext cx="4206966" cy="4794263"/>
+              </a:xfrm>
+              <a:prstGeom prst="rect">
+                <a:avLst/>
+              </a:prstGeom>
+            </p:spPr>
+          </p:pic>
+        </p:grpSp>
+      </p:grpSp>
+      <p:sp>
+        <p:nvSpPr>
+          <p:cNvPr id="11" name="Content Placeholder 2">
+            <a:extLst>
+              <a:ext uri="{FF2B5EF4-FFF2-40B4-BE49-F238E27FC236}">
+                <a16:creationId xmlns:a16="http://schemas.microsoft.com/office/drawing/2014/main" id="{10A2D771-1BC8-45BA-B103-ABC45B9D40B9}"/>
+              </a:ext>
+            </a:extLst>
+          </p:cNvPr>
+          <p:cNvSpPr txBox="1">
+            <a:spLocks/>
+          </p:cNvSpPr>
+          <p:nvPr/>
+        </p:nvSpPr>
+        <p:spPr>
+          <a:xfrm>
+            <a:off x="536448" y="2451649"/>
+            <a:ext cx="12415294" cy="2820307"/>
+          </a:xfrm>
+          <a:prstGeom prst="rect">
+            <a:avLst/>
+          </a:prstGeom>
+          <a:ln w="38100">
+            <a:solidFill>
+              <a:schemeClr val="tx1"/>
+            </a:solidFill>
+          </a:ln>
+        </p:spPr>
+        <p:txBody>
+          <a:bodyPr vert="horz" lIns="91440" tIns="45720" rIns="91440" bIns="45720" rtlCol="0">
+            <a:normAutofit fontScale="62500" lnSpcReduction="20000"/>
+          </a:bodyPr>
+          <a:lstStyle>
+            <a:lvl1pPr marL="406405" indent="-406405" algn="l" defTabSz="1625620" rtl="0" eaLnBrk="1" latinLnBrk="0" hangingPunct="1">
+              <a:lnSpc>
+                <a:spcPct val="90000"/>
+              </a:lnSpc>
+              <a:spcBef>
+                <a:spcPts val="1778"/>
+              </a:spcBef>
+              <a:buFont typeface="Arial" panose="020B0604020202020204" pitchFamily="34" charset="0"/>
+              <a:buChar char="•"/>
+              <a:defRPr sz="4978" kern="1200">
+                <a:solidFill>
+                  <a:schemeClr val="tx1"/>
+                </a:solidFill>
+                <a:latin typeface="+mn-lt"/>
+                <a:ea typeface="+mn-ea"/>
+                <a:cs typeface="+mn-cs"/>
+              </a:defRPr>
+            </a:lvl1pPr>
+            <a:lvl2pPr marL="1219215" indent="-406405" algn="l" defTabSz="1625620" rtl="0" eaLnBrk="1" latinLnBrk="0" hangingPunct="1">
+              <a:lnSpc>
+                <a:spcPct val="90000"/>
+              </a:lnSpc>
+              <a:spcBef>
+                <a:spcPts val="889"/>
+              </a:spcBef>
+              <a:buFont typeface="Arial" panose="020B0604020202020204" pitchFamily="34" charset="0"/>
+              <a:buChar char="•"/>
+              <a:defRPr sz="4267" kern="1200">
+                <a:solidFill>
+                  <a:schemeClr val="tx1"/>
+                </a:solidFill>
+                <a:latin typeface="+mn-lt"/>
+                <a:ea typeface="+mn-ea"/>
+                <a:cs typeface="+mn-cs"/>
+              </a:defRPr>
+            </a:lvl2pPr>
+            <a:lvl3pPr marL="2032025" indent="-406405" algn="l" defTabSz="1625620" rtl="0" eaLnBrk="1" latinLnBrk="0" hangingPunct="1">
+              <a:lnSpc>
+                <a:spcPct val="90000"/>
+              </a:lnSpc>
+              <a:spcBef>
+                <a:spcPts val="889"/>
+              </a:spcBef>
+              <a:buFont typeface="Arial" panose="020B0604020202020204" pitchFamily="34" charset="0"/>
+              <a:buChar char="•"/>
+              <a:defRPr sz="3556" kern="1200">
+                <a:solidFill>
+                  <a:schemeClr val="tx1"/>
+                </a:solidFill>
+                <a:latin typeface="+mn-lt"/>
+                <a:ea typeface="+mn-ea"/>
+                <a:cs typeface="+mn-cs"/>
+              </a:defRPr>
+            </a:lvl3pPr>
+            <a:lvl4pPr marL="2844836" indent="-406405" algn="l" defTabSz="1625620" rtl="0" eaLnBrk="1" latinLnBrk="0" hangingPunct="1">
+              <a:lnSpc>
+                <a:spcPct val="90000"/>
+              </a:lnSpc>
+              <a:spcBef>
+                <a:spcPts val="889"/>
+              </a:spcBef>
+              <a:buFont typeface="Arial" panose="020B0604020202020204" pitchFamily="34" charset="0"/>
+              <a:buChar char="•"/>
+              <a:defRPr sz="3200" kern="1200">
+                <a:solidFill>
+                  <a:schemeClr val="tx1"/>
+                </a:solidFill>
+                <a:latin typeface="+mn-lt"/>
+                <a:ea typeface="+mn-ea"/>
+                <a:cs typeface="+mn-cs"/>
+              </a:defRPr>
+            </a:lvl4pPr>
+            <a:lvl5pPr marL="3657646" indent="-406405" algn="l" defTabSz="1625620" rtl="0" eaLnBrk="1" latinLnBrk="0" hangingPunct="1">
+              <a:lnSpc>
+                <a:spcPct val="90000"/>
+              </a:lnSpc>
+              <a:spcBef>
+                <a:spcPts val="889"/>
+              </a:spcBef>
+              <a:buFont typeface="Arial" panose="020B0604020202020204" pitchFamily="34" charset="0"/>
+              <a:buChar char="•"/>
+              <a:defRPr sz="3200" kern="1200">
+                <a:solidFill>
+                  <a:schemeClr val="tx1"/>
+                </a:solidFill>
+                <a:latin typeface="+mn-lt"/>
+                <a:ea typeface="+mn-ea"/>
+                <a:cs typeface="+mn-cs"/>
+              </a:defRPr>
+            </a:lvl5pPr>
+            <a:lvl6pPr marL="4470456" indent="-406405" algn="l" defTabSz="1625620" rtl="0" eaLnBrk="1" latinLnBrk="0" hangingPunct="1">
+              <a:lnSpc>
+                <a:spcPct val="90000"/>
+              </a:lnSpc>
+              <a:spcBef>
+                <a:spcPts val="889"/>
+              </a:spcBef>
+              <a:buFont typeface="Arial" panose="020B0604020202020204" pitchFamily="34" charset="0"/>
+              <a:buChar char="•"/>
+              <a:defRPr sz="3200" kern="1200">
+                <a:solidFill>
+                  <a:schemeClr val="tx1"/>
+                </a:solidFill>
+                <a:latin typeface="+mn-lt"/>
+                <a:ea typeface="+mn-ea"/>
+                <a:cs typeface="+mn-cs"/>
+              </a:defRPr>
+            </a:lvl6pPr>
+            <a:lvl7pPr marL="5283266" indent="-406405" algn="l" defTabSz="1625620" rtl="0" eaLnBrk="1" latinLnBrk="0" hangingPunct="1">
+              <a:lnSpc>
+                <a:spcPct val="90000"/>
+              </a:lnSpc>
+              <a:spcBef>
+                <a:spcPts val="889"/>
+              </a:spcBef>
+              <a:buFont typeface="Arial" panose="020B0604020202020204" pitchFamily="34" charset="0"/>
+              <a:buChar char="•"/>
+              <a:defRPr sz="3200" kern="1200">
+                <a:solidFill>
+                  <a:schemeClr val="tx1"/>
+                </a:solidFill>
+                <a:latin typeface="+mn-lt"/>
+                <a:ea typeface="+mn-ea"/>
+                <a:cs typeface="+mn-cs"/>
+              </a:defRPr>
+            </a:lvl7pPr>
+            <a:lvl8pPr marL="6096076" indent="-406405" algn="l" defTabSz="1625620" rtl="0" eaLnBrk="1" latinLnBrk="0" hangingPunct="1">
+              <a:lnSpc>
+                <a:spcPct val="90000"/>
+              </a:lnSpc>
+              <a:spcBef>
+                <a:spcPts val="889"/>
+              </a:spcBef>
+              <a:buFont typeface="Arial" panose="020B0604020202020204" pitchFamily="34" charset="0"/>
+              <a:buChar char="•"/>
+              <a:defRPr sz="3200" kern="1200">
+                <a:solidFill>
+                  <a:schemeClr val="tx1"/>
+                </a:solidFill>
+                <a:latin typeface="+mn-lt"/>
+                <a:ea typeface="+mn-ea"/>
+                <a:cs typeface="+mn-cs"/>
+              </a:defRPr>
+            </a:lvl8pPr>
+            <a:lvl9pPr marL="6908886" indent="-406405" algn="l" defTabSz="1625620" rtl="0" eaLnBrk="1" latinLnBrk="0" hangingPunct="1">
+              <a:lnSpc>
+                <a:spcPct val="90000"/>
+              </a:lnSpc>
+              <a:spcBef>
+                <a:spcPts val="889"/>
+              </a:spcBef>
+              <a:buFont typeface="Arial" panose="020B0604020202020204" pitchFamily="34" charset="0"/>
+              <a:buChar char="•"/>
+              <a:defRPr sz="3200" kern="1200">
+                <a:solidFill>
+                  <a:schemeClr val="tx1"/>
+                </a:solidFill>
+                <a:latin typeface="+mn-lt"/>
+                <a:ea typeface="+mn-ea"/>
+                <a:cs typeface="+mn-cs"/>
+              </a:defRPr>
+            </a:lvl9pPr>
+          </a:lstStyle>
+          <a:p>
+            <a:pPr marL="0" indent="0">
+              <a:buNone/>
+            </a:pPr>
+            <a:r>
+              <a:rPr lang="en-US" b="1" u="sng" dirty="0"/>
+              <a:t>Questions</a:t>
+            </a:r>
+          </a:p>
+          <a:p>
+            <a:pPr marL="914400" indent="-914400">
+              <a:buFont typeface="+mj-lt"/>
+              <a:buAutoNum type="arabicPeriod"/>
+            </a:pPr>
+            <a:r>
+              <a:rPr lang="en-US" dirty="0"/>
+              <a:t>How does </a:t>
+            </a:r>
+            <a:r>
+              <a:rPr lang="en-US" dirty="0" err="1"/>
+              <a:t>Everolimus</a:t>
+            </a:r>
+            <a:r>
+              <a:rPr lang="en-US" dirty="0"/>
+              <a:t> increase </a:t>
+            </a:r>
+            <a:r>
+              <a:rPr lang="en-US" dirty="0" err="1"/>
+              <a:t>TGFb</a:t>
+            </a:r>
+            <a:r>
+              <a:rPr lang="en-US" dirty="0"/>
+              <a:t>-mediated </a:t>
+            </a:r>
+            <a:r>
+              <a:rPr lang="en-US" dirty="0" err="1"/>
+              <a:t>phos</a:t>
+            </a:r>
+            <a:r>
+              <a:rPr lang="en-US" dirty="0"/>
+              <a:t> of Smad2? </a:t>
+            </a:r>
+          </a:p>
+          <a:p>
+            <a:pPr marL="914400" indent="-914400">
+              <a:buFont typeface="+mj-lt"/>
+              <a:buAutoNum type="arabicPeriod"/>
+            </a:pPr>
+            <a:r>
+              <a:rPr lang="en-US" dirty="0"/>
+              <a:t>How does AZD increase </a:t>
+            </a:r>
+            <a:r>
+              <a:rPr lang="en-US" dirty="0" err="1"/>
+              <a:t>TGFb</a:t>
+            </a:r>
+            <a:r>
+              <a:rPr lang="en-US" dirty="0"/>
+              <a:t>-mediated </a:t>
+            </a:r>
+            <a:r>
+              <a:rPr lang="en-US" dirty="0" err="1"/>
+              <a:t>phos</a:t>
+            </a:r>
+            <a:r>
+              <a:rPr lang="en-US" dirty="0"/>
+              <a:t> of Smad2? </a:t>
+            </a:r>
+          </a:p>
+          <a:p>
+            <a:pPr marL="914400" indent="-914400">
+              <a:buFont typeface="+mj-lt"/>
+              <a:buAutoNum type="arabicPeriod"/>
+            </a:pPr>
+            <a:r>
+              <a:rPr lang="en-US" dirty="0"/>
+              <a:t>How do </a:t>
+            </a:r>
+            <a:r>
+              <a:rPr lang="en-US" dirty="0" err="1"/>
+              <a:t>Everolimus</a:t>
+            </a:r>
+            <a:r>
+              <a:rPr lang="en-US" dirty="0"/>
+              <a:t> and AZD </a:t>
+            </a:r>
+            <a:r>
+              <a:rPr lang="en-US" dirty="0" err="1"/>
+              <a:t>synergise</a:t>
+            </a:r>
+            <a:r>
+              <a:rPr lang="en-US" dirty="0"/>
+              <a:t> in the increase </a:t>
+            </a:r>
+            <a:r>
+              <a:rPr lang="en-US" dirty="0" err="1"/>
+              <a:t>TGFb</a:t>
+            </a:r>
+            <a:r>
+              <a:rPr lang="en-US" dirty="0"/>
+              <a:t>-mediated Smad2 </a:t>
+            </a:r>
+            <a:r>
+              <a:rPr lang="en-US" dirty="0" err="1"/>
+              <a:t>phos</a:t>
+            </a:r>
+            <a:r>
+              <a:rPr lang="en-US" dirty="0"/>
+              <a:t>? </a:t>
+            </a:r>
+          </a:p>
+          <a:p>
+            <a:pPr marL="0" indent="0">
+              <a:buFont typeface="Arial" panose="020B0604020202020204" pitchFamily="34" charset="0"/>
+              <a:buNone/>
+            </a:pPr>
+            <a:endParaRPr lang="en-US" dirty="0"/>
+          </a:p>
+        </p:txBody>
+      </p:sp>
+    </p:spTree>
+    <p:extLst>
+      <p:ext uri="{BB962C8B-B14F-4D97-AF65-F5344CB8AC3E}">
+        <p14:creationId xmlns:p14="http://schemas.microsoft.com/office/powerpoint/2010/main" val="1091139611"/>
+      </p:ext>
+    </p:extLst>
+  </p:cSld>
+  <p:clrMapOvr>
+    <a:masterClrMapping/>
+  </p:clrMapOvr>
+</p:sld>
+</file>
+
+<file path=ppt/slides/slide17.xml><?xml version="1.0" encoding="utf-8"?>
+<p:sld xmlns:a="http://schemas.openxmlformats.org/drawingml/2006/main" xmlns:r="http://schemas.openxmlformats.org/officeDocument/2006/relationships" xmlns:p="http://schemas.openxmlformats.org/presentationml/2006/main">
+  <p:cSld>
+    <p:spTree>
+      <p:nvGrpSpPr>
+        <p:cNvPr id="1" name=""/>
+        <p:cNvGrpSpPr/>
+        <p:nvPr/>
+      </p:nvGrpSpPr>
+      <p:grpSpPr>
+        <a:xfrm>
+          <a:off x="0" y="0"/>
+          <a:ext cx="0" cy="0"/>
+          <a:chOff x="0" y="0"/>
+          <a:chExt cx="0" cy="0"/>
+        </a:xfrm>
+      </p:grpSpPr>
+      <p:pic>
+        <p:nvPicPr>
+          <p:cNvPr id="4" name="Picture 3">
+            <a:extLst>
+              <a:ext uri="{FF2B5EF4-FFF2-40B4-BE49-F238E27FC236}">
+                <a16:creationId xmlns:a16="http://schemas.microsoft.com/office/drawing/2014/main" id="{F61CF112-2E1E-43D3-8839-29E7B06755B1}"/>
+              </a:ext>
+            </a:extLst>
+          </p:cNvPr>
+          <p:cNvPicPr>
+            <a:picLocks noChangeAspect="1"/>
+          </p:cNvPicPr>
+          <p:nvPr/>
+        </p:nvPicPr>
+        <p:blipFill>
+          <a:blip r:embed="rId2"/>
+          <a:stretch>
+            <a:fillRect/>
+          </a:stretch>
+        </p:blipFill>
+        <p:spPr>
+          <a:xfrm>
+            <a:off x="1805578" y="1362684"/>
+            <a:ext cx="14957539" cy="10829316"/>
+          </a:xfrm>
+          <a:prstGeom prst="rect">
+            <a:avLst/>
+          </a:prstGeom>
+        </p:spPr>
+      </p:pic>
+      <p:sp>
+        <p:nvSpPr>
+          <p:cNvPr id="5" name="Arrow: Right 4">
+            <a:extLst>
+              <a:ext uri="{FF2B5EF4-FFF2-40B4-BE49-F238E27FC236}">
+                <a16:creationId xmlns:a16="http://schemas.microsoft.com/office/drawing/2014/main" id="{E1273885-697D-4865-9086-C5005D1D4EF8}"/>
+              </a:ext>
+            </a:extLst>
+          </p:cNvPr>
+          <p:cNvSpPr/>
+          <p:nvPr/>
+        </p:nvSpPr>
+        <p:spPr>
+          <a:xfrm>
+            <a:off x="696686" y="5646057"/>
+            <a:ext cx="3759200" cy="721812"/>
+          </a:xfrm>
+          <a:prstGeom prst="rightArrow">
+            <a:avLst/>
+          </a:prstGeom>
+        </p:spPr>
+        <p:style>
+          <a:lnRef idx="2">
+            <a:schemeClr val="accent1">
+              <a:shade val="50000"/>
+            </a:schemeClr>
+          </a:lnRef>
+          <a:fillRef idx="1">
+            <a:schemeClr val="accent1"/>
+          </a:fillRef>
+          <a:effectRef idx="0">
+            <a:schemeClr val="accent1"/>
+          </a:effectRef>
+          <a:fontRef idx="minor">
+            <a:schemeClr val="lt1"/>
+          </a:fontRef>
+        </p:style>
+        <p:txBody>
+          <a:bodyPr rtlCol="0" anchor="ctr"/>
+          <a:lstStyle/>
+          <a:p>
+            <a:pPr algn="ctr"/>
+            <a:endParaRPr lang="en-GB"/>
+          </a:p>
+        </p:txBody>
+      </p:sp>
+      <p:sp>
+        <p:nvSpPr>
+          <p:cNvPr id="2" name="Title 1">
+            <a:extLst>
+              <a:ext uri="{FF2B5EF4-FFF2-40B4-BE49-F238E27FC236}">
+                <a16:creationId xmlns:a16="http://schemas.microsoft.com/office/drawing/2014/main" id="{B3A8AA3B-0FB9-4765-8F10-08B6CACEC7E6}"/>
+              </a:ext>
+            </a:extLst>
+          </p:cNvPr>
+          <p:cNvSpPr>
+            <a:spLocks noGrp="1"/>
+          </p:cNvSpPr>
+          <p:nvPr>
+            <p:ph type="title"/>
+          </p:nvPr>
+        </p:nvSpPr>
+        <p:spPr>
+          <a:xfrm>
+            <a:off x="1805578" y="344314"/>
+            <a:ext cx="13900854" cy="721812"/>
+          </a:xfrm>
+        </p:spPr>
+        <p:txBody>
+          <a:bodyPr>
+            <a:noAutofit/>
+          </a:bodyPr>
+          <a:lstStyle/>
+          <a:p>
+            <a:r>
+              <a:rPr lang="en-US" sz="4800" dirty="0"/>
+              <a:t>Topology 3. Adding </a:t>
+            </a:r>
+            <a:r>
+              <a:rPr lang="en-US" sz="4800" dirty="0" err="1"/>
+              <a:t>ppErk</a:t>
+            </a:r>
+            <a:r>
+              <a:rPr lang="en-US" sz="4800" dirty="0"/>
+              <a:t> inhibiting Smad2 </a:t>
+            </a:r>
+            <a:r>
+              <a:rPr lang="en-US" sz="4800" dirty="0" err="1"/>
+              <a:t>phos</a:t>
+            </a:r>
+            <a:endParaRPr lang="en-GB" sz="4800" dirty="0"/>
+          </a:p>
+        </p:txBody>
+      </p:sp>
+    </p:spTree>
+    <p:extLst>
+      <p:ext uri="{BB962C8B-B14F-4D97-AF65-F5344CB8AC3E}">
+        <p14:creationId xmlns:p14="http://schemas.microsoft.com/office/powerpoint/2010/main" val="3229945346"/>
+      </p:ext>
+    </p:extLst>
+  </p:cSld>
+  <p:clrMapOvr>
+    <a:masterClrMapping/>
+  </p:clrMapOvr>
+</p:sld>
+</file>
+
+<file path=ppt/slides/slide18.xml><?xml version="1.0" encoding="utf-8"?>
+<p:sld xmlns:a="http://schemas.openxmlformats.org/drawingml/2006/main" xmlns:r="http://schemas.openxmlformats.org/officeDocument/2006/relationships" xmlns:p="http://schemas.openxmlformats.org/presentationml/2006/main">
+  <p:cSld>
+    <p:spTree>
+      <p:nvGrpSpPr>
+        <p:cNvPr id="1" name=""/>
+        <p:cNvGrpSpPr/>
+        <p:nvPr/>
+      </p:nvGrpSpPr>
+      <p:grpSpPr>
+        <a:xfrm>
+          <a:off x="0" y="0"/>
+          <a:ext cx="0" cy="0"/>
+          <a:chOff x="0" y="0"/>
+          <a:chExt cx="0" cy="0"/>
+        </a:xfrm>
+      </p:grpSpPr>
+      <p:sp>
+        <p:nvSpPr>
+          <p:cNvPr id="2" name="Title 1">
+            <a:extLst>
+              <a:ext uri="{FF2B5EF4-FFF2-40B4-BE49-F238E27FC236}">
+                <a16:creationId xmlns:a16="http://schemas.microsoft.com/office/drawing/2014/main" id="{7FA5CE17-DAAB-40F8-B3E4-BF8A3D9211CF}"/>
+              </a:ext>
+            </a:extLst>
+          </p:cNvPr>
+          <p:cNvSpPr>
+            <a:spLocks noGrp="1"/>
+          </p:cNvSpPr>
+          <p:nvPr>
+            <p:ph type="title"/>
+          </p:nvPr>
+        </p:nvSpPr>
+        <p:spPr>
+          <a:xfrm>
+            <a:off x="656974" y="372883"/>
+            <a:ext cx="15744168" cy="960458"/>
+          </a:xfrm>
+        </p:spPr>
+        <p:txBody>
+          <a:bodyPr>
+            <a:normAutofit fontScale="90000"/>
+          </a:bodyPr>
+          <a:lstStyle/>
+          <a:p>
+            <a:r>
+              <a:rPr lang="en-US" dirty="0"/>
+              <a:t>Smad2 simulations</a:t>
+            </a:r>
+            <a:endParaRPr lang="en-GB" dirty="0"/>
+          </a:p>
+        </p:txBody>
+      </p:sp>
+      <p:pic>
+        <p:nvPicPr>
+          <p:cNvPr id="12" name="Content Placeholder 11">
+            <a:extLst>
+              <a:ext uri="{FF2B5EF4-FFF2-40B4-BE49-F238E27FC236}">
+                <a16:creationId xmlns:a16="http://schemas.microsoft.com/office/drawing/2014/main" id="{C1142B57-AA5D-4B6C-8F2A-F767E6D213B6}"/>
+              </a:ext>
+            </a:extLst>
+          </p:cNvPr>
+          <p:cNvPicPr>
+            <a:picLocks noGrp="1" noChangeAspect="1"/>
+          </p:cNvPicPr>
+          <p:nvPr>
+            <p:ph idx="1"/>
+          </p:nvPr>
+        </p:nvPicPr>
+        <p:blipFill>
+          <a:blip r:embed="rId2">
+            <a:extLst>
+              <a:ext uri="{28A0092B-C50C-407E-A947-70E740481C1C}">
+                <a14:useLocalDpi xmlns:a14="http://schemas.microsoft.com/office/drawing/2010/main" val="0"/>
+              </a:ext>
+            </a:extLst>
+          </a:blip>
+          <a:stretch>
+            <a:fillRect/>
+          </a:stretch>
+        </p:blipFill>
+        <p:spPr>
+          <a:xfrm>
+            <a:off x="10537331" y="7292487"/>
+            <a:ext cx="4438199" cy="4445400"/>
+          </a:xfrm>
+        </p:spPr>
+      </p:pic>
+      <p:grpSp>
+        <p:nvGrpSpPr>
+          <p:cNvPr id="5" name="Group 4">
+            <a:extLst>
+              <a:ext uri="{FF2B5EF4-FFF2-40B4-BE49-F238E27FC236}">
+                <a16:creationId xmlns:a16="http://schemas.microsoft.com/office/drawing/2014/main" id="{A4210AFA-4BBB-472A-B22B-E08A008004FF}"/>
+              </a:ext>
+            </a:extLst>
+          </p:cNvPr>
+          <p:cNvGrpSpPr/>
+          <p:nvPr/>
+        </p:nvGrpSpPr>
+        <p:grpSpPr>
+          <a:xfrm>
+            <a:off x="366251" y="2027517"/>
+            <a:ext cx="5450471" cy="4901030"/>
+            <a:chOff x="12194536" y="6624830"/>
+            <a:chExt cx="5450471" cy="4901030"/>
+          </a:xfrm>
+        </p:grpSpPr>
+        <p:pic>
+          <p:nvPicPr>
+            <p:cNvPr id="10" name="Picture 9">
+              <a:extLst>
+                <a:ext uri="{FF2B5EF4-FFF2-40B4-BE49-F238E27FC236}">
+                  <a16:creationId xmlns:a16="http://schemas.microsoft.com/office/drawing/2014/main" id="{D0F3420C-E077-44BA-9012-973372D817F7}"/>
+                </a:ext>
+              </a:extLst>
+            </p:cNvPr>
+            <p:cNvPicPr>
+              <a:picLocks noChangeAspect="1"/>
+            </p:cNvPicPr>
+            <p:nvPr/>
+          </p:nvPicPr>
+          <p:blipFill>
+            <a:blip r:embed="rId3"/>
+            <a:stretch>
+              <a:fillRect/>
+            </a:stretch>
+          </p:blipFill>
+          <p:spPr>
+            <a:xfrm>
+              <a:off x="12823144" y="6624830"/>
+              <a:ext cx="4727761" cy="4901030"/>
+            </a:xfrm>
+            <a:prstGeom prst="rect">
+              <a:avLst/>
+            </a:prstGeom>
+          </p:spPr>
+        </p:pic>
+        <p:pic>
+          <p:nvPicPr>
+            <p:cNvPr id="15" name="Picture 14">
+              <a:extLst>
+                <a:ext uri="{FF2B5EF4-FFF2-40B4-BE49-F238E27FC236}">
+                  <a16:creationId xmlns:a16="http://schemas.microsoft.com/office/drawing/2014/main" id="{1B52477A-4463-453D-9423-AC209E0C3AEA}"/>
+                </a:ext>
+              </a:extLst>
+            </p:cNvPr>
+            <p:cNvPicPr>
+              <a:picLocks noChangeAspect="1"/>
+            </p:cNvPicPr>
+            <p:nvPr/>
+          </p:nvPicPr>
+          <p:blipFill>
+            <a:blip r:embed="rId3"/>
+            <a:stretch>
+              <a:fillRect/>
+            </a:stretch>
+          </p:blipFill>
+          <p:spPr>
+            <a:xfrm>
+              <a:off x="12917246" y="6624830"/>
+              <a:ext cx="4727761" cy="4901030"/>
+            </a:xfrm>
+            <a:prstGeom prst="rect">
+              <a:avLst/>
+            </a:prstGeom>
+          </p:spPr>
+        </p:pic>
+        <p:sp>
+          <p:nvSpPr>
+            <p:cNvPr id="9" name="TextBox 8">
+              <a:extLst>
+                <a:ext uri="{FF2B5EF4-FFF2-40B4-BE49-F238E27FC236}">
+                  <a16:creationId xmlns:a16="http://schemas.microsoft.com/office/drawing/2014/main" id="{6DE51BF1-5FC5-483A-B4E9-08F2C8DFFC28}"/>
+                </a:ext>
+              </a:extLst>
+            </p:cNvPr>
+            <p:cNvSpPr txBox="1"/>
+            <p:nvPr/>
+          </p:nvSpPr>
+          <p:spPr>
+            <a:xfrm flipH="1">
+              <a:off x="12194536" y="8222411"/>
+              <a:ext cx="2269778" cy="523220"/>
+            </a:xfrm>
+            <a:prstGeom prst="rect">
+              <a:avLst/>
+            </a:prstGeom>
+            <a:noFill/>
+          </p:spPr>
+          <p:txBody>
+            <a:bodyPr wrap="square" rtlCol="0">
+              <a:spAutoFit/>
+            </a:bodyPr>
+            <a:lstStyle/>
+            <a:p>
+              <a:r>
+                <a:rPr lang="en-US" sz="2800" dirty="0"/>
+                <a:t>AZD</a:t>
+              </a:r>
+              <a:endParaRPr lang="en-GB" dirty="0"/>
+            </a:p>
+          </p:txBody>
+        </p:sp>
+      </p:grpSp>
+      <p:grpSp>
+        <p:nvGrpSpPr>
+          <p:cNvPr id="6" name="Group 5">
+            <a:extLst>
+              <a:ext uri="{FF2B5EF4-FFF2-40B4-BE49-F238E27FC236}">
+                <a16:creationId xmlns:a16="http://schemas.microsoft.com/office/drawing/2014/main" id="{CBF64A4F-39A1-4102-AD06-64BFCC2474DC}"/>
+              </a:ext>
+            </a:extLst>
+          </p:cNvPr>
+          <p:cNvGrpSpPr/>
+          <p:nvPr/>
+        </p:nvGrpSpPr>
+        <p:grpSpPr>
+          <a:xfrm>
+            <a:off x="-45928" y="7196393"/>
+            <a:ext cx="5754034" cy="4794263"/>
+            <a:chOff x="11861473" y="4730736"/>
+            <a:chExt cx="5754034" cy="4794263"/>
+          </a:xfrm>
+        </p:grpSpPr>
+        <p:pic>
+          <p:nvPicPr>
+            <p:cNvPr id="8" name="Picture 7">
+              <a:extLst>
+                <a:ext uri="{FF2B5EF4-FFF2-40B4-BE49-F238E27FC236}">
+                  <a16:creationId xmlns:a16="http://schemas.microsoft.com/office/drawing/2014/main" id="{39060ED4-0248-4327-BE14-0248C313C69F}"/>
+                </a:ext>
+              </a:extLst>
+            </p:cNvPr>
+            <p:cNvPicPr>
+              <a:picLocks noChangeAspect="1"/>
+            </p:cNvPicPr>
+            <p:nvPr/>
+          </p:nvPicPr>
+          <p:blipFill>
+            <a:blip r:embed="rId4"/>
+            <a:stretch>
+              <a:fillRect/>
+            </a:stretch>
+          </p:blipFill>
+          <p:spPr>
+            <a:xfrm>
+              <a:off x="13408541" y="4730736"/>
+              <a:ext cx="4206966" cy="4794263"/>
+            </a:xfrm>
+            <a:prstGeom prst="rect">
+              <a:avLst/>
+            </a:prstGeom>
+          </p:spPr>
+        </p:pic>
+        <p:sp>
+          <p:nvSpPr>
+            <p:cNvPr id="7" name="TextBox 6">
+              <a:extLst>
+                <a:ext uri="{FF2B5EF4-FFF2-40B4-BE49-F238E27FC236}">
+                  <a16:creationId xmlns:a16="http://schemas.microsoft.com/office/drawing/2014/main" id="{24AF068E-8888-4060-85A3-4055D201DECE}"/>
+                </a:ext>
+              </a:extLst>
+            </p:cNvPr>
+            <p:cNvSpPr txBox="1"/>
+            <p:nvPr/>
+          </p:nvSpPr>
+          <p:spPr>
+            <a:xfrm flipH="1">
+              <a:off x="11861473" y="6231321"/>
+              <a:ext cx="2269778" cy="523220"/>
+            </a:xfrm>
+            <a:prstGeom prst="rect">
+              <a:avLst/>
+            </a:prstGeom>
+            <a:noFill/>
+          </p:spPr>
+          <p:txBody>
+            <a:bodyPr wrap="square" rtlCol="0">
+              <a:spAutoFit/>
+            </a:bodyPr>
+            <a:lstStyle/>
+            <a:p>
+              <a:r>
+                <a:rPr lang="en-US" sz="2800" dirty="0"/>
+                <a:t>MK2206</a:t>
+              </a:r>
+              <a:endParaRPr lang="en-GB" dirty="0"/>
+            </a:p>
+          </p:txBody>
+        </p:sp>
+      </p:grpSp>
+      <p:pic>
+        <p:nvPicPr>
+          <p:cNvPr id="14" name="Picture 13">
+            <a:extLst>
+              <a:ext uri="{FF2B5EF4-FFF2-40B4-BE49-F238E27FC236}">
+                <a16:creationId xmlns:a16="http://schemas.microsoft.com/office/drawing/2014/main" id="{468CD97F-9223-40A9-A71D-F6696B2E1A7E}"/>
+              </a:ext>
+            </a:extLst>
+          </p:cNvPr>
+          <p:cNvPicPr>
+            <a:picLocks noChangeAspect="1"/>
+          </p:cNvPicPr>
+          <p:nvPr/>
+        </p:nvPicPr>
+        <p:blipFill>
+          <a:blip r:embed="rId5">
+            <a:extLst>
+              <a:ext uri="{28A0092B-C50C-407E-A947-70E740481C1C}">
+                <a14:useLocalDpi xmlns:a14="http://schemas.microsoft.com/office/drawing/2010/main" val="0"/>
+              </a:ext>
+            </a:extLst>
+          </a:blip>
+          <a:stretch>
+            <a:fillRect/>
+          </a:stretch>
+        </p:blipFill>
+        <p:spPr>
+          <a:xfrm>
+            <a:off x="10537331" y="2005126"/>
+            <a:ext cx="4187130" cy="4076359"/>
+          </a:xfrm>
+          <a:prstGeom prst="rect">
+            <a:avLst/>
+          </a:prstGeom>
+        </p:spPr>
+      </p:pic>
+      <p:sp>
+        <p:nvSpPr>
+          <p:cNvPr id="17" name="TextBox 16">
+            <a:extLst>
+              <a:ext uri="{FF2B5EF4-FFF2-40B4-BE49-F238E27FC236}">
+                <a16:creationId xmlns:a16="http://schemas.microsoft.com/office/drawing/2014/main" id="{65496992-4550-4A0A-86DB-D62A5B9BC2CF}"/>
+              </a:ext>
+            </a:extLst>
+          </p:cNvPr>
+          <p:cNvSpPr txBox="1"/>
+          <p:nvPr/>
+        </p:nvSpPr>
+        <p:spPr>
+          <a:xfrm flipH="1">
+            <a:off x="11150623" y="1516720"/>
+            <a:ext cx="3211613" cy="369332"/>
+          </a:xfrm>
+          <a:prstGeom prst="rect">
+            <a:avLst/>
+          </a:prstGeom>
+          <a:noFill/>
+        </p:spPr>
+        <p:txBody>
+          <a:bodyPr wrap="square" rtlCol="0">
+            <a:spAutoFit/>
+          </a:bodyPr>
+          <a:lstStyle/>
+          <a:p>
+            <a:r>
+              <a:rPr lang="en-US" dirty="0"/>
+              <a:t>Simulations with topology 3</a:t>
+            </a:r>
+            <a:endParaRPr lang="en-GB" dirty="0"/>
+          </a:p>
+        </p:txBody>
+      </p:sp>
+      <p:pic>
+        <p:nvPicPr>
+          <p:cNvPr id="18" name="Picture 17">
+            <a:extLst>
+              <a:ext uri="{FF2B5EF4-FFF2-40B4-BE49-F238E27FC236}">
+                <a16:creationId xmlns:a16="http://schemas.microsoft.com/office/drawing/2014/main" id="{2AC40AFF-2351-4615-94BE-9D6BE88D42D4}"/>
+              </a:ext>
+            </a:extLst>
+          </p:cNvPr>
+          <p:cNvPicPr>
+            <a:picLocks noChangeAspect="1"/>
+          </p:cNvPicPr>
+          <p:nvPr/>
+        </p:nvPicPr>
+        <p:blipFill>
+          <a:blip r:embed="rId6">
+            <a:extLst>
+              <a:ext uri="{28A0092B-C50C-407E-A947-70E740481C1C}">
+                <a14:useLocalDpi xmlns:a14="http://schemas.microsoft.com/office/drawing/2010/main" val="0"/>
+              </a:ext>
+            </a:extLst>
+          </a:blip>
+          <a:stretch>
+            <a:fillRect/>
+          </a:stretch>
+        </p:blipFill>
+        <p:spPr>
+          <a:xfrm>
+            <a:off x="6058545" y="1992308"/>
+            <a:ext cx="4236962" cy="4216338"/>
+          </a:xfrm>
+          <a:prstGeom prst="rect">
+            <a:avLst/>
+          </a:prstGeom>
+        </p:spPr>
+      </p:pic>
+      <p:pic>
+        <p:nvPicPr>
+          <p:cNvPr id="19" name="Picture 18">
+            <a:extLst>
+              <a:ext uri="{FF2B5EF4-FFF2-40B4-BE49-F238E27FC236}">
+                <a16:creationId xmlns:a16="http://schemas.microsoft.com/office/drawing/2014/main" id="{8534FC17-510D-453F-8BAD-1892DBECD32D}"/>
+              </a:ext>
+            </a:extLst>
+          </p:cNvPr>
+          <p:cNvPicPr>
+            <a:picLocks noChangeAspect="1"/>
+          </p:cNvPicPr>
+          <p:nvPr/>
+        </p:nvPicPr>
+        <p:blipFill>
+          <a:blip r:embed="rId7">
+            <a:extLst>
+              <a:ext uri="{28A0092B-C50C-407E-A947-70E740481C1C}">
+                <a14:useLocalDpi xmlns:a14="http://schemas.microsoft.com/office/drawing/2010/main" val="0"/>
+              </a:ext>
+            </a:extLst>
+          </a:blip>
+          <a:stretch>
+            <a:fillRect/>
+          </a:stretch>
+        </p:blipFill>
+        <p:spPr>
+          <a:xfrm>
+            <a:off x="5906412" y="7196393"/>
+            <a:ext cx="4630919" cy="4537810"/>
+          </a:xfrm>
+          <a:prstGeom prst="rect">
+            <a:avLst/>
+          </a:prstGeom>
+        </p:spPr>
+      </p:pic>
+      <p:sp>
+        <p:nvSpPr>
+          <p:cNvPr id="20" name="TextBox 19">
+            <a:extLst>
+              <a:ext uri="{FF2B5EF4-FFF2-40B4-BE49-F238E27FC236}">
+                <a16:creationId xmlns:a16="http://schemas.microsoft.com/office/drawing/2014/main" id="{153A3C90-226D-4265-B8E0-3B3084B7C7FA}"/>
+              </a:ext>
+            </a:extLst>
+          </p:cNvPr>
+          <p:cNvSpPr txBox="1"/>
+          <p:nvPr/>
+        </p:nvSpPr>
+        <p:spPr>
+          <a:xfrm flipH="1">
+            <a:off x="6685744" y="1593464"/>
+            <a:ext cx="3211613" cy="369332"/>
+          </a:xfrm>
+          <a:prstGeom prst="rect">
+            <a:avLst/>
+          </a:prstGeom>
+          <a:noFill/>
+        </p:spPr>
+        <p:txBody>
+          <a:bodyPr wrap="square" rtlCol="0">
+            <a:spAutoFit/>
+          </a:bodyPr>
+          <a:lstStyle/>
+          <a:p>
+            <a:r>
+              <a:rPr lang="en-US" dirty="0"/>
+              <a:t>Simulations with topology 2</a:t>
+            </a:r>
+            <a:endParaRPr lang="en-GB" dirty="0"/>
+          </a:p>
+        </p:txBody>
+      </p:sp>
+      <p:sp>
+        <p:nvSpPr>
+          <p:cNvPr id="21" name="TextBox 20">
+            <a:extLst>
+              <a:ext uri="{FF2B5EF4-FFF2-40B4-BE49-F238E27FC236}">
+                <a16:creationId xmlns:a16="http://schemas.microsoft.com/office/drawing/2014/main" id="{6665EAC7-0ABE-4963-956E-B1DAD91F3A18}"/>
+              </a:ext>
+            </a:extLst>
+          </p:cNvPr>
+          <p:cNvSpPr txBox="1"/>
+          <p:nvPr/>
+        </p:nvSpPr>
+        <p:spPr>
+          <a:xfrm>
+            <a:off x="15086705" y="3843150"/>
+            <a:ext cx="1919099" cy="1477328"/>
+          </a:xfrm>
+          <a:prstGeom prst="rect">
+            <a:avLst/>
+          </a:prstGeom>
+          <a:noFill/>
+        </p:spPr>
+        <p:txBody>
+          <a:bodyPr wrap="square" rtlCol="0">
+            <a:spAutoFit/>
+          </a:bodyPr>
+          <a:lstStyle/>
+          <a:p>
+            <a:r>
+              <a:rPr lang="en-US" dirty="0"/>
+              <a:t>I was expecting to be able to increase pSmad2 under AZD conditions</a:t>
+            </a:r>
+            <a:endParaRPr lang="en-GB" dirty="0"/>
+          </a:p>
+        </p:txBody>
+      </p:sp>
+      <p:sp>
+        <p:nvSpPr>
+          <p:cNvPr id="22" name="TextBox 21">
+            <a:extLst>
+              <a:ext uri="{FF2B5EF4-FFF2-40B4-BE49-F238E27FC236}">
+                <a16:creationId xmlns:a16="http://schemas.microsoft.com/office/drawing/2014/main" id="{71FC8269-76E9-4969-B729-744E06EC0463}"/>
+              </a:ext>
+            </a:extLst>
+          </p:cNvPr>
+          <p:cNvSpPr txBox="1"/>
+          <p:nvPr/>
+        </p:nvSpPr>
+        <p:spPr>
+          <a:xfrm>
+            <a:off x="15168250" y="6871523"/>
+            <a:ext cx="1919099" cy="1477328"/>
+          </a:xfrm>
+          <a:prstGeom prst="rect">
+            <a:avLst/>
+          </a:prstGeom>
+          <a:noFill/>
+        </p:spPr>
+        <p:txBody>
+          <a:bodyPr wrap="square" rtlCol="0">
+            <a:spAutoFit/>
+          </a:bodyPr>
+          <a:lstStyle/>
+          <a:p>
+            <a:r>
+              <a:rPr lang="en-US" dirty="0"/>
+              <a:t>But ended up producing the graduated pattern in the MK2206 data</a:t>
+            </a:r>
+            <a:endParaRPr lang="en-GB" dirty="0"/>
+          </a:p>
+        </p:txBody>
+      </p:sp>
+      <p:sp>
+        <p:nvSpPr>
+          <p:cNvPr id="23" name="TextBox 22">
+            <a:extLst>
+              <a:ext uri="{FF2B5EF4-FFF2-40B4-BE49-F238E27FC236}">
+                <a16:creationId xmlns:a16="http://schemas.microsoft.com/office/drawing/2014/main" id="{B7C2249C-42AC-47E7-98B7-1FDE269E9AEF}"/>
+              </a:ext>
+            </a:extLst>
+          </p:cNvPr>
+          <p:cNvSpPr txBox="1"/>
+          <p:nvPr/>
+        </p:nvSpPr>
+        <p:spPr>
+          <a:xfrm>
+            <a:off x="15110651" y="578050"/>
+            <a:ext cx="1919099" cy="1754326"/>
+          </a:xfrm>
+          <a:prstGeom prst="rect">
+            <a:avLst/>
+          </a:prstGeom>
+          <a:noFill/>
+        </p:spPr>
+        <p:txBody>
+          <a:bodyPr wrap="square" rtlCol="0">
+            <a:spAutoFit/>
+          </a:bodyPr>
+          <a:lstStyle/>
+          <a:p>
+            <a:r>
+              <a:rPr lang="en-US" b="1" dirty="0"/>
+              <a:t>Note </a:t>
+            </a:r>
+            <a:r>
+              <a:rPr lang="en-US" dirty="0"/>
+              <a:t>– This is without adequate parameter fiddling, so still may be able to get better results. </a:t>
+            </a:r>
+            <a:endParaRPr lang="en-GB" dirty="0"/>
+          </a:p>
+        </p:txBody>
+      </p:sp>
+    </p:spTree>
+    <p:extLst>
+      <p:ext uri="{BB962C8B-B14F-4D97-AF65-F5344CB8AC3E}">
+        <p14:creationId xmlns:p14="http://schemas.microsoft.com/office/powerpoint/2010/main" val="3790057430"/>
+      </p:ext>
+    </p:extLst>
+  </p:cSld>
+  <p:clrMapOvr>
+    <a:masterClrMapping/>
+  </p:clrMapOvr>
+</p:sld>
+</file>
+
+<file path=ppt/slides/slide19.xml><?xml version="1.0" encoding="utf-8"?>
+<p:sld xmlns:a="http://schemas.openxmlformats.org/drawingml/2006/main" xmlns:r="http://schemas.openxmlformats.org/officeDocument/2006/relationships" xmlns:p="http://schemas.openxmlformats.org/presentationml/2006/main">
+  <p:cSld>
+    <p:spTree>
+      <p:nvGrpSpPr>
+        <p:cNvPr id="1" name=""/>
+        <p:cNvGrpSpPr/>
+        <p:nvPr/>
+      </p:nvGrpSpPr>
+      <p:grpSpPr>
+        <a:xfrm>
+          <a:off x="0" y="0"/>
+          <a:ext cx="0" cy="0"/>
+          <a:chOff x="0" y="0"/>
+          <a:chExt cx="0" cy="0"/>
+        </a:xfrm>
+      </p:grpSpPr>
+      <p:sp>
+        <p:nvSpPr>
+          <p:cNvPr id="2" name="Title 1">
+            <a:extLst>
+              <a:ext uri="{FF2B5EF4-FFF2-40B4-BE49-F238E27FC236}">
+                <a16:creationId xmlns:a16="http://schemas.microsoft.com/office/drawing/2014/main" id="{E1C95180-4C0D-406F-81DC-4E697AF026C1}"/>
+              </a:ext>
+            </a:extLst>
+          </p:cNvPr>
+          <p:cNvSpPr>
+            <a:spLocks noGrp="1"/>
+          </p:cNvSpPr>
+          <p:nvPr>
+            <p:ph type="title"/>
+          </p:nvPr>
+        </p:nvSpPr>
+        <p:spPr>
+          <a:xfrm>
+            <a:off x="1237546" y="649114"/>
+            <a:ext cx="15525572" cy="561618"/>
+          </a:xfrm>
+        </p:spPr>
+        <p:txBody>
+          <a:bodyPr>
+            <a:normAutofit fontScale="90000"/>
+          </a:bodyPr>
+          <a:lstStyle/>
+          <a:p>
+            <a:r>
+              <a:rPr lang="en-US" dirty="0"/>
+              <a:t>Version Control</a:t>
+            </a:r>
+            <a:endParaRPr lang="en-GB" dirty="0"/>
+          </a:p>
+        </p:txBody>
+      </p:sp>
+      <p:graphicFrame>
+        <p:nvGraphicFramePr>
+          <p:cNvPr id="4" name="Table 3">
+            <a:extLst>
+              <a:ext uri="{FF2B5EF4-FFF2-40B4-BE49-F238E27FC236}">
+                <a16:creationId xmlns:a16="http://schemas.microsoft.com/office/drawing/2014/main" id="{11D5D741-6796-43CA-87FC-D468F1BFF221}"/>
+              </a:ext>
+            </a:extLst>
+          </p:cNvPr>
+          <p:cNvGraphicFramePr>
+            <a:graphicFrameLocks noGrp="1"/>
+          </p:cNvGraphicFramePr>
+          <p:nvPr>
+            <p:extLst>
+              <p:ext uri="{D42A27DB-BD31-4B8C-83A1-F6EECF244321}">
+                <p14:modId xmlns:p14="http://schemas.microsoft.com/office/powerpoint/2010/main" val="2117125033"/>
+              </p:ext>
+            </p:extLst>
+          </p:nvPr>
+        </p:nvGraphicFramePr>
+        <p:xfrm>
+          <a:off x="361950" y="2209800"/>
+          <a:ext cx="16923160" cy="6605134"/>
+        </p:xfrm>
+        <a:graphic>
+          <a:graphicData uri="http://schemas.openxmlformats.org/drawingml/2006/table">
+            <a:tbl>
+              <a:tblPr firstRow="1" bandRow="1">
+                <a:tableStyleId>{5C22544A-7EE6-4342-B048-85BDC9FD1C3A}</a:tableStyleId>
+              </a:tblPr>
+              <a:tblGrid>
+                <a:gridCol w="3142615">
+                  <a:extLst>
+                    <a:ext uri="{9D8B030D-6E8A-4147-A177-3AD203B41FA5}">
+                      <a16:colId xmlns:a16="http://schemas.microsoft.com/office/drawing/2014/main" val="1679681616"/>
+                    </a:ext>
+                  </a:extLst>
+                </a:gridCol>
+                <a:gridCol w="1443927">
+                  <a:extLst>
+                    <a:ext uri="{9D8B030D-6E8A-4147-A177-3AD203B41FA5}">
+                      <a16:colId xmlns:a16="http://schemas.microsoft.com/office/drawing/2014/main" val="3016622042"/>
+                    </a:ext>
+                  </a:extLst>
+                </a:gridCol>
+                <a:gridCol w="8549794">
+                  <a:extLst>
+                    <a:ext uri="{9D8B030D-6E8A-4147-A177-3AD203B41FA5}">
+                      <a16:colId xmlns:a16="http://schemas.microsoft.com/office/drawing/2014/main" val="2796656887"/>
+                    </a:ext>
+                  </a:extLst>
+                </a:gridCol>
+                <a:gridCol w="3786824">
+                  <a:extLst>
+                    <a:ext uri="{9D8B030D-6E8A-4147-A177-3AD203B41FA5}">
+                      <a16:colId xmlns:a16="http://schemas.microsoft.com/office/drawing/2014/main" val="240516383"/>
+                    </a:ext>
+                  </a:extLst>
+                </a:gridCol>
+              </a:tblGrid>
+              <a:tr h="1365150">
+                <a:tc>
+                  <a:txBody>
+                    <a:bodyPr/>
+                    <a:lstStyle/>
+                    <a:p>
+                      <a:r>
+                        <a:rPr lang="en-US" dirty="0"/>
+                        <a:t>Date Committed </a:t>
+                      </a:r>
+                      <a:endParaRPr lang="en-GB" dirty="0"/>
+                    </a:p>
+                  </a:txBody>
+                  <a:tcPr/>
+                </a:tc>
+                <a:tc>
+                  <a:txBody>
+                    <a:bodyPr/>
+                    <a:lstStyle/>
+                    <a:p>
+                      <a:r>
+                        <a:rPr lang="en-US" dirty="0"/>
+                        <a:t>Branch</a:t>
+                      </a:r>
+                      <a:endParaRPr lang="en-GB" dirty="0"/>
+                    </a:p>
+                  </a:txBody>
+                  <a:tcPr/>
+                </a:tc>
+                <a:tc>
+                  <a:txBody>
+                    <a:bodyPr/>
+                    <a:lstStyle/>
+                    <a:p>
+                      <a:r>
+                        <a:rPr lang="en-US" dirty="0"/>
+                        <a:t>Comments</a:t>
+                      </a:r>
+                      <a:endParaRPr lang="en-GB" dirty="0"/>
+                    </a:p>
+                  </a:txBody>
+                  <a:tcPr>
+                    <a:lnR w="12700" cap="flat" cmpd="sng" algn="ctr">
+                      <a:solidFill>
+                        <a:schemeClr val="tx1"/>
+                      </a:solidFill>
+                      <a:prstDash val="solid"/>
+                      <a:round/>
+                      <a:headEnd type="none" w="med" len="med"/>
+                      <a:tailEnd type="none" w="med" len="med"/>
+                    </a:lnR>
+                  </a:tcPr>
+                </a:tc>
+                <a:tc>
+                  <a:txBody>
+                    <a:bodyPr/>
+                    <a:lstStyle/>
+                    <a:p>
+                      <a:r>
+                        <a:rPr lang="en-US" dirty="0"/>
+                        <a:t>Git ref</a:t>
+                      </a:r>
+                      <a:endParaRPr lang="en-GB" dirty="0"/>
+                    </a:p>
+                  </a:txBody>
+                  <a:tcPr>
+                    <a:lnL w="12700" cap="flat" cmpd="sng" algn="ctr">
+                      <a:solidFill>
+                        <a:schemeClr val="tx1"/>
+                      </a:solidFill>
+                      <a:prstDash val="solid"/>
+                      <a:round/>
+                      <a:headEnd type="none" w="med" len="med"/>
+                      <a:tailEnd type="none" w="med" len="med"/>
+                    </a:lnL>
+                  </a:tcPr>
+                </a:tc>
+                <a:extLst>
+                  <a:ext uri="{0D108BD9-81ED-4DB2-BD59-A6C34878D82A}">
+                    <a16:rowId xmlns:a16="http://schemas.microsoft.com/office/drawing/2014/main" val="2332694763"/>
+                  </a:ext>
+                </a:extLst>
+              </a:tr>
+              <a:tr h="1144534">
+                <a:tc>
+                  <a:txBody>
+                    <a:bodyPr/>
+                    <a:lstStyle/>
+                    <a:p>
+                      <a:r>
+                        <a:rPr lang="en-US" dirty="0"/>
+                        <a:t>18-12-2018</a:t>
+                      </a:r>
+                      <a:endParaRPr lang="en-GB" dirty="0"/>
+                    </a:p>
+                  </a:txBody>
+                  <a:tcPr/>
+                </a:tc>
+                <a:tc>
+                  <a:txBody>
+                    <a:bodyPr/>
+                    <a:lstStyle/>
+                    <a:p>
+                      <a:r>
+                        <a:rPr lang="en-US" dirty="0" err="1"/>
+                        <a:t>Akt</a:t>
+                      </a:r>
+                      <a:endParaRPr lang="en-GB" dirty="0"/>
+                    </a:p>
+                  </a:txBody>
+                  <a:tcPr/>
+                </a:tc>
+                <a:tc>
+                  <a:txBody>
+                    <a:bodyPr/>
+                    <a:lstStyle/>
+                    <a:p>
+                      <a:r>
+                        <a:rPr lang="en-US" dirty="0"/>
+                        <a:t>This is the model version that simulated the graphs in slides 4 – 8. </a:t>
+                      </a:r>
+                      <a:endParaRPr lang="en-GB" dirty="0"/>
+                    </a:p>
+                  </a:txBody>
+                  <a:tcPr>
+                    <a:lnR w="12700" cap="flat" cmpd="sng" algn="ctr">
+                      <a:solidFill>
+                        <a:schemeClr val="tx1"/>
+                      </a:solidFill>
+                      <a:prstDash val="solid"/>
+                      <a:round/>
+                      <a:headEnd type="none" w="med" len="med"/>
+                      <a:tailEnd type="none" w="med" len="med"/>
+                    </a:lnR>
+                  </a:tcPr>
+                </a:tc>
+                <a:tc>
+                  <a:txBody>
+                    <a:bodyPr/>
+                    <a:lstStyle/>
+                    <a:p>
+                      <a:r>
+                        <a:rPr lang="en-US" sz="1200" dirty="0"/>
+                        <a:t>e08c385cd54d24f0c1944f6dc6f1ed78be6de0cd</a:t>
+                      </a:r>
+                      <a:endParaRPr lang="en-GB" dirty="0"/>
+                    </a:p>
+                  </a:txBody>
+                  <a:tcPr>
+                    <a:lnL w="12700" cap="flat" cmpd="sng" algn="ctr">
+                      <a:solidFill>
+                        <a:schemeClr val="tx1"/>
+                      </a:solidFill>
+                      <a:prstDash val="solid"/>
+                      <a:round/>
+                      <a:headEnd type="none" w="med" len="med"/>
+                      <a:tailEnd type="none" w="med" len="med"/>
+                    </a:lnL>
+                  </a:tcPr>
+                </a:tc>
+                <a:extLst>
+                  <a:ext uri="{0D108BD9-81ED-4DB2-BD59-A6C34878D82A}">
+                    <a16:rowId xmlns:a16="http://schemas.microsoft.com/office/drawing/2014/main" val="3882491249"/>
+                  </a:ext>
+                </a:extLst>
+              </a:tr>
+              <a:tr h="1365150">
+                <a:tc>
+                  <a:txBody>
+                    <a:bodyPr/>
+                    <a:lstStyle/>
+                    <a:p>
+                      <a:endParaRPr lang="en-GB"/>
+                    </a:p>
+                  </a:txBody>
+                  <a:tcPr/>
+                </a:tc>
+                <a:tc>
+                  <a:txBody>
+                    <a:bodyPr/>
+                    <a:lstStyle/>
+                    <a:p>
+                      <a:endParaRPr lang="en-GB" dirty="0"/>
+                    </a:p>
+                  </a:txBody>
+                  <a:tcPr/>
+                </a:tc>
+                <a:tc>
+                  <a:txBody>
+                    <a:bodyPr/>
+                    <a:lstStyle/>
+                    <a:p>
+                      <a:endParaRPr lang="en-GB"/>
+                    </a:p>
+                  </a:txBody>
+                  <a:tcPr>
+                    <a:lnR w="12700" cap="flat" cmpd="sng" algn="ctr">
+                      <a:solidFill>
+                        <a:schemeClr val="tx1"/>
+                      </a:solidFill>
+                      <a:prstDash val="solid"/>
+                      <a:round/>
+                      <a:headEnd type="none" w="med" len="med"/>
+                      <a:tailEnd type="none" w="med" len="med"/>
+                    </a:lnR>
+                  </a:tcPr>
+                </a:tc>
+                <a:tc>
+                  <a:txBody>
+                    <a:bodyPr/>
+                    <a:lstStyle/>
+                    <a:p>
+                      <a:endParaRPr lang="en-GB"/>
+                    </a:p>
+                  </a:txBody>
+                  <a:tcPr>
+                    <a:lnL w="12700" cap="flat" cmpd="sng" algn="ctr">
+                      <a:solidFill>
+                        <a:schemeClr val="tx1"/>
+                      </a:solidFill>
+                      <a:prstDash val="solid"/>
+                      <a:round/>
+                      <a:headEnd type="none" w="med" len="med"/>
+                      <a:tailEnd type="none" w="med" len="med"/>
+                    </a:lnL>
+                  </a:tcPr>
+                </a:tc>
+                <a:extLst>
+                  <a:ext uri="{0D108BD9-81ED-4DB2-BD59-A6C34878D82A}">
+                    <a16:rowId xmlns:a16="http://schemas.microsoft.com/office/drawing/2014/main" val="3950209985"/>
+                  </a:ext>
+                </a:extLst>
+              </a:tr>
+              <a:tr h="1365150">
+                <a:tc>
+                  <a:txBody>
+                    <a:bodyPr/>
+                    <a:lstStyle/>
+                    <a:p>
+                      <a:endParaRPr lang="en-GB"/>
+                    </a:p>
+                  </a:txBody>
+                  <a:tcPr/>
+                </a:tc>
+                <a:tc>
+                  <a:txBody>
+                    <a:bodyPr/>
+                    <a:lstStyle/>
+                    <a:p>
+                      <a:endParaRPr lang="en-GB"/>
+                    </a:p>
+                  </a:txBody>
+                  <a:tcPr/>
+                </a:tc>
+                <a:tc>
+                  <a:txBody>
+                    <a:bodyPr/>
+                    <a:lstStyle/>
+                    <a:p>
+                      <a:endParaRPr lang="en-GB"/>
+                    </a:p>
+                  </a:txBody>
+                  <a:tcPr>
+                    <a:lnR w="12700" cap="flat" cmpd="sng" algn="ctr">
+                      <a:solidFill>
+                        <a:schemeClr val="tx1"/>
+                      </a:solidFill>
+                      <a:prstDash val="solid"/>
+                      <a:round/>
+                      <a:headEnd type="none" w="med" len="med"/>
+                      <a:tailEnd type="none" w="med" len="med"/>
+                    </a:lnR>
+                  </a:tcPr>
+                </a:tc>
+                <a:tc>
+                  <a:txBody>
+                    <a:bodyPr/>
+                    <a:lstStyle/>
+                    <a:p>
+                      <a:endParaRPr lang="en-GB"/>
+                    </a:p>
+                  </a:txBody>
+                  <a:tcPr>
+                    <a:lnL w="12700" cap="flat" cmpd="sng" algn="ctr">
+                      <a:solidFill>
+                        <a:schemeClr val="tx1"/>
+                      </a:solidFill>
+                      <a:prstDash val="solid"/>
+                      <a:round/>
+                      <a:headEnd type="none" w="med" len="med"/>
+                      <a:tailEnd type="none" w="med" len="med"/>
+                    </a:lnL>
+                  </a:tcPr>
+                </a:tc>
+                <a:extLst>
+                  <a:ext uri="{0D108BD9-81ED-4DB2-BD59-A6C34878D82A}">
+                    <a16:rowId xmlns:a16="http://schemas.microsoft.com/office/drawing/2014/main" val="2418124262"/>
+                  </a:ext>
+                </a:extLst>
+              </a:tr>
+              <a:tr h="1365150">
+                <a:tc>
+                  <a:txBody>
+                    <a:bodyPr/>
+                    <a:lstStyle/>
+                    <a:p>
+                      <a:endParaRPr lang="en-GB"/>
+                    </a:p>
+                  </a:txBody>
+                  <a:tcPr/>
+                </a:tc>
+                <a:tc>
+                  <a:txBody>
+                    <a:bodyPr/>
+                    <a:lstStyle/>
+                    <a:p>
+                      <a:endParaRPr lang="en-GB"/>
+                    </a:p>
+                  </a:txBody>
+                  <a:tcPr/>
+                </a:tc>
+                <a:tc>
+                  <a:txBody>
+                    <a:bodyPr/>
+                    <a:lstStyle/>
+                    <a:p>
+                      <a:endParaRPr lang="en-GB" dirty="0"/>
+                    </a:p>
+                  </a:txBody>
+                  <a:tcPr>
+                    <a:lnR w="12700" cap="flat" cmpd="sng" algn="ctr">
+                      <a:solidFill>
+                        <a:schemeClr val="tx1"/>
+                      </a:solidFill>
+                      <a:prstDash val="solid"/>
+                      <a:round/>
+                      <a:headEnd type="none" w="med" len="med"/>
+                      <a:tailEnd type="none" w="med" len="med"/>
+                    </a:lnR>
+                  </a:tcPr>
+                </a:tc>
+                <a:tc>
+                  <a:txBody>
+                    <a:bodyPr/>
+                    <a:lstStyle/>
+                    <a:p>
+                      <a:endParaRPr lang="en-GB" dirty="0"/>
+                    </a:p>
+                  </a:txBody>
+                  <a:tcPr>
+                    <a:lnL w="12700" cap="flat" cmpd="sng" algn="ctr">
+                      <a:solidFill>
+                        <a:schemeClr val="tx1"/>
+                      </a:solidFill>
+                      <a:prstDash val="solid"/>
+                      <a:round/>
+                      <a:headEnd type="none" w="med" len="med"/>
+                      <a:tailEnd type="none" w="med" len="med"/>
+                    </a:lnL>
+                  </a:tcPr>
+                </a:tc>
+                <a:extLst>
+                  <a:ext uri="{0D108BD9-81ED-4DB2-BD59-A6C34878D82A}">
+                    <a16:rowId xmlns:a16="http://schemas.microsoft.com/office/drawing/2014/main" val="1207215222"/>
+                  </a:ext>
+                </a:extLst>
+              </a:tr>
+            </a:tbl>
+          </a:graphicData>
+        </a:graphic>
+      </p:graphicFrame>
+    </p:spTree>
+    <p:extLst>
+      <p:ext uri="{BB962C8B-B14F-4D97-AF65-F5344CB8AC3E}">
+        <p14:creationId xmlns:p14="http://schemas.microsoft.com/office/powerpoint/2010/main" val="1085804232"/>
       </p:ext>
     </p:extLst>
   </p:cSld>
@@ -9715,590 +14714,6 @@
           <p:cNvPr id="2" name="Title 1">
             <a:extLst>
               <a:ext uri="{FF2B5EF4-FFF2-40B4-BE49-F238E27FC236}">
-                <a16:creationId xmlns:a16="http://schemas.microsoft.com/office/drawing/2014/main" id="{0085CE34-5E6A-4B33-B174-F309906988EC}"/>
-              </a:ext>
-            </a:extLst>
-          </p:cNvPr>
-          <p:cNvSpPr>
-            <a:spLocks noGrp="1"/>
-          </p:cNvSpPr>
-          <p:nvPr>
-            <p:ph type="title"/>
-          </p:nvPr>
-        </p:nvSpPr>
-        <p:spPr>
-          <a:xfrm>
-            <a:off x="1092403" y="0"/>
-            <a:ext cx="15525572" cy="1224291"/>
-          </a:xfrm>
-        </p:spPr>
-        <p:txBody>
-          <a:bodyPr>
-            <a:noAutofit/>
-          </a:bodyPr>
-          <a:lstStyle/>
-          <a:p>
-            <a:r>
-              <a:rPr lang="en-GB" sz="4800" dirty="0"/>
-              <a:t>These two feedbacks counteract the effect of </a:t>
-            </a:r>
-            <a:r>
-              <a:rPr lang="en-GB" sz="4800" dirty="0" err="1"/>
-              <a:t>Everolimus</a:t>
-            </a:r>
-            <a:endParaRPr lang="en-GB" sz="4800" dirty="0"/>
-          </a:p>
-        </p:txBody>
-      </p:sp>
-      <p:sp>
-        <p:nvSpPr>
-          <p:cNvPr id="3" name="Content Placeholder 2">
-            <a:extLst>
-              <a:ext uri="{FF2B5EF4-FFF2-40B4-BE49-F238E27FC236}">
-                <a16:creationId xmlns:a16="http://schemas.microsoft.com/office/drawing/2014/main" id="{50908B4C-0045-4251-A5A5-F446BFD0F53B}"/>
-              </a:ext>
-            </a:extLst>
-          </p:cNvPr>
-          <p:cNvSpPr>
-            <a:spLocks noGrp="1"/>
-          </p:cNvSpPr>
-          <p:nvPr>
-            <p:ph idx="1"/>
-          </p:nvPr>
-        </p:nvSpPr>
-        <p:spPr>
-          <a:xfrm>
-            <a:off x="1092403" y="8563430"/>
-            <a:ext cx="16310226" cy="3354540"/>
-          </a:xfrm>
-        </p:spPr>
-        <p:txBody>
-          <a:bodyPr>
-            <a:normAutofit fontScale="55000" lnSpcReduction="20000"/>
-          </a:bodyPr>
-          <a:lstStyle/>
-          <a:p>
-            <a:r>
-              <a:rPr lang="en-US" dirty="0" err="1"/>
-              <a:t>pErk</a:t>
-            </a:r>
-            <a:r>
-              <a:rPr lang="en-US" dirty="0"/>
-              <a:t> phosphorylating mTORC1 and S6K negates the effect of </a:t>
-            </a:r>
-            <a:r>
-              <a:rPr lang="en-US" dirty="0" err="1"/>
-              <a:t>Everolimus</a:t>
-            </a:r>
-            <a:r>
-              <a:rPr lang="en-US" dirty="0"/>
-              <a:t> in the model. When these two  </a:t>
-            </a:r>
-            <a:r>
-              <a:rPr lang="en-US" dirty="0" err="1"/>
-              <a:t>phosphorylations</a:t>
-            </a:r>
-            <a:r>
-              <a:rPr lang="en-US" dirty="0"/>
-              <a:t> are high they compensate for the activation mTOR and S6K when mTORc1 is inhibited by </a:t>
-            </a:r>
-            <a:r>
-              <a:rPr lang="en-US" dirty="0" err="1"/>
-              <a:t>Everolimus</a:t>
-            </a:r>
-            <a:r>
-              <a:rPr lang="en-US" dirty="0"/>
-              <a:t>. </a:t>
-            </a:r>
-          </a:p>
-          <a:p>
-            <a:r>
-              <a:rPr lang="en-US" dirty="0"/>
-              <a:t>Thus we can achieve the same </a:t>
-            </a:r>
-            <a:r>
-              <a:rPr lang="en-US" dirty="0" err="1"/>
-              <a:t>behaviour</a:t>
-            </a:r>
-            <a:r>
-              <a:rPr lang="en-US" dirty="0"/>
-              <a:t> by tuning </a:t>
-            </a:r>
-            <a:r>
-              <a:rPr lang="en-US" dirty="0" err="1"/>
-              <a:t>kmTORCDephosByEv</a:t>
-            </a:r>
-            <a:r>
-              <a:rPr lang="en-US" dirty="0"/>
-              <a:t>, kS6KPhosByErk and </a:t>
-            </a:r>
-            <a:r>
-              <a:rPr lang="en-US" dirty="0" err="1"/>
-              <a:t>kmTORPhosByErk</a:t>
-            </a:r>
-            <a:r>
-              <a:rPr lang="en-US" dirty="0"/>
-              <a:t>  appropriately, i.e. its a non-identifiability.</a:t>
-            </a:r>
-          </a:p>
-          <a:p>
-            <a:r>
-              <a:rPr lang="en-US" dirty="0"/>
-              <a:t>Moreover, these two feedbacks actually achieve the same job in the model and are therefore superfluous</a:t>
-            </a:r>
-          </a:p>
-          <a:p>
-            <a:r>
-              <a:rPr lang="en-US" dirty="0"/>
-              <a:t>The rates of these two reactions are set to 0 for a ‘deprecation period’ after which they will be removed. </a:t>
-            </a:r>
-          </a:p>
-        </p:txBody>
-      </p:sp>
-      <p:grpSp>
-        <p:nvGrpSpPr>
-          <p:cNvPr id="16" name="Group 15">
-            <a:extLst>
-              <a:ext uri="{FF2B5EF4-FFF2-40B4-BE49-F238E27FC236}">
-                <a16:creationId xmlns:a16="http://schemas.microsoft.com/office/drawing/2014/main" id="{D9B35FD4-41C8-4572-B2C6-D562CB6AFBC9}"/>
-              </a:ext>
-            </a:extLst>
-          </p:cNvPr>
-          <p:cNvGrpSpPr/>
-          <p:nvPr/>
-        </p:nvGrpSpPr>
-        <p:grpSpPr>
-          <a:xfrm>
-            <a:off x="3030740" y="988034"/>
-            <a:ext cx="10306322" cy="7229225"/>
-            <a:chOff x="7694341" y="1421360"/>
-            <a:chExt cx="13470674" cy="9375155"/>
-          </a:xfrm>
-        </p:grpSpPr>
-        <p:pic>
-          <p:nvPicPr>
-            <p:cNvPr id="4" name="Picture 2">
-              <a:extLst>
-                <a:ext uri="{FF2B5EF4-FFF2-40B4-BE49-F238E27FC236}">
-                  <a16:creationId xmlns:a16="http://schemas.microsoft.com/office/drawing/2014/main" id="{272932D1-39D5-4262-901E-9124C41FD178}"/>
-                </a:ext>
-              </a:extLst>
-            </p:cNvPr>
-            <p:cNvPicPr>
-              <a:picLocks noChangeAspect="1" noChangeArrowheads="1"/>
-            </p:cNvPicPr>
-            <p:nvPr/>
-          </p:nvPicPr>
-          <p:blipFill>
-            <a:blip r:embed="rId2">
-              <a:extLst>
-                <a:ext uri="{28A0092B-C50C-407E-A947-70E740481C1C}">
-                  <a14:useLocalDpi xmlns:a14="http://schemas.microsoft.com/office/drawing/2010/main" val="0"/>
-                </a:ext>
-              </a:extLst>
-            </a:blip>
-            <a:srcRect/>
-            <a:stretch>
-              <a:fillRect/>
-            </a:stretch>
-          </p:blipFill>
-          <p:spPr bwMode="auto">
-            <a:xfrm>
-              <a:off x="7694341" y="1421360"/>
-              <a:ext cx="13470674" cy="9375155"/>
-            </a:xfrm>
-            <a:prstGeom prst="rect">
-              <a:avLst/>
-            </a:prstGeom>
-            <a:noFill/>
-            <a:ln>
-              <a:noFill/>
-            </a:ln>
-            <a:effectLst/>
-            <a:extLst>
-              <a:ext uri="{909E8E84-426E-40DD-AFC4-6F175D3DCCD1}">
-                <a14:hiddenFill xmlns:a14="http://schemas.microsoft.com/office/drawing/2010/main">
-                  <a:solidFill>
-                    <a:srgbClr val="5B9BD5"/>
-                  </a:solidFill>
-                </a14:hiddenFill>
-              </a:ext>
-              <a:ext uri="{91240B29-F687-4F45-9708-019B960494DF}">
-                <a14:hiddenLine xmlns:a14="http://schemas.microsoft.com/office/drawing/2010/main" w="25400" algn="ctr">
-                  <a:solidFill>
-                    <a:srgbClr val="000000"/>
-                  </a:solidFill>
-                  <a:miter lim="800000"/>
-                  <a:headEnd/>
-                  <a:tailEnd/>
-                </a14:hiddenLine>
-              </a:ext>
-              <a:ext uri="{AF507438-7753-43E0-B8FC-AC1667EBCBE1}">
-                <a14:hiddenEffects xmlns:a14="http://schemas.microsoft.com/office/drawing/2010/main">
-                  <a:effectLst>
-                    <a:outerShdw dist="35921" dir="2700000" algn="ctr" rotWithShape="0">
-                      <a:srgbClr val="000000"/>
-                    </a:outerShdw>
-                  </a:effectLst>
-                </a14:hiddenEffects>
-              </a:ext>
-            </a:extLst>
-          </p:spPr>
-        </p:pic>
-        <p:grpSp>
-          <p:nvGrpSpPr>
-            <p:cNvPr id="15" name="Group 14">
-              <a:extLst>
-                <a:ext uri="{FF2B5EF4-FFF2-40B4-BE49-F238E27FC236}">
-                  <a16:creationId xmlns:a16="http://schemas.microsoft.com/office/drawing/2014/main" id="{D5619E5C-DC57-4E93-8FD7-DD068523C448}"/>
-                </a:ext>
-              </a:extLst>
-            </p:cNvPr>
-            <p:cNvGrpSpPr/>
-            <p:nvPr/>
-          </p:nvGrpSpPr>
-          <p:grpSpPr>
-            <a:xfrm>
-              <a:off x="14157449" y="7203688"/>
-              <a:ext cx="2605668" cy="1758175"/>
-              <a:chOff x="8608741" y="7493620"/>
-              <a:chExt cx="2605668" cy="1758175"/>
-            </a:xfrm>
-          </p:grpSpPr>
-          <p:grpSp>
-            <p:nvGrpSpPr>
-              <p:cNvPr id="10" name="Group 9">
-                <a:extLst>
-                  <a:ext uri="{FF2B5EF4-FFF2-40B4-BE49-F238E27FC236}">
-                    <a16:creationId xmlns:a16="http://schemas.microsoft.com/office/drawing/2014/main" id="{9D57E3DB-FF91-4B07-B261-785AB7C7C661}"/>
-                  </a:ext>
-                </a:extLst>
-              </p:cNvPr>
-              <p:cNvGrpSpPr/>
-              <p:nvPr/>
-            </p:nvGrpSpPr>
-            <p:grpSpPr>
-              <a:xfrm>
-                <a:off x="8608741" y="7493620"/>
-                <a:ext cx="936703" cy="646770"/>
-                <a:chOff x="8608741" y="7493620"/>
-                <a:chExt cx="936703" cy="646770"/>
-              </a:xfrm>
-            </p:grpSpPr>
-            <p:cxnSp>
-              <p:nvCxnSpPr>
-                <p:cNvPr id="6" name="Straight Connector 5">
-                  <a:extLst>
-                    <a:ext uri="{FF2B5EF4-FFF2-40B4-BE49-F238E27FC236}">
-                      <a16:creationId xmlns:a16="http://schemas.microsoft.com/office/drawing/2014/main" id="{ACC075D1-5F11-4CD0-BD59-86E37001BBE7}"/>
-                    </a:ext>
-                  </a:extLst>
-                </p:cNvPr>
-                <p:cNvCxnSpPr/>
-                <p:nvPr/>
-              </p:nvCxnSpPr>
-              <p:spPr>
-                <a:xfrm>
-                  <a:off x="8608741" y="7493620"/>
-                  <a:ext cx="936703" cy="646770"/>
-                </a:xfrm>
-                <a:prstGeom prst="line">
-                  <a:avLst/>
-                </a:prstGeom>
-                <a:ln w="76200">
-                  <a:solidFill>
-                    <a:schemeClr val="tx1"/>
-                  </a:solidFill>
-                </a:ln>
-              </p:spPr>
-              <p:style>
-                <a:lnRef idx="1">
-                  <a:schemeClr val="accent1"/>
-                </a:lnRef>
-                <a:fillRef idx="0">
-                  <a:schemeClr val="accent1"/>
-                </a:fillRef>
-                <a:effectRef idx="0">
-                  <a:schemeClr val="accent1"/>
-                </a:effectRef>
-                <a:fontRef idx="minor">
-                  <a:schemeClr val="tx1"/>
-                </a:fontRef>
-              </p:style>
-            </p:cxnSp>
-            <p:cxnSp>
-              <p:nvCxnSpPr>
-                <p:cNvPr id="7" name="Straight Connector 6">
-                  <a:extLst>
-                    <a:ext uri="{FF2B5EF4-FFF2-40B4-BE49-F238E27FC236}">
-                      <a16:creationId xmlns:a16="http://schemas.microsoft.com/office/drawing/2014/main" id="{21896B71-C43C-4F72-B54E-22BB45C59DB8}"/>
-                    </a:ext>
-                  </a:extLst>
-                </p:cNvPr>
-                <p:cNvCxnSpPr>
-                  <a:cxnSpLocks/>
-                </p:cNvCxnSpPr>
-                <p:nvPr/>
-              </p:nvCxnSpPr>
-              <p:spPr>
-                <a:xfrm flipV="1">
-                  <a:off x="8608741" y="7493620"/>
-                  <a:ext cx="936703" cy="646770"/>
-                </a:xfrm>
-                <a:prstGeom prst="line">
-                  <a:avLst/>
-                </a:prstGeom>
-                <a:ln w="76200">
-                  <a:solidFill>
-                    <a:schemeClr val="tx1"/>
-                  </a:solidFill>
-                </a:ln>
-              </p:spPr>
-              <p:style>
-                <a:lnRef idx="1">
-                  <a:schemeClr val="accent1"/>
-                </a:lnRef>
-                <a:fillRef idx="0">
-                  <a:schemeClr val="accent1"/>
-                </a:fillRef>
-                <a:effectRef idx="0">
-                  <a:schemeClr val="accent1"/>
-                </a:effectRef>
-                <a:fontRef idx="minor">
-                  <a:schemeClr val="tx1"/>
-                </a:fontRef>
-              </p:style>
-            </p:cxnSp>
-          </p:grpSp>
-          <p:grpSp>
-            <p:nvGrpSpPr>
-              <p:cNvPr id="11" name="Group 10">
-                <a:extLst>
-                  <a:ext uri="{FF2B5EF4-FFF2-40B4-BE49-F238E27FC236}">
-                    <a16:creationId xmlns:a16="http://schemas.microsoft.com/office/drawing/2014/main" id="{8E87B151-8943-41BF-9A86-EC8105D1169C}"/>
-                  </a:ext>
-                </a:extLst>
-              </p:cNvPr>
-              <p:cNvGrpSpPr/>
-              <p:nvPr/>
-            </p:nvGrpSpPr>
-            <p:grpSpPr>
-              <a:xfrm>
-                <a:off x="10277706" y="8605025"/>
-                <a:ext cx="936703" cy="646770"/>
-                <a:chOff x="8608741" y="7493620"/>
-                <a:chExt cx="936703" cy="646770"/>
-              </a:xfrm>
-            </p:grpSpPr>
-            <p:cxnSp>
-              <p:nvCxnSpPr>
-                <p:cNvPr id="12" name="Straight Connector 11">
-                  <a:extLst>
-                    <a:ext uri="{FF2B5EF4-FFF2-40B4-BE49-F238E27FC236}">
-                      <a16:creationId xmlns:a16="http://schemas.microsoft.com/office/drawing/2014/main" id="{1D9ADCBF-8034-49C5-A90A-7EA8886340E4}"/>
-                    </a:ext>
-                  </a:extLst>
-                </p:cNvPr>
-                <p:cNvCxnSpPr/>
-                <p:nvPr/>
-              </p:nvCxnSpPr>
-              <p:spPr>
-                <a:xfrm>
-                  <a:off x="8608741" y="7493620"/>
-                  <a:ext cx="936703" cy="646770"/>
-                </a:xfrm>
-                <a:prstGeom prst="line">
-                  <a:avLst/>
-                </a:prstGeom>
-                <a:ln w="76200">
-                  <a:solidFill>
-                    <a:schemeClr val="tx1"/>
-                  </a:solidFill>
-                </a:ln>
-              </p:spPr>
-              <p:style>
-                <a:lnRef idx="1">
-                  <a:schemeClr val="accent1"/>
-                </a:lnRef>
-                <a:fillRef idx="0">
-                  <a:schemeClr val="accent1"/>
-                </a:fillRef>
-                <a:effectRef idx="0">
-                  <a:schemeClr val="accent1"/>
-                </a:effectRef>
-                <a:fontRef idx="minor">
-                  <a:schemeClr val="tx1"/>
-                </a:fontRef>
-              </p:style>
-            </p:cxnSp>
-            <p:cxnSp>
-              <p:nvCxnSpPr>
-                <p:cNvPr id="13" name="Straight Connector 12">
-                  <a:extLst>
-                    <a:ext uri="{FF2B5EF4-FFF2-40B4-BE49-F238E27FC236}">
-                      <a16:creationId xmlns:a16="http://schemas.microsoft.com/office/drawing/2014/main" id="{004581DA-E6C7-41AC-AB9A-B0333080E9B7}"/>
-                    </a:ext>
-                  </a:extLst>
-                </p:cNvPr>
-                <p:cNvCxnSpPr>
-                  <a:cxnSpLocks/>
-                </p:cNvCxnSpPr>
-                <p:nvPr/>
-              </p:nvCxnSpPr>
-              <p:spPr>
-                <a:xfrm flipV="1">
-                  <a:off x="8608741" y="7493620"/>
-                  <a:ext cx="936703" cy="646770"/>
-                </a:xfrm>
-                <a:prstGeom prst="line">
-                  <a:avLst/>
-                </a:prstGeom>
-                <a:ln w="76200">
-                  <a:solidFill>
-                    <a:schemeClr val="tx1"/>
-                  </a:solidFill>
-                </a:ln>
-              </p:spPr>
-              <p:style>
-                <a:lnRef idx="1">
-                  <a:schemeClr val="accent1"/>
-                </a:lnRef>
-                <a:fillRef idx="0">
-                  <a:schemeClr val="accent1"/>
-                </a:fillRef>
-                <a:effectRef idx="0">
-                  <a:schemeClr val="accent1"/>
-                </a:effectRef>
-                <a:fontRef idx="minor">
-                  <a:schemeClr val="tx1"/>
-                </a:fontRef>
-              </p:style>
-            </p:cxnSp>
-          </p:grpSp>
-        </p:grpSp>
-      </p:grpSp>
-      <p:sp>
-        <p:nvSpPr>
-          <p:cNvPr id="17" name="Rectangle 16">
-            <a:extLst>
-              <a:ext uri="{FF2B5EF4-FFF2-40B4-BE49-F238E27FC236}">
-                <a16:creationId xmlns:a16="http://schemas.microsoft.com/office/drawing/2014/main" id="{6977FE09-1286-438D-B419-1ABACB0296B9}"/>
-              </a:ext>
-            </a:extLst>
-          </p:cNvPr>
-          <p:cNvSpPr/>
-          <p:nvPr/>
-        </p:nvSpPr>
-        <p:spPr>
-          <a:xfrm>
-            <a:off x="3723952" y="11567776"/>
-            <a:ext cx="9400074" cy="369332"/>
-          </a:xfrm>
-          <a:prstGeom prst="rect">
-            <a:avLst/>
-          </a:prstGeom>
-        </p:spPr>
-        <p:txBody>
-          <a:bodyPr wrap="none">
-            <a:spAutoFit/>
-          </a:bodyPr>
-          <a:lstStyle/>
-          <a:p>
-            <a:r>
-              <a:rPr lang="en-GB" dirty="0"/>
-              <a:t>Git id for this model version is “eaa83d2c798cb39755189f04c05adf76692fb6e6” on master branch</a:t>
-            </a:r>
-          </a:p>
-        </p:txBody>
-      </p:sp>
-      <p:sp>
-        <p:nvSpPr>
-          <p:cNvPr id="5" name="Rectangle 4">
-            <a:extLst>
-              <a:ext uri="{FF2B5EF4-FFF2-40B4-BE49-F238E27FC236}">
-                <a16:creationId xmlns:a16="http://schemas.microsoft.com/office/drawing/2014/main" id="{5031BF7B-2FB0-4AF4-B805-3081F5AB9B30}"/>
-              </a:ext>
-            </a:extLst>
-          </p:cNvPr>
-          <p:cNvSpPr/>
-          <p:nvPr/>
-        </p:nvSpPr>
-        <p:spPr>
-          <a:xfrm>
-            <a:off x="13711358" y="3508865"/>
-            <a:ext cx="4289305" cy="1938992"/>
-          </a:xfrm>
-          <a:prstGeom prst="rect">
-            <a:avLst/>
-          </a:prstGeom>
-        </p:spPr>
-        <p:txBody>
-          <a:bodyPr wrap="square">
-            <a:spAutoFit/>
-          </a:bodyPr>
-          <a:lstStyle/>
-          <a:p>
-            <a:r>
-              <a:rPr lang="en-GB" sz="2400" dirty="0"/>
-              <a:t>The parameter: </a:t>
-            </a:r>
-            <a:r>
-              <a:rPr lang="en-GB" sz="2400" b="1" dirty="0" err="1"/>
-              <a:t>kmTORCDephosByEv</a:t>
-            </a:r>
-            <a:endParaRPr lang="en-GB" sz="2400" b="1" dirty="0"/>
-          </a:p>
-          <a:p>
-            <a:r>
-              <a:rPr lang="en-GB" sz="2400" dirty="0"/>
-              <a:t>controls the increase in </a:t>
-            </a:r>
-            <a:r>
-              <a:rPr lang="en-GB" sz="2400" dirty="0" err="1"/>
-              <a:t>pAkt</a:t>
-            </a:r>
-            <a:r>
-              <a:rPr lang="en-GB" sz="2400" dirty="0"/>
-              <a:t> between the T and T_E conditions</a:t>
-            </a:r>
-          </a:p>
-        </p:txBody>
-      </p:sp>
-    </p:spTree>
-    <p:extLst>
-      <p:ext uri="{BB962C8B-B14F-4D97-AF65-F5344CB8AC3E}">
-        <p14:creationId xmlns:p14="http://schemas.microsoft.com/office/powerpoint/2010/main" val="3282982582"/>
-      </p:ext>
-    </p:extLst>
-  </p:cSld>
-  <p:clrMapOvr>
-    <a:masterClrMapping/>
-  </p:clrMapOvr>
-</p:sld>
-</file>
-
-<file path=ppt/slides/slide5.xml><?xml version="1.0" encoding="utf-8"?>
-<p:sld xmlns:a="http://schemas.openxmlformats.org/drawingml/2006/main" xmlns:r="http://schemas.openxmlformats.org/officeDocument/2006/relationships" xmlns:p="http://schemas.openxmlformats.org/presentationml/2006/main">
-  <p:cSld>
-    <p:spTree>
-      <p:nvGrpSpPr>
-        <p:cNvPr id="1" name=""/>
-        <p:cNvGrpSpPr/>
-        <p:nvPr/>
-      </p:nvGrpSpPr>
-      <p:grpSpPr>
-        <a:xfrm>
-          <a:off x="0" y="0"/>
-          <a:ext cx="0" cy="0"/>
-          <a:chOff x="0" y="0"/>
-          <a:chExt cx="0" cy="0"/>
-        </a:xfrm>
-      </p:grpSpPr>
-      <p:sp>
-        <p:nvSpPr>
-          <p:cNvPr id="2" name="Title 1">
-            <a:extLst>
-              <a:ext uri="{FF2B5EF4-FFF2-40B4-BE49-F238E27FC236}">
                 <a16:creationId xmlns:a16="http://schemas.microsoft.com/office/drawing/2014/main" id="{BE002960-1E4C-4A88-8158-EA052AE4AAEF}"/>
               </a:ext>
             </a:extLst>
@@ -10324,7 +14739,7 @@
           <a:p>
             <a:r>
               <a:rPr lang="en-US" dirty="0"/>
-              <a:t>New Topology</a:t>
+              <a:t>Topology 2</a:t>
             </a:r>
             <a:endParaRPr lang="en-GB" dirty="0"/>
           </a:p>
@@ -10332,10 +14747,10 @@
       </p:sp>
       <p:pic>
         <p:nvPicPr>
-          <p:cNvPr id="4" name="Picture 3">
+          <p:cNvPr id="3" name="Picture 2">
             <a:extLst>
               <a:ext uri="{FF2B5EF4-FFF2-40B4-BE49-F238E27FC236}">
-                <a16:creationId xmlns:a16="http://schemas.microsoft.com/office/drawing/2014/main" id="{79B385D2-3E9C-4B0A-9BE7-3774F7DDBD2B}"/>
+                <a16:creationId xmlns:a16="http://schemas.microsoft.com/office/drawing/2014/main" id="{088FCCE2-F74D-4143-B45E-D66EF4AC2882}"/>
               </a:ext>
             </a:extLst>
           </p:cNvPr>
@@ -10352,8 +14767,8 @@
         </p:blipFill>
         <p:spPr>
           <a:xfrm>
-            <a:off x="2072180" y="1210732"/>
-            <a:ext cx="13856302" cy="10694461"/>
+            <a:off x="942180" y="974636"/>
+            <a:ext cx="15501989" cy="10995954"/>
           </a:xfrm>
           <a:prstGeom prst="rect">
             <a:avLst/>
@@ -10373,7 +14788,7 @@
 </p:sld>
 </file>
 
-<file path=ppt/slides/slide6.xml><?xml version="1.0" encoding="utf-8"?>
+<file path=ppt/slides/slide5.xml><?xml version="1.0" encoding="utf-8"?>
 <p:sld xmlns:a="http://schemas.openxmlformats.org/drawingml/2006/main" xmlns:r="http://schemas.openxmlformats.org/officeDocument/2006/relationships" xmlns:p="http://schemas.openxmlformats.org/presentationml/2006/main">
   <p:cSld>
     <p:spTree>
@@ -10659,8 +15074,8 @@
         </p:blipFill>
         <p:spPr>
           <a:xfrm>
-            <a:off x="9000331" y="2164526"/>
-            <a:ext cx="4328559" cy="4407695"/>
+            <a:off x="9000331" y="2214640"/>
+            <a:ext cx="4328559" cy="4307466"/>
           </a:xfrm>
           <a:prstGeom prst="rect">
             <a:avLst/>
@@ -10695,8 +15110,8 @@
         </p:blipFill>
         <p:spPr>
           <a:xfrm>
-            <a:off x="8942786" y="7431578"/>
-            <a:ext cx="4341418" cy="4452058"/>
+            <a:off x="8942786" y="7482197"/>
+            <a:ext cx="4341418" cy="4350820"/>
           </a:xfrm>
           <a:prstGeom prst="rect">
             <a:avLst/>
@@ -10716,7 +15131,7 @@
 </p:sld>
 </file>
 
-<file path=ppt/slides/slide7.xml><?xml version="1.0" encoding="utf-8"?>
+<file path=ppt/slides/slide6.xml><?xml version="1.0" encoding="utf-8"?>
 <p:sld xmlns:a="http://schemas.openxmlformats.org/drawingml/2006/main" xmlns:r="http://schemas.openxmlformats.org/officeDocument/2006/relationships" xmlns:p="http://schemas.openxmlformats.org/presentationml/2006/main">
   <p:cSld>
     <p:spTree>
@@ -11010,8 +15425,8 @@
         </p:blipFill>
         <p:spPr>
           <a:xfrm>
-            <a:off x="10638716" y="2299972"/>
-            <a:ext cx="4991052" cy="4910895"/>
+            <a:off x="10722880" y="2299972"/>
+            <a:ext cx="4822723" cy="4910895"/>
           </a:xfrm>
           <a:prstGeom prst="rect">
             <a:avLst/>
@@ -11046,8 +15461,8 @@
         </p:blipFill>
         <p:spPr>
           <a:xfrm>
-            <a:off x="5950270" y="2440559"/>
-            <a:ext cx="4422748" cy="4503607"/>
+            <a:off x="5950270" y="2491764"/>
+            <a:ext cx="4422748" cy="4401197"/>
           </a:xfrm>
           <a:prstGeom prst="rect">
             <a:avLst/>
@@ -11082,8 +15497,8 @@
         </p:blipFill>
         <p:spPr>
           <a:xfrm>
-            <a:off x="11517137" y="7210867"/>
-            <a:ext cx="4843134" cy="4796466"/>
+            <a:off x="11517137" y="7210868"/>
+            <a:ext cx="4843134" cy="4796464"/>
           </a:xfrm>
           <a:prstGeom prst="rect">
             <a:avLst/>
@@ -11118,8 +15533,8 @@
         </p:blipFill>
         <p:spPr>
           <a:xfrm>
-            <a:off x="6464521" y="7585077"/>
-            <a:ext cx="4582203" cy="4538048"/>
+            <a:off x="6490278" y="7585077"/>
+            <a:ext cx="4530689" cy="4538048"/>
           </a:xfrm>
           <a:prstGeom prst="rect">
             <a:avLst/>
@@ -11130,6 +15545,350 @@
     <p:extLst>
       <p:ext uri="{BB962C8B-B14F-4D97-AF65-F5344CB8AC3E}">
         <p14:creationId xmlns:p14="http://schemas.microsoft.com/office/powerpoint/2010/main" val="2397910829"/>
+      </p:ext>
+    </p:extLst>
+  </p:cSld>
+  <p:clrMapOvr>
+    <a:masterClrMapping/>
+  </p:clrMapOvr>
+</p:sld>
+</file>
+
+<file path=ppt/slides/slide7.xml><?xml version="1.0" encoding="utf-8"?>
+<p:sld xmlns:a="http://schemas.openxmlformats.org/drawingml/2006/main" xmlns:r="http://schemas.openxmlformats.org/officeDocument/2006/relationships" xmlns:p="http://schemas.openxmlformats.org/presentationml/2006/main">
+  <p:cSld>
+    <p:spTree>
+      <p:nvGrpSpPr>
+        <p:cNvPr id="1" name=""/>
+        <p:cNvGrpSpPr/>
+        <p:nvPr/>
+      </p:nvGrpSpPr>
+      <p:grpSpPr>
+        <a:xfrm>
+          <a:off x="0" y="0"/>
+          <a:ext cx="0" cy="0"/>
+          <a:chOff x="0" y="0"/>
+          <a:chExt cx="0" cy="0"/>
+        </a:xfrm>
+      </p:grpSpPr>
+      <p:sp>
+        <p:nvSpPr>
+          <p:cNvPr id="4" name="TextBox 3"/>
+          <p:cNvSpPr txBox="1"/>
+          <p:nvPr/>
+        </p:nvSpPr>
+        <p:spPr>
+          <a:xfrm>
+            <a:off x="1319478" y="2951392"/>
+            <a:ext cx="2944327" cy="584775"/>
+          </a:xfrm>
+          <a:prstGeom prst="rect">
+            <a:avLst/>
+          </a:prstGeom>
+          <a:noFill/>
+        </p:spPr>
+        <p:txBody>
+          <a:bodyPr wrap="square" rtlCol="0">
+            <a:spAutoFit/>
+          </a:bodyPr>
+          <a:lstStyle/>
+          <a:p>
+            <a:r>
+              <a:rPr lang="nl-NL" sz="3200" dirty="0"/>
+              <a:t>AZD6244</a:t>
+            </a:r>
+          </a:p>
+        </p:txBody>
+      </p:sp>
+      <p:pic>
+        <p:nvPicPr>
+          <p:cNvPr id="1026" name="Picture 2"/>
+          <p:cNvPicPr>
+            <a:picLocks noChangeAspect="1" noChangeArrowheads="1"/>
+          </p:cNvPicPr>
+          <p:nvPr/>
+        </p:nvPicPr>
+        <p:blipFill>
+          <a:blip r:embed="rId2" cstate="print">
+            <a:extLst>
+              <a:ext uri="{28A0092B-C50C-407E-A947-70E740481C1C}">
+                <a14:useLocalDpi xmlns:a14="http://schemas.microsoft.com/office/drawing/2010/main" val="0"/>
+              </a:ext>
+            </a:extLst>
+          </a:blip>
+          <a:srcRect/>
+          <a:stretch>
+            <a:fillRect/>
+          </a:stretch>
+        </p:blipFill>
+        <p:spPr bwMode="auto">
+          <a:xfrm>
+            <a:off x="3239691" y="975431"/>
+            <a:ext cx="4416796" cy="5440000"/>
+          </a:xfrm>
+          <a:prstGeom prst="rect">
+            <a:avLst/>
+          </a:prstGeom>
+          <a:noFill/>
+          <a:ln>
+            <a:noFill/>
+          </a:ln>
+          <a:effectLst/>
+          <a:extLst>
+            <a:ext uri="{909E8E84-426E-40DD-AFC4-6F175D3DCCD1}">
+              <a14:hiddenFill xmlns:a14="http://schemas.microsoft.com/office/drawing/2010/main">
+                <a:solidFill>
+                  <a:schemeClr val="accent1"/>
+                </a:solidFill>
+              </a14:hiddenFill>
+            </a:ext>
+            <a:ext uri="{91240B29-F687-4F45-9708-019B960494DF}">
+              <a14:hiddenLine xmlns:a14="http://schemas.microsoft.com/office/drawing/2010/main" w="9525">
+                <a:solidFill>
+                  <a:schemeClr val="tx1"/>
+                </a:solidFill>
+                <a:miter lim="800000"/>
+                <a:headEnd/>
+                <a:tailEnd/>
+              </a14:hiddenLine>
+            </a:ext>
+            <a:ext uri="{AF507438-7753-43E0-B8FC-AC1667EBCBE1}">
+              <a14:hiddenEffects xmlns:a14="http://schemas.microsoft.com/office/drawing/2010/main">
+                <a:effectLst>
+                  <a:outerShdw dist="35921" dir="2700000" algn="ctr" rotWithShape="0">
+                    <a:schemeClr val="bg2"/>
+                  </a:outerShdw>
+                </a:effectLst>
+              </a14:hiddenEffects>
+            </a:ext>
+          </a:extLst>
+        </p:spPr>
+      </p:pic>
+      <p:pic>
+        <p:nvPicPr>
+          <p:cNvPr id="1027" name="Picture 3"/>
+          <p:cNvPicPr>
+            <a:picLocks noChangeAspect="1" noChangeArrowheads="1"/>
+          </p:cNvPicPr>
+          <p:nvPr/>
+        </p:nvPicPr>
+        <p:blipFill>
+          <a:blip r:embed="rId3" cstate="print">
+            <a:extLst>
+              <a:ext uri="{28A0092B-C50C-407E-A947-70E740481C1C}">
+                <a14:useLocalDpi xmlns:a14="http://schemas.microsoft.com/office/drawing/2010/main" val="0"/>
+              </a:ext>
+            </a:extLst>
+          </a:blip>
+          <a:srcRect/>
+          <a:stretch>
+            <a:fillRect/>
+          </a:stretch>
+        </p:blipFill>
+        <p:spPr bwMode="auto">
+          <a:xfrm>
+            <a:off x="3201586" y="6367957"/>
+            <a:ext cx="4493006" cy="5440000"/>
+          </a:xfrm>
+          <a:prstGeom prst="rect">
+            <a:avLst/>
+          </a:prstGeom>
+          <a:noFill/>
+          <a:ln>
+            <a:noFill/>
+          </a:ln>
+          <a:effectLst/>
+          <a:extLst>
+            <a:ext uri="{909E8E84-426E-40DD-AFC4-6F175D3DCCD1}">
+              <a14:hiddenFill xmlns:a14="http://schemas.microsoft.com/office/drawing/2010/main">
+                <a:solidFill>
+                  <a:schemeClr val="accent1"/>
+                </a:solidFill>
+              </a14:hiddenFill>
+            </a:ext>
+            <a:ext uri="{91240B29-F687-4F45-9708-019B960494DF}">
+              <a14:hiddenLine xmlns:a14="http://schemas.microsoft.com/office/drawing/2010/main" w="9525">
+                <a:solidFill>
+                  <a:schemeClr val="tx1"/>
+                </a:solidFill>
+                <a:miter lim="800000"/>
+                <a:headEnd/>
+                <a:tailEnd/>
+              </a14:hiddenLine>
+            </a:ext>
+            <a:ext uri="{AF507438-7753-43E0-B8FC-AC1667EBCBE1}">
+              <a14:hiddenEffects xmlns:a14="http://schemas.microsoft.com/office/drawing/2010/main">
+                <a:effectLst>
+                  <a:outerShdw dist="35921" dir="2700000" algn="ctr" rotWithShape="0">
+                    <a:schemeClr val="bg2"/>
+                  </a:outerShdw>
+                </a:effectLst>
+              </a14:hiddenEffects>
+            </a:ext>
+          </a:extLst>
+        </p:spPr>
+      </p:pic>
+      <p:sp>
+        <p:nvSpPr>
+          <p:cNvPr id="7" name="TextBox 6"/>
+          <p:cNvSpPr txBox="1"/>
+          <p:nvPr/>
+        </p:nvSpPr>
+        <p:spPr>
+          <a:xfrm>
+            <a:off x="1191464" y="8431368"/>
+            <a:ext cx="2944327" cy="584775"/>
+          </a:xfrm>
+          <a:prstGeom prst="rect">
+            <a:avLst/>
+          </a:prstGeom>
+          <a:noFill/>
+        </p:spPr>
+        <p:txBody>
+          <a:bodyPr wrap="square" rtlCol="0">
+            <a:spAutoFit/>
+          </a:bodyPr>
+          <a:lstStyle/>
+          <a:p>
+            <a:r>
+              <a:rPr lang="nl-NL" sz="3200" dirty="0"/>
+              <a:t>MK2206</a:t>
+            </a:r>
+          </a:p>
+        </p:txBody>
+      </p:sp>
+      <p:pic>
+        <p:nvPicPr>
+          <p:cNvPr id="1029" name="Picture 5"/>
+          <p:cNvPicPr>
+            <a:picLocks noChangeAspect="1" noChangeArrowheads="1"/>
+          </p:cNvPicPr>
+          <p:nvPr/>
+        </p:nvPicPr>
+        <p:blipFill>
+          <a:blip r:embed="rId4" cstate="print">
+            <a:extLst>
+              <a:ext uri="{28A0092B-C50C-407E-A947-70E740481C1C}">
+                <a14:useLocalDpi xmlns:a14="http://schemas.microsoft.com/office/drawing/2010/main" val="0"/>
+              </a:ext>
+            </a:extLst>
+          </a:blip>
+          <a:srcRect/>
+          <a:stretch>
+            <a:fillRect/>
+          </a:stretch>
+        </p:blipFill>
+        <p:spPr bwMode="auto">
+          <a:xfrm>
+            <a:off x="8232247" y="6839662"/>
+            <a:ext cx="3833513" cy="3840000"/>
+          </a:xfrm>
+          <a:prstGeom prst="rect">
+            <a:avLst/>
+          </a:prstGeom>
+          <a:noFill/>
+          <a:ln>
+            <a:noFill/>
+          </a:ln>
+          <a:effectLst/>
+          <a:extLst>
+            <a:ext uri="{909E8E84-426E-40DD-AFC4-6F175D3DCCD1}">
+              <a14:hiddenFill xmlns:a14="http://schemas.microsoft.com/office/drawing/2010/main">
+                <a:solidFill>
+                  <a:schemeClr val="accent1"/>
+                </a:solidFill>
+              </a14:hiddenFill>
+            </a:ext>
+            <a:ext uri="{91240B29-F687-4F45-9708-019B960494DF}">
+              <a14:hiddenLine xmlns:a14="http://schemas.microsoft.com/office/drawing/2010/main" w="9525">
+                <a:solidFill>
+                  <a:schemeClr val="tx1"/>
+                </a:solidFill>
+                <a:miter lim="800000"/>
+                <a:headEnd/>
+                <a:tailEnd/>
+              </a14:hiddenLine>
+            </a:ext>
+            <a:ext uri="{AF507438-7753-43E0-B8FC-AC1667EBCBE1}">
+              <a14:hiddenEffects xmlns:a14="http://schemas.microsoft.com/office/drawing/2010/main">
+                <a:effectLst>
+                  <a:outerShdw dist="35921" dir="2700000" algn="ctr" rotWithShape="0">
+                    <a:schemeClr val="bg2"/>
+                  </a:outerShdw>
+                </a:effectLst>
+              </a14:hiddenEffects>
+            </a:ext>
+          </a:extLst>
+        </p:spPr>
+      </p:pic>
+      <p:pic>
+        <p:nvPicPr>
+          <p:cNvPr id="1030" name="Picture 6"/>
+          <p:cNvPicPr>
+            <a:picLocks noChangeAspect="1" noChangeArrowheads="1"/>
+          </p:cNvPicPr>
+          <p:nvPr/>
+        </p:nvPicPr>
+        <p:blipFill>
+          <a:blip r:embed="rId5" cstate="print">
+            <a:extLst>
+              <a:ext uri="{28A0092B-C50C-407E-A947-70E740481C1C}">
+                <a14:useLocalDpi xmlns:a14="http://schemas.microsoft.com/office/drawing/2010/main" val="0"/>
+              </a:ext>
+            </a:extLst>
+          </a:blip>
+          <a:srcRect/>
+          <a:stretch>
+            <a:fillRect/>
+          </a:stretch>
+        </p:blipFill>
+        <p:spPr bwMode="auto">
+          <a:xfrm>
+            <a:off x="12456716" y="6839662"/>
+            <a:ext cx="3833513" cy="3840000"/>
+          </a:xfrm>
+          <a:prstGeom prst="rect">
+            <a:avLst/>
+          </a:prstGeom>
+          <a:noFill/>
+          <a:ln>
+            <a:noFill/>
+          </a:ln>
+          <a:effectLst/>
+          <a:extLst>
+            <a:ext uri="{909E8E84-426E-40DD-AFC4-6F175D3DCCD1}">
+              <a14:hiddenFill xmlns:a14="http://schemas.microsoft.com/office/drawing/2010/main">
+                <a:solidFill>
+                  <a:schemeClr val="accent1"/>
+                </a:solidFill>
+              </a14:hiddenFill>
+            </a:ext>
+            <a:ext uri="{91240B29-F687-4F45-9708-019B960494DF}">
+              <a14:hiddenLine xmlns:a14="http://schemas.microsoft.com/office/drawing/2010/main" w="9525">
+                <a:solidFill>
+                  <a:schemeClr val="tx1"/>
+                </a:solidFill>
+                <a:miter lim="800000"/>
+                <a:headEnd/>
+                <a:tailEnd/>
+              </a14:hiddenLine>
+            </a:ext>
+            <a:ext uri="{AF507438-7753-43E0-B8FC-AC1667EBCBE1}">
+              <a14:hiddenEffects xmlns:a14="http://schemas.microsoft.com/office/drawing/2010/main">
+                <a:effectLst>
+                  <a:outerShdw dist="35921" dir="2700000" algn="ctr" rotWithShape="0">
+                    <a:schemeClr val="bg2"/>
+                  </a:outerShdw>
+                </a:effectLst>
+              </a14:hiddenEffects>
+            </a:ext>
+          </a:extLst>
+        </p:spPr>
+      </p:pic>
+    </p:spTree>
+    <p:extLst>
+      <p:ext uri="{BB962C8B-B14F-4D97-AF65-F5344CB8AC3E}">
+        <p14:creationId xmlns:p14="http://schemas.microsoft.com/office/powerpoint/2010/main" val="4244025876"/>
       </p:ext>
     </p:extLst>
   </p:cSld>
@@ -11396,7 +16155,7 @@
         <p:spPr>
           <a:xfrm>
             <a:off x="9900940" y="1669041"/>
-            <a:ext cx="4679288" cy="4656512"/>
+            <a:ext cx="4679288" cy="4656511"/>
           </a:xfrm>
           <a:prstGeom prst="rect">
             <a:avLst/>
@@ -11432,7 +16191,7 @@
         <p:spPr>
           <a:xfrm>
             <a:off x="9701529" y="6896712"/>
-            <a:ext cx="5078110" cy="5086350"/>
+            <a:ext cx="5078110" cy="5086349"/>
           </a:xfrm>
           <a:prstGeom prst="rect">
             <a:avLst/>
@@ -11768,8 +16527,8 @@
         </p:blipFill>
         <p:spPr>
           <a:xfrm>
-            <a:off x="9992148" y="1678090"/>
-            <a:ext cx="4727762" cy="4704750"/>
+            <a:off x="9992148" y="1678091"/>
+            <a:ext cx="4727762" cy="4704749"/>
           </a:xfrm>
           <a:prstGeom prst="rect">
             <a:avLst/>
@@ -11804,8 +16563,8 @@
         </p:blipFill>
         <p:spPr>
           <a:xfrm>
-            <a:off x="9552555" y="6608374"/>
-            <a:ext cx="5167355" cy="5175739"/>
+            <a:off x="9552555" y="6664513"/>
+            <a:ext cx="5167355" cy="5063460"/>
           </a:xfrm>
           <a:prstGeom prst="rect">
             <a:avLst/>

--- a/CrossTalkModel/slides/UpdateSlides.pptx
+++ b/CrossTalkModel/slides/UpdateSlides.pptx
@@ -261,7 +261,7 @@
           <a:p>
             <a:fld id="{3110257A-BAA8-4D64-B049-2BAED0F09ABC}" type="datetimeFigureOut">
               <a:rPr lang="en-GB" smtClean="0"/>
-              <a:t>07/01/2019</a:t>
+              <a:t>08/01/2019</a:t>
             </a:fld>
             <a:endParaRPr lang="en-GB"/>
           </a:p>
@@ -431,7 +431,7 @@
           <a:p>
             <a:fld id="{3110257A-BAA8-4D64-B049-2BAED0F09ABC}" type="datetimeFigureOut">
               <a:rPr lang="en-GB" smtClean="0"/>
-              <a:t>07/01/2019</a:t>
+              <a:t>08/01/2019</a:t>
             </a:fld>
             <a:endParaRPr lang="en-GB"/>
           </a:p>
@@ -611,7 +611,7 @@
           <a:p>
             <a:fld id="{3110257A-BAA8-4D64-B049-2BAED0F09ABC}" type="datetimeFigureOut">
               <a:rPr lang="en-GB" smtClean="0"/>
-              <a:t>07/01/2019</a:t>
+              <a:t>08/01/2019</a:t>
             </a:fld>
             <a:endParaRPr lang="en-GB"/>
           </a:p>
@@ -781,7 +781,7 @@
           <a:p>
             <a:fld id="{3110257A-BAA8-4D64-B049-2BAED0F09ABC}" type="datetimeFigureOut">
               <a:rPr lang="en-GB" smtClean="0"/>
-              <a:t>07/01/2019</a:t>
+              <a:t>08/01/2019</a:t>
             </a:fld>
             <a:endParaRPr lang="en-GB"/>
           </a:p>
@@ -1025,7 +1025,7 @@
           <a:p>
             <a:fld id="{3110257A-BAA8-4D64-B049-2BAED0F09ABC}" type="datetimeFigureOut">
               <a:rPr lang="en-GB" smtClean="0"/>
-              <a:t>07/01/2019</a:t>
+              <a:t>08/01/2019</a:t>
             </a:fld>
             <a:endParaRPr lang="en-GB"/>
           </a:p>
@@ -1257,7 +1257,7 @@
           <a:p>
             <a:fld id="{3110257A-BAA8-4D64-B049-2BAED0F09ABC}" type="datetimeFigureOut">
               <a:rPr lang="en-GB" smtClean="0"/>
-              <a:t>07/01/2019</a:t>
+              <a:t>08/01/2019</a:t>
             </a:fld>
             <a:endParaRPr lang="en-GB"/>
           </a:p>
@@ -1624,7 +1624,7 @@
           <a:p>
             <a:fld id="{3110257A-BAA8-4D64-B049-2BAED0F09ABC}" type="datetimeFigureOut">
               <a:rPr lang="en-GB" smtClean="0"/>
-              <a:t>07/01/2019</a:t>
+              <a:t>08/01/2019</a:t>
             </a:fld>
             <a:endParaRPr lang="en-GB"/>
           </a:p>
@@ -1742,7 +1742,7 @@
           <a:p>
             <a:fld id="{3110257A-BAA8-4D64-B049-2BAED0F09ABC}" type="datetimeFigureOut">
               <a:rPr lang="en-GB" smtClean="0"/>
-              <a:t>07/01/2019</a:t>
+              <a:t>08/01/2019</a:t>
             </a:fld>
             <a:endParaRPr lang="en-GB"/>
           </a:p>
@@ -1837,7 +1837,7 @@
           <a:p>
             <a:fld id="{3110257A-BAA8-4D64-B049-2BAED0F09ABC}" type="datetimeFigureOut">
               <a:rPr lang="en-GB" smtClean="0"/>
-              <a:t>07/01/2019</a:t>
+              <a:t>08/01/2019</a:t>
             </a:fld>
             <a:endParaRPr lang="en-GB"/>
           </a:p>
@@ -2114,7 +2114,7 @@
           <a:p>
             <a:fld id="{3110257A-BAA8-4D64-B049-2BAED0F09ABC}" type="datetimeFigureOut">
               <a:rPr lang="en-GB" smtClean="0"/>
-              <a:t>07/01/2019</a:t>
+              <a:t>08/01/2019</a:t>
             </a:fld>
             <a:endParaRPr lang="en-GB"/>
           </a:p>
@@ -2371,7 +2371,7 @@
           <a:p>
             <a:fld id="{3110257A-BAA8-4D64-B049-2BAED0F09ABC}" type="datetimeFigureOut">
               <a:rPr lang="en-GB" smtClean="0"/>
-              <a:t>07/01/2019</a:t>
+              <a:t>08/01/2019</a:t>
             </a:fld>
             <a:endParaRPr lang="en-GB"/>
           </a:p>
@@ -2584,7 +2584,7 @@
           <a:p>
             <a:fld id="{3110257A-BAA8-4D64-B049-2BAED0F09ABC}" type="datetimeFigureOut">
               <a:rPr lang="en-GB" smtClean="0"/>
-              <a:t>07/01/2019</a:t>
+              <a:t>08/01/2019</a:t>
             </a:fld>
             <a:endParaRPr lang="en-GB"/>
           </a:p>
